--- a/Prototype.pptx
+++ b/Prototype.pptx
@@ -5,18 +5,23 @@
     <p:sldMasterId id="2147483648" r:id="rId1"/>
   </p:sldMasterIdLst>
   <p:sldIdLst>
-    <p:sldId id="258" r:id="rId2"/>
-    <p:sldId id="259" r:id="rId3"/>
-    <p:sldId id="260" r:id="rId4"/>
-    <p:sldId id="261" r:id="rId5"/>
-    <p:sldId id="262" r:id="rId6"/>
-    <p:sldId id="263" r:id="rId7"/>
-    <p:sldId id="264" r:id="rId8"/>
-    <p:sldId id="265" r:id="rId9"/>
-    <p:sldId id="266" r:id="rId10"/>
-    <p:sldId id="267" r:id="rId11"/>
-    <p:sldId id="268" r:id="rId12"/>
-    <p:sldId id="269" r:id="rId13"/>
+    <p:sldId id="274" r:id="rId2"/>
+    <p:sldId id="258" r:id="rId3"/>
+    <p:sldId id="259" r:id="rId4"/>
+    <p:sldId id="260" r:id="rId5"/>
+    <p:sldId id="261" r:id="rId6"/>
+    <p:sldId id="262" r:id="rId7"/>
+    <p:sldId id="263" r:id="rId8"/>
+    <p:sldId id="264" r:id="rId9"/>
+    <p:sldId id="265" r:id="rId10"/>
+    <p:sldId id="266" r:id="rId11"/>
+    <p:sldId id="267" r:id="rId12"/>
+    <p:sldId id="268" r:id="rId13"/>
+    <p:sldId id="269" r:id="rId14"/>
+    <p:sldId id="270" r:id="rId15"/>
+    <p:sldId id="275" r:id="rId16"/>
+    <p:sldId id="276" r:id="rId17"/>
+    <p:sldId id="278" r:id="rId18"/>
   </p:sldIdLst>
   <p:sldSz cx="12192000" cy="6858000"/>
   <p:notesSz cx="6858000" cy="9144000"/>
@@ -115,6 +120,11 @@
       </a:defRPr>
     </a:lvl9pPr>
   </p:defaultTextStyle>
+  <p:extLst>
+    <p:ext uri="{EFAFB233-063F-42B5-8137-9DF3F51BA10A}">
+      <p15:sldGuideLst xmlns:p15="http://schemas.microsoft.com/office/powerpoint/2012/main"/>
+    </p:ext>
+  </p:extLst>
 </p:presentation>
 </file>
 
@@ -249,7 +259,7 @@
           <a:p>
             <a:fld id="{FE057186-3C99-44AC-AB96-B8C528B8F170}" type="datetimeFigureOut">
               <a:rPr lang="en-SG" smtClean="0"/>
-              <a:t>11/5/2015</a:t>
+              <a:t>12/5/2015</a:t>
             </a:fld>
             <a:endParaRPr lang="en-SG"/>
           </a:p>
@@ -419,7 +429,7 @@
           <a:p>
             <a:fld id="{FE057186-3C99-44AC-AB96-B8C528B8F170}" type="datetimeFigureOut">
               <a:rPr lang="en-SG" smtClean="0"/>
-              <a:t>11/5/2015</a:t>
+              <a:t>12/5/2015</a:t>
             </a:fld>
             <a:endParaRPr lang="en-SG"/>
           </a:p>
@@ -599,7 +609,7 @@
           <a:p>
             <a:fld id="{FE057186-3C99-44AC-AB96-B8C528B8F170}" type="datetimeFigureOut">
               <a:rPr lang="en-SG" smtClean="0"/>
-              <a:t>11/5/2015</a:t>
+              <a:t>12/5/2015</a:t>
             </a:fld>
             <a:endParaRPr lang="en-SG"/>
           </a:p>
@@ -769,7 +779,7 @@
           <a:p>
             <a:fld id="{FE057186-3C99-44AC-AB96-B8C528B8F170}" type="datetimeFigureOut">
               <a:rPr lang="en-SG" smtClean="0"/>
-              <a:t>11/5/2015</a:t>
+              <a:t>12/5/2015</a:t>
             </a:fld>
             <a:endParaRPr lang="en-SG"/>
           </a:p>
@@ -1015,7 +1025,7 @@
           <a:p>
             <a:fld id="{FE057186-3C99-44AC-AB96-B8C528B8F170}" type="datetimeFigureOut">
               <a:rPr lang="en-SG" smtClean="0"/>
-              <a:t>11/5/2015</a:t>
+              <a:t>12/5/2015</a:t>
             </a:fld>
             <a:endParaRPr lang="en-SG"/>
           </a:p>
@@ -1247,7 +1257,7 @@
           <a:p>
             <a:fld id="{FE057186-3C99-44AC-AB96-B8C528B8F170}" type="datetimeFigureOut">
               <a:rPr lang="en-SG" smtClean="0"/>
-              <a:t>11/5/2015</a:t>
+              <a:t>12/5/2015</a:t>
             </a:fld>
             <a:endParaRPr lang="en-SG"/>
           </a:p>
@@ -1614,7 +1624,7 @@
           <a:p>
             <a:fld id="{FE057186-3C99-44AC-AB96-B8C528B8F170}" type="datetimeFigureOut">
               <a:rPr lang="en-SG" smtClean="0"/>
-              <a:t>11/5/2015</a:t>
+              <a:t>12/5/2015</a:t>
             </a:fld>
             <a:endParaRPr lang="en-SG"/>
           </a:p>
@@ -1732,7 +1742,7 @@
           <a:p>
             <a:fld id="{FE057186-3C99-44AC-AB96-B8C528B8F170}" type="datetimeFigureOut">
               <a:rPr lang="en-SG" smtClean="0"/>
-              <a:t>11/5/2015</a:t>
+              <a:t>12/5/2015</a:t>
             </a:fld>
             <a:endParaRPr lang="en-SG"/>
           </a:p>
@@ -1827,7 +1837,7 @@
           <a:p>
             <a:fld id="{FE057186-3C99-44AC-AB96-B8C528B8F170}" type="datetimeFigureOut">
               <a:rPr lang="en-SG" smtClean="0"/>
-              <a:t>11/5/2015</a:t>
+              <a:t>12/5/2015</a:t>
             </a:fld>
             <a:endParaRPr lang="en-SG"/>
           </a:p>
@@ -2104,7 +2114,7 @@
           <a:p>
             <a:fld id="{FE057186-3C99-44AC-AB96-B8C528B8F170}" type="datetimeFigureOut">
               <a:rPr lang="en-SG" smtClean="0"/>
-              <a:t>11/5/2015</a:t>
+              <a:t>12/5/2015</a:t>
             </a:fld>
             <a:endParaRPr lang="en-SG"/>
           </a:p>
@@ -2357,7 +2367,7 @@
           <a:p>
             <a:fld id="{FE057186-3C99-44AC-AB96-B8C528B8F170}" type="datetimeFigureOut">
               <a:rPr lang="en-SG" smtClean="0"/>
-              <a:t>11/5/2015</a:t>
+              <a:t>12/5/2015</a:t>
             </a:fld>
             <a:endParaRPr lang="en-SG"/>
           </a:p>
@@ -2570,7 +2580,7 @@
           <a:p>
             <a:fld id="{FE057186-3C99-44AC-AB96-B8C528B8F170}" type="datetimeFigureOut">
               <a:rPr lang="en-SG" smtClean="0"/>
-              <a:t>11/5/2015</a:t>
+              <a:t>12/5/2015</a:t>
             </a:fld>
             <a:endParaRPr lang="en-SG"/>
           </a:p>
@@ -2977,30 +2987,22 @@
       </p:grpSpPr>
       <p:sp>
         <p:nvSpPr>
-          <p:cNvPr id="4" name="TextBox 3"/>
-          <p:cNvSpPr txBox="1"/>
-          <p:nvPr/>
-        </p:nvSpPr>
-        <p:spPr>
-          <a:xfrm>
-            <a:off x="4356848" y="2727064"/>
-            <a:ext cx="3700630" cy="369332"/>
-          </a:xfrm>
-          <a:prstGeom prst="rect">
-            <a:avLst/>
-          </a:prstGeom>
-          <a:noFill/>
-        </p:spPr>
-        <p:txBody>
-          <a:bodyPr wrap="square" rtlCol="0">
-            <a:spAutoFit/>
-          </a:bodyPr>
-          <a:lstStyle/>
-          <a:p>
-            <a:pPr algn="ctr"/>
-            <a:r>
-              <a:rPr lang="en-SG" dirty="0" smtClean="0"/>
-              <a:t>I’m hungry</a:t>
+          <p:cNvPr id="2" name="Title 1"/>
+          <p:cNvSpPr>
+            <a:spLocks noGrp="1"/>
+          </p:cNvSpPr>
+          <p:nvPr>
+            <p:ph type="ctrTitle"/>
+          </p:nvPr>
+        </p:nvSpPr>
+        <p:spPr/>
+        <p:txBody>
+          <a:bodyPr/>
+          <a:lstStyle/>
+          <a:p>
+            <a:r>
+              <a:rPr lang="en-SG" dirty="0" smtClean="0"/>
+              <a:t>Circle of Life</a:t>
             </a:r>
             <a:endParaRPr lang="en-SG" dirty="0"/>
           </a:p>
@@ -3008,35 +3010,28 @@
       </p:sp>
       <p:sp>
         <p:nvSpPr>
-          <p:cNvPr id="6" name="TextBox 5"/>
-          <p:cNvSpPr txBox="1"/>
-          <p:nvPr/>
-        </p:nvSpPr>
-        <p:spPr>
-          <a:xfrm>
-            <a:off x="4824805" y="3241623"/>
-            <a:ext cx="2764716" cy="369332"/>
-          </a:xfrm>
-          <a:prstGeom prst="rect">
-            <a:avLst/>
-          </a:prstGeom>
-          <a:noFill/>
-          <a:ln>
-            <a:solidFill>
-              <a:schemeClr val="tx1"/>
-            </a:solidFill>
-          </a:ln>
-        </p:spPr>
-        <p:txBody>
-          <a:bodyPr wrap="square" rtlCol="0">
-            <a:spAutoFit/>
-          </a:bodyPr>
-          <a:lstStyle/>
-          <a:p>
-            <a:pPr algn="ctr"/>
-            <a:r>
-              <a:rPr lang="en-SG" dirty="0" smtClean="0"/>
-              <a:t>Ask my dad for food</a:t>
+          <p:cNvPr id="3" name="Subtitle 2"/>
+          <p:cNvSpPr>
+            <a:spLocks noGrp="1"/>
+          </p:cNvSpPr>
+          <p:nvPr>
+            <p:ph type="subTitle" idx="1"/>
+          </p:nvPr>
+        </p:nvSpPr>
+        <p:spPr/>
+        <p:txBody>
+          <a:bodyPr/>
+          <a:lstStyle/>
+          <a:p>
+            <a:r>
+              <a:rPr lang="en-SG" dirty="0" smtClean="0"/>
+              <a:t>Jeremy Hon</a:t>
+            </a:r>
+          </a:p>
+          <a:p>
+            <a:r>
+              <a:rPr lang="en-SG" dirty="0" smtClean="0"/>
+              <a:t>Adrian Chan</a:t>
             </a:r>
             <a:endParaRPr lang="en-SG" dirty="0"/>
           </a:p>
@@ -3045,25 +3040,13 @@
     </p:spTree>
     <p:extLst>
       <p:ext uri="{BB962C8B-B14F-4D97-AF65-F5344CB8AC3E}">
-        <p14:creationId xmlns:p14="http://schemas.microsoft.com/office/powerpoint/2010/main" val="1117831536"/>
+        <p14:creationId xmlns:p14="http://schemas.microsoft.com/office/powerpoint/2010/main" val="230532399"/>
       </p:ext>
     </p:extLst>
   </p:cSld>
   <p:clrMapOvr>
     <a:masterClrMapping/>
   </p:clrMapOvr>
-  <mc:AlternateContent xmlns:mc="http://schemas.openxmlformats.org/markup-compatibility/2006">
-    <mc:Choice xmlns:p14="http://schemas.microsoft.com/office/powerpoint/2010/main" Requires="p14">
-      <p:transition spd="slow" p14:dur="1300">
-        <p14:pan dir="u"/>
-      </p:transition>
-    </mc:Choice>
-    <mc:Fallback>
-      <p:transition spd="slow">
-        <p:fade/>
-      </p:transition>
-    </mc:Fallback>
-  </mc:AlternateContent>
   <p:timing>
     <p:tnLst>
       <p:par>
@@ -3099,8 +3082,8 @@
         </p:nvSpPr>
         <p:spPr>
           <a:xfrm>
-            <a:off x="4356848" y="1913314"/>
-            <a:ext cx="3700630" cy="1338828"/>
+            <a:off x="4356848" y="2337181"/>
+            <a:ext cx="3700630" cy="923330"/>
           </a:xfrm>
           <a:prstGeom prst="rect">
             <a:avLst/>
@@ -3139,18 +3122,7 @@
             </a:pPr>
             <a:r>
               <a:rPr lang="en-SG" dirty="0" smtClean="0"/>
-              <a:t>Happy birthday, kid</a:t>
-            </a:r>
-          </a:p>
-          <a:p>
-            <a:pPr algn="ctr">
-              <a:lnSpc>
-                <a:spcPct val="150000"/>
-              </a:lnSpc>
-            </a:pPr>
-            <a:r>
-              <a:rPr lang="en-SG" dirty="0" smtClean="0"/>
-              <a:t>You fall in love</a:t>
+              <a:t>You wish yourself a happy birthday</a:t>
             </a:r>
             <a:endParaRPr lang="en-SG" dirty="0"/>
           </a:p>
@@ -3190,23 +3162,33 @@
       </p:sp>
       <p:sp>
         <p:nvSpPr>
-          <p:cNvPr id="8" name="Rectangle 7"/>
+          <p:cNvPr id="12" name="Rectangle 11"/>
           <p:cNvSpPr/>
           <p:nvPr/>
         </p:nvSpPr>
         <p:spPr>
           <a:xfrm>
-            <a:off x="9515139" y="801444"/>
-            <a:ext cx="817581" cy="408791"/>
-          </a:xfrm>
-          <a:prstGeom prst="rect">
-            <a:avLst/>
-          </a:prstGeom>
-          <a:noFill/>
+            <a:off x="0" y="0"/>
+            <a:ext cx="12192000" cy="3160990"/>
+          </a:xfrm>
+          <a:prstGeom prst="rect">
+            <a:avLst/>
+          </a:prstGeom>
+          <a:gradFill>
+            <a:gsLst>
+              <a:gs pos="99000">
+                <a:schemeClr val="bg1">
+                  <a:alpha val="0"/>
+                </a:schemeClr>
+              </a:gs>
+              <a:gs pos="15000">
+                <a:schemeClr val="bg1"/>
+              </a:gs>
+            </a:gsLst>
+            <a:lin ang="5400000" scaled="1"/>
+          </a:gradFill>
           <a:ln>
-            <a:solidFill>
-              <a:schemeClr val="tx1"/>
-            </a:solidFill>
+            <a:noFill/>
           </a:ln>
         </p:spPr>
         <p:style>
@@ -3229,63 +3211,20 @@
           <a:bodyPr rtlCol="0" anchor="ctr"/>
           <a:lstStyle/>
           <a:p>
-            <a:pPr algn="r"/>
-            <a:r>
-              <a:rPr lang="en-SG" dirty="0" smtClean="0">
-                <a:solidFill>
-                  <a:schemeClr val="tx1"/>
-                </a:solidFill>
-              </a:rPr>
-              <a:t>40</a:t>
-            </a:r>
-            <a:endParaRPr lang="en-SG" dirty="0">
-              <a:solidFill>
-                <a:schemeClr val="tx1"/>
-              </a:solidFill>
-            </a:endParaRPr>
-          </a:p>
-        </p:txBody>
-      </p:sp>
-      <p:sp>
-        <p:nvSpPr>
-          <p:cNvPr id="9" name="TextBox 8"/>
-          <p:cNvSpPr txBox="1"/>
-          <p:nvPr/>
-        </p:nvSpPr>
-        <p:spPr>
-          <a:xfrm>
-            <a:off x="8347934" y="812203"/>
-            <a:ext cx="1371599" cy="369332"/>
-          </a:xfrm>
-          <a:prstGeom prst="rect">
-            <a:avLst/>
-          </a:prstGeom>
-          <a:solidFill>
-            <a:schemeClr val="bg1"/>
-          </a:solidFill>
-        </p:spPr>
-        <p:txBody>
-          <a:bodyPr wrap="square" rtlCol="0">
-            <a:spAutoFit/>
-          </a:bodyPr>
-          <a:lstStyle/>
-          <a:p>
-            <a:r>
-              <a:rPr lang="en-SG" dirty="0" smtClean="0"/>
-              <a:t>Sustenance:</a:t>
-            </a:r>
-          </a:p>
-        </p:txBody>
-      </p:sp>
-      <p:sp>
-        <p:nvSpPr>
-          <p:cNvPr id="10" name="Rectangle 9"/>
+            <a:pPr algn="ctr"/>
+            <a:endParaRPr lang="en-SG"/>
+          </a:p>
+        </p:txBody>
+      </p:sp>
+      <p:sp>
+        <p:nvSpPr>
+          <p:cNvPr id="8" name="Rectangle 7"/>
           <p:cNvSpPr/>
           <p:nvPr/>
         </p:nvSpPr>
         <p:spPr>
           <a:xfrm>
-            <a:off x="9516932" y="1255062"/>
+            <a:off x="9515139" y="801444"/>
             <a:ext cx="817581" cy="408791"/>
           </a:xfrm>
           <a:prstGeom prst="rect">
@@ -3337,13 +3276,13 @@
       </p:sp>
       <p:sp>
         <p:nvSpPr>
-          <p:cNvPr id="11" name="TextBox 10"/>
+          <p:cNvPr id="9" name="TextBox 8"/>
           <p:cNvSpPr txBox="1"/>
           <p:nvPr/>
         </p:nvSpPr>
         <p:spPr>
           <a:xfrm>
-            <a:off x="8269044" y="1265821"/>
+            <a:off x="8347934" y="812203"/>
             <a:ext cx="1371599" cy="369332"/>
           </a:xfrm>
           <a:prstGeom prst="rect">
@@ -3359,18 +3298,109 @@
           </a:bodyPr>
           <a:lstStyle/>
           <a:p>
+            <a:r>
+              <a:rPr lang="en-SG" dirty="0" smtClean="0"/>
+              <a:t>Sustenance</a:t>
+            </a:r>
+            <a:endParaRPr lang="en-SG" dirty="0" smtClean="0"/>
+          </a:p>
+        </p:txBody>
+      </p:sp>
+      <p:sp>
+        <p:nvSpPr>
+          <p:cNvPr id="10" name="Rectangle 9"/>
+          <p:cNvSpPr/>
+          <p:nvPr/>
+        </p:nvSpPr>
+        <p:spPr>
+          <a:xfrm>
+            <a:off x="9516932" y="1255062"/>
+            <a:ext cx="817581" cy="408791"/>
+          </a:xfrm>
+          <a:prstGeom prst="rect">
+            <a:avLst/>
+          </a:prstGeom>
+          <a:noFill/>
+          <a:ln>
+            <a:solidFill>
+              <a:schemeClr val="tx1"/>
+            </a:solidFill>
+          </a:ln>
+        </p:spPr>
+        <p:style>
+          <a:lnRef idx="2">
+            <a:schemeClr val="accent1">
+              <a:shade val="50000"/>
+            </a:schemeClr>
+          </a:lnRef>
+          <a:fillRef idx="1">
+            <a:schemeClr val="accent1"/>
+          </a:fillRef>
+          <a:effectRef idx="0">
+            <a:schemeClr val="accent1"/>
+          </a:effectRef>
+          <a:fontRef idx="minor">
+            <a:schemeClr val="lt1"/>
+          </a:fontRef>
+        </p:style>
+        <p:txBody>
+          <a:bodyPr rtlCol="0" anchor="ctr"/>
+          <a:lstStyle/>
+          <a:p>
             <a:pPr algn="r"/>
             <a:r>
-              <a:rPr lang="en-SG" dirty="0" smtClean="0"/>
-              <a:t>Happiness:</a:t>
-            </a:r>
+              <a:rPr lang="en-SG" dirty="0" smtClean="0">
+                <a:solidFill>
+                  <a:schemeClr val="tx1"/>
+                </a:solidFill>
+              </a:rPr>
+              <a:t>40</a:t>
+            </a:r>
+            <a:endParaRPr lang="en-SG" dirty="0">
+              <a:solidFill>
+                <a:schemeClr val="tx1"/>
+              </a:solidFill>
+            </a:endParaRPr>
+          </a:p>
+        </p:txBody>
+      </p:sp>
+      <p:sp>
+        <p:nvSpPr>
+          <p:cNvPr id="11" name="TextBox 10"/>
+          <p:cNvSpPr txBox="1"/>
+          <p:nvPr/>
+        </p:nvSpPr>
+        <p:spPr>
+          <a:xfrm>
+            <a:off x="8269044" y="1265821"/>
+            <a:ext cx="1371599" cy="369332"/>
+          </a:xfrm>
+          <a:prstGeom prst="rect">
+            <a:avLst/>
+          </a:prstGeom>
+          <a:solidFill>
+            <a:schemeClr val="bg1"/>
+          </a:solidFill>
+        </p:spPr>
+        <p:txBody>
+          <a:bodyPr wrap="square" rtlCol="0">
+            <a:spAutoFit/>
+          </a:bodyPr>
+          <a:lstStyle/>
+          <a:p>
+            <a:pPr algn="r"/>
+            <a:r>
+              <a:rPr lang="en-SG" dirty="0" smtClean="0"/>
+              <a:t>Happiness</a:t>
+            </a:r>
+            <a:endParaRPr lang="en-SG" dirty="0" smtClean="0"/>
           </a:p>
         </p:txBody>
       </p:sp>
     </p:spTree>
     <p:extLst>
       <p:ext uri="{BB962C8B-B14F-4D97-AF65-F5344CB8AC3E}">
-        <p14:creationId xmlns:p14="http://schemas.microsoft.com/office/powerpoint/2010/main" val="1801482470"/>
+        <p14:creationId xmlns:p14="http://schemas.microsoft.com/office/powerpoint/2010/main" val="3728165403"/>
       </p:ext>
     </p:extLst>
   </p:cSld>
@@ -3379,12 +3409,12 @@
   </p:clrMapOvr>
   <mc:AlternateContent xmlns:mc="http://schemas.openxmlformats.org/markup-compatibility/2006">
     <mc:Choice xmlns:p14="http://schemas.microsoft.com/office/powerpoint/2010/main" Requires="p14">
-      <p:transition spd="slow" p14:dur="1300" advClick="0">
-        <p14:pan dir="u"/>
+      <p:transition p14:dur="250" advClick="0">
+        <p:fade/>
       </p:transition>
     </mc:Choice>
     <mc:Fallback>
-      <p:transition spd="slow" advClick="0">
+      <p:transition advClick="0">
         <p:fade/>
       </p:transition>
     </mc:Fallback>
@@ -3424,8 +3454,8 @@
         </p:nvSpPr>
         <p:spPr>
           <a:xfrm>
-            <a:off x="4356848" y="1498973"/>
-            <a:ext cx="3700630" cy="1754326"/>
+            <a:off x="4356848" y="1913314"/>
+            <a:ext cx="3700630" cy="1338828"/>
           </a:xfrm>
           <a:prstGeom prst="rect">
             <a:avLst/>
@@ -3476,17 +3506,6 @@
             <a:r>
               <a:rPr lang="en-SG" dirty="0" smtClean="0"/>
               <a:t>You fall in love</a:t>
-            </a:r>
-          </a:p>
-          <a:p>
-            <a:pPr algn="ctr">
-              <a:lnSpc>
-                <a:spcPct val="150000"/>
-              </a:lnSpc>
-            </a:pPr>
-            <a:r>
-              <a:rPr lang="en-SG" dirty="0" smtClean="0"/>
-              <a:t>You get married</a:t>
             </a:r>
             <a:endParaRPr lang="en-SG" dirty="0"/>
           </a:p>
@@ -3520,33 +3539,39 @@
           <a:lstStyle/>
           <a:p>
             <a:pPr algn="ctr"/>
-            <a:r>
-              <a:rPr lang="en-SG" dirty="0" smtClean="0"/>
-              <a:t>Have a child</a:t>
-            </a:r>
             <a:endParaRPr lang="en-SG" dirty="0"/>
           </a:p>
         </p:txBody>
       </p:sp>
       <p:sp>
         <p:nvSpPr>
-          <p:cNvPr id="8" name="Rectangle 7"/>
+          <p:cNvPr id="12" name="Rectangle 11"/>
           <p:cNvSpPr/>
           <p:nvPr/>
         </p:nvSpPr>
         <p:spPr>
           <a:xfrm>
-            <a:off x="9515139" y="801444"/>
-            <a:ext cx="817581" cy="408791"/>
-          </a:xfrm>
-          <a:prstGeom prst="rect">
-            <a:avLst/>
-          </a:prstGeom>
-          <a:noFill/>
+            <a:off x="0" y="0"/>
+            <a:ext cx="12192000" cy="3160990"/>
+          </a:xfrm>
+          <a:prstGeom prst="rect">
+            <a:avLst/>
+          </a:prstGeom>
+          <a:gradFill>
+            <a:gsLst>
+              <a:gs pos="99000">
+                <a:schemeClr val="bg1">
+                  <a:alpha val="0"/>
+                </a:schemeClr>
+              </a:gs>
+              <a:gs pos="15000">
+                <a:schemeClr val="bg1"/>
+              </a:gs>
+            </a:gsLst>
+            <a:lin ang="5400000" scaled="1"/>
+          </a:gradFill>
           <a:ln>
-            <a:solidFill>
-              <a:schemeClr val="tx1"/>
-            </a:solidFill>
+            <a:noFill/>
           </a:ln>
         </p:spPr>
         <p:style>
@@ -3569,63 +3594,20 @@
           <a:bodyPr rtlCol="0" anchor="ctr"/>
           <a:lstStyle/>
           <a:p>
-            <a:pPr algn="r"/>
-            <a:r>
-              <a:rPr lang="en-SG" dirty="0" smtClean="0">
-                <a:solidFill>
-                  <a:schemeClr val="tx1"/>
-                </a:solidFill>
-              </a:rPr>
-              <a:t>40</a:t>
-            </a:r>
-            <a:endParaRPr lang="en-SG" dirty="0">
-              <a:solidFill>
-                <a:schemeClr val="tx1"/>
-              </a:solidFill>
-            </a:endParaRPr>
-          </a:p>
-        </p:txBody>
-      </p:sp>
-      <p:sp>
-        <p:nvSpPr>
-          <p:cNvPr id="9" name="TextBox 8"/>
-          <p:cNvSpPr txBox="1"/>
-          <p:nvPr/>
-        </p:nvSpPr>
-        <p:spPr>
-          <a:xfrm>
-            <a:off x="8347934" y="812203"/>
-            <a:ext cx="1371599" cy="369332"/>
-          </a:xfrm>
-          <a:prstGeom prst="rect">
-            <a:avLst/>
-          </a:prstGeom>
-          <a:solidFill>
-            <a:schemeClr val="bg1"/>
-          </a:solidFill>
-        </p:spPr>
-        <p:txBody>
-          <a:bodyPr wrap="square" rtlCol="0">
-            <a:spAutoFit/>
-          </a:bodyPr>
-          <a:lstStyle/>
-          <a:p>
-            <a:r>
-              <a:rPr lang="en-SG" dirty="0" smtClean="0"/>
-              <a:t>Sustenance:</a:t>
-            </a:r>
-          </a:p>
-        </p:txBody>
-      </p:sp>
-      <p:sp>
-        <p:nvSpPr>
-          <p:cNvPr id="10" name="Rectangle 9"/>
+            <a:pPr algn="ctr"/>
+            <a:endParaRPr lang="en-SG"/>
+          </a:p>
+        </p:txBody>
+      </p:sp>
+      <p:sp>
+        <p:nvSpPr>
+          <p:cNvPr id="8" name="Rectangle 7"/>
           <p:cNvSpPr/>
           <p:nvPr/>
         </p:nvSpPr>
         <p:spPr>
           <a:xfrm>
-            <a:off x="9516932" y="1255062"/>
+            <a:off x="9515139" y="801444"/>
             <a:ext cx="817581" cy="408791"/>
           </a:xfrm>
           <a:prstGeom prst="rect">
@@ -3677,13 +3659,13 @@
       </p:sp>
       <p:sp>
         <p:nvSpPr>
-          <p:cNvPr id="11" name="TextBox 10"/>
+          <p:cNvPr id="9" name="TextBox 8"/>
           <p:cNvSpPr txBox="1"/>
           <p:nvPr/>
         </p:nvSpPr>
         <p:spPr>
           <a:xfrm>
-            <a:off x="8269044" y="1265821"/>
+            <a:off x="8347934" y="812203"/>
             <a:ext cx="1371599" cy="369332"/>
           </a:xfrm>
           <a:prstGeom prst="rect">
@@ -3699,18 +3681,109 @@
           </a:bodyPr>
           <a:lstStyle/>
           <a:p>
+            <a:r>
+              <a:rPr lang="en-SG" dirty="0" smtClean="0"/>
+              <a:t>Sustenance</a:t>
+            </a:r>
+            <a:endParaRPr lang="en-SG" dirty="0" smtClean="0"/>
+          </a:p>
+        </p:txBody>
+      </p:sp>
+      <p:sp>
+        <p:nvSpPr>
+          <p:cNvPr id="10" name="Rectangle 9"/>
+          <p:cNvSpPr/>
+          <p:nvPr/>
+        </p:nvSpPr>
+        <p:spPr>
+          <a:xfrm>
+            <a:off x="9516932" y="1255062"/>
+            <a:ext cx="817581" cy="408791"/>
+          </a:xfrm>
+          <a:prstGeom prst="rect">
+            <a:avLst/>
+          </a:prstGeom>
+          <a:noFill/>
+          <a:ln>
+            <a:solidFill>
+              <a:schemeClr val="tx1"/>
+            </a:solidFill>
+          </a:ln>
+        </p:spPr>
+        <p:style>
+          <a:lnRef idx="2">
+            <a:schemeClr val="accent1">
+              <a:shade val="50000"/>
+            </a:schemeClr>
+          </a:lnRef>
+          <a:fillRef idx="1">
+            <a:schemeClr val="accent1"/>
+          </a:fillRef>
+          <a:effectRef idx="0">
+            <a:schemeClr val="accent1"/>
+          </a:effectRef>
+          <a:fontRef idx="minor">
+            <a:schemeClr val="lt1"/>
+          </a:fontRef>
+        </p:style>
+        <p:txBody>
+          <a:bodyPr rtlCol="0" anchor="ctr"/>
+          <a:lstStyle/>
+          <a:p>
             <a:pPr algn="r"/>
             <a:r>
-              <a:rPr lang="en-SG" dirty="0" smtClean="0"/>
-              <a:t>Happiness:</a:t>
-            </a:r>
+              <a:rPr lang="en-SG" dirty="0" smtClean="0">
+                <a:solidFill>
+                  <a:schemeClr val="tx1"/>
+                </a:solidFill>
+              </a:rPr>
+              <a:t>40</a:t>
+            </a:r>
+            <a:endParaRPr lang="en-SG" dirty="0">
+              <a:solidFill>
+                <a:schemeClr val="tx1"/>
+              </a:solidFill>
+            </a:endParaRPr>
+          </a:p>
+        </p:txBody>
+      </p:sp>
+      <p:sp>
+        <p:nvSpPr>
+          <p:cNvPr id="11" name="TextBox 10"/>
+          <p:cNvSpPr txBox="1"/>
+          <p:nvPr/>
+        </p:nvSpPr>
+        <p:spPr>
+          <a:xfrm>
+            <a:off x="8269044" y="1265821"/>
+            <a:ext cx="1371599" cy="369332"/>
+          </a:xfrm>
+          <a:prstGeom prst="rect">
+            <a:avLst/>
+          </a:prstGeom>
+          <a:solidFill>
+            <a:schemeClr val="bg1"/>
+          </a:solidFill>
+        </p:spPr>
+        <p:txBody>
+          <a:bodyPr wrap="square" rtlCol="0">
+            <a:spAutoFit/>
+          </a:bodyPr>
+          <a:lstStyle/>
+          <a:p>
+            <a:pPr algn="r"/>
+            <a:r>
+              <a:rPr lang="en-SG" dirty="0" smtClean="0"/>
+              <a:t>Happiness</a:t>
+            </a:r>
+            <a:endParaRPr lang="en-SG" dirty="0" smtClean="0"/>
           </a:p>
         </p:txBody>
       </p:sp>
     </p:spTree>
     <p:extLst>
       <p:ext uri="{BB962C8B-B14F-4D97-AF65-F5344CB8AC3E}">
-        <p14:creationId xmlns:p14="http://schemas.microsoft.com/office/powerpoint/2010/main" val="3468516733"/>
+        <p14:creationId xmlns:p14="http://schemas.microsoft.com/office/powerpoint/2010/main" val="1801482470"/>
       </p:ext>
     </p:extLst>
   </p:cSld>
@@ -3719,12 +3792,12 @@
   </p:clrMapOvr>
   <mc:AlternateContent xmlns:mc="http://schemas.openxmlformats.org/markup-compatibility/2006">
     <mc:Choice xmlns:p14="http://schemas.microsoft.com/office/powerpoint/2010/main" Requires="p14">
-      <p:transition spd="slow" p14:dur="1300" advClick="0">
-        <p14:pan dir="u"/>
+      <p:transition p14:dur="250" advClick="0">
+        <p:fade/>
       </p:transition>
     </mc:Choice>
     <mc:Fallback>
-      <p:transition spd="slow" advClick="0">
+      <p:transition advClick="0">
         <p:fade/>
       </p:transition>
     </mc:Fallback>
@@ -3870,23 +3943,33 @@
       </p:sp>
       <p:sp>
         <p:nvSpPr>
-          <p:cNvPr id="8" name="Rectangle 7"/>
+          <p:cNvPr id="12" name="Rectangle 11"/>
           <p:cNvSpPr/>
           <p:nvPr/>
         </p:nvSpPr>
         <p:spPr>
           <a:xfrm>
-            <a:off x="9515139" y="801444"/>
-            <a:ext cx="817581" cy="408791"/>
-          </a:xfrm>
-          <a:prstGeom prst="rect">
-            <a:avLst/>
-          </a:prstGeom>
-          <a:noFill/>
+            <a:off x="0" y="0"/>
+            <a:ext cx="12192000" cy="3160990"/>
+          </a:xfrm>
+          <a:prstGeom prst="rect">
+            <a:avLst/>
+          </a:prstGeom>
+          <a:gradFill>
+            <a:gsLst>
+              <a:gs pos="77000">
+                <a:schemeClr val="bg1">
+                  <a:alpha val="0"/>
+                </a:schemeClr>
+              </a:gs>
+              <a:gs pos="47000">
+                <a:schemeClr val="bg1"/>
+              </a:gs>
+            </a:gsLst>
+            <a:lin ang="5400000" scaled="1"/>
+          </a:gradFill>
           <a:ln>
-            <a:solidFill>
-              <a:schemeClr val="tx1"/>
-            </a:solidFill>
+            <a:noFill/>
           </a:ln>
         </p:spPr>
         <p:style>
@@ -3909,63 +3992,20 @@
           <a:bodyPr rtlCol="0" anchor="ctr"/>
           <a:lstStyle/>
           <a:p>
-            <a:pPr algn="r"/>
-            <a:r>
-              <a:rPr lang="en-SG" dirty="0" smtClean="0">
-                <a:solidFill>
-                  <a:schemeClr val="tx1"/>
-                </a:solidFill>
-              </a:rPr>
-              <a:t>40</a:t>
-            </a:r>
-            <a:endParaRPr lang="en-SG" dirty="0">
-              <a:solidFill>
-                <a:schemeClr val="tx1"/>
-              </a:solidFill>
-            </a:endParaRPr>
-          </a:p>
-        </p:txBody>
-      </p:sp>
-      <p:sp>
-        <p:nvSpPr>
-          <p:cNvPr id="9" name="TextBox 8"/>
-          <p:cNvSpPr txBox="1"/>
-          <p:nvPr/>
-        </p:nvSpPr>
-        <p:spPr>
-          <a:xfrm>
-            <a:off x="8347934" y="812203"/>
-            <a:ext cx="1371599" cy="369332"/>
-          </a:xfrm>
-          <a:prstGeom prst="rect">
-            <a:avLst/>
-          </a:prstGeom>
-          <a:solidFill>
-            <a:schemeClr val="bg1"/>
-          </a:solidFill>
-        </p:spPr>
-        <p:txBody>
-          <a:bodyPr wrap="square" rtlCol="0">
-            <a:spAutoFit/>
-          </a:bodyPr>
-          <a:lstStyle/>
-          <a:p>
-            <a:r>
-              <a:rPr lang="en-SG" dirty="0" smtClean="0"/>
-              <a:t>Sustenance:</a:t>
-            </a:r>
-          </a:p>
-        </p:txBody>
-      </p:sp>
-      <p:sp>
-        <p:nvSpPr>
-          <p:cNvPr id="10" name="Rectangle 9"/>
+            <a:pPr algn="ctr"/>
+            <a:endParaRPr lang="en-SG"/>
+          </a:p>
+        </p:txBody>
+      </p:sp>
+      <p:sp>
+        <p:nvSpPr>
+          <p:cNvPr id="8" name="Rectangle 7"/>
           <p:cNvSpPr/>
           <p:nvPr/>
         </p:nvSpPr>
         <p:spPr>
           <a:xfrm>
-            <a:off x="9516932" y="1255062"/>
+            <a:off x="9515139" y="801444"/>
             <a:ext cx="817581" cy="408791"/>
           </a:xfrm>
           <a:prstGeom prst="rect">
@@ -4017,13 +4057,13 @@
       </p:sp>
       <p:sp>
         <p:nvSpPr>
-          <p:cNvPr id="11" name="TextBox 10"/>
+          <p:cNvPr id="9" name="TextBox 8"/>
           <p:cNvSpPr txBox="1"/>
           <p:nvPr/>
         </p:nvSpPr>
         <p:spPr>
           <a:xfrm>
-            <a:off x="8269044" y="1265821"/>
+            <a:off x="8347934" y="812203"/>
             <a:ext cx="1371599" cy="369332"/>
           </a:xfrm>
           <a:prstGeom prst="rect">
@@ -4039,11 +4079,444 @@
           </a:bodyPr>
           <a:lstStyle/>
           <a:p>
+            <a:r>
+              <a:rPr lang="en-SG" dirty="0" smtClean="0"/>
+              <a:t>Sustenance</a:t>
+            </a:r>
+            <a:endParaRPr lang="en-SG" dirty="0" smtClean="0"/>
+          </a:p>
+        </p:txBody>
+      </p:sp>
+      <p:sp>
+        <p:nvSpPr>
+          <p:cNvPr id="10" name="Rectangle 9"/>
+          <p:cNvSpPr/>
+          <p:nvPr/>
+        </p:nvSpPr>
+        <p:spPr>
+          <a:xfrm>
+            <a:off x="9516932" y="1255062"/>
+            <a:ext cx="817581" cy="408791"/>
+          </a:xfrm>
+          <a:prstGeom prst="rect">
+            <a:avLst/>
+          </a:prstGeom>
+          <a:noFill/>
+          <a:ln>
+            <a:solidFill>
+              <a:schemeClr val="tx1"/>
+            </a:solidFill>
+          </a:ln>
+        </p:spPr>
+        <p:style>
+          <a:lnRef idx="2">
+            <a:schemeClr val="accent1">
+              <a:shade val="50000"/>
+            </a:schemeClr>
+          </a:lnRef>
+          <a:fillRef idx="1">
+            <a:schemeClr val="accent1"/>
+          </a:fillRef>
+          <a:effectRef idx="0">
+            <a:schemeClr val="accent1"/>
+          </a:effectRef>
+          <a:fontRef idx="minor">
+            <a:schemeClr val="lt1"/>
+          </a:fontRef>
+        </p:style>
+        <p:txBody>
+          <a:bodyPr rtlCol="0" anchor="ctr"/>
+          <a:lstStyle/>
+          <a:p>
             <a:pPr algn="r"/>
             <a:r>
-              <a:rPr lang="en-SG" dirty="0" smtClean="0"/>
-              <a:t>Happiness:</a:t>
-            </a:r>
+              <a:rPr lang="en-SG" dirty="0" smtClean="0">
+                <a:solidFill>
+                  <a:schemeClr val="tx1"/>
+                </a:solidFill>
+              </a:rPr>
+              <a:t>40</a:t>
+            </a:r>
+            <a:endParaRPr lang="en-SG" dirty="0">
+              <a:solidFill>
+                <a:schemeClr val="tx1"/>
+              </a:solidFill>
+            </a:endParaRPr>
+          </a:p>
+        </p:txBody>
+      </p:sp>
+      <p:sp>
+        <p:nvSpPr>
+          <p:cNvPr id="11" name="TextBox 10"/>
+          <p:cNvSpPr txBox="1"/>
+          <p:nvPr/>
+        </p:nvSpPr>
+        <p:spPr>
+          <a:xfrm>
+            <a:off x="8269044" y="1265821"/>
+            <a:ext cx="1371599" cy="369332"/>
+          </a:xfrm>
+          <a:prstGeom prst="rect">
+            <a:avLst/>
+          </a:prstGeom>
+          <a:solidFill>
+            <a:schemeClr val="bg1"/>
+          </a:solidFill>
+        </p:spPr>
+        <p:txBody>
+          <a:bodyPr wrap="square" rtlCol="0">
+            <a:spAutoFit/>
+          </a:bodyPr>
+          <a:lstStyle/>
+          <a:p>
+            <a:pPr algn="r"/>
+            <a:r>
+              <a:rPr lang="en-SG" dirty="0" smtClean="0"/>
+              <a:t>Happiness</a:t>
+            </a:r>
+            <a:endParaRPr lang="en-SG" dirty="0" smtClean="0"/>
+          </a:p>
+        </p:txBody>
+      </p:sp>
+    </p:spTree>
+    <p:extLst>
+      <p:ext uri="{BB962C8B-B14F-4D97-AF65-F5344CB8AC3E}">
+        <p14:creationId xmlns:p14="http://schemas.microsoft.com/office/powerpoint/2010/main" val="3468516733"/>
+      </p:ext>
+    </p:extLst>
+  </p:cSld>
+  <p:clrMapOvr>
+    <a:masterClrMapping/>
+  </p:clrMapOvr>
+  <mc:AlternateContent xmlns:mc="http://schemas.openxmlformats.org/markup-compatibility/2006">
+    <mc:Choice xmlns:p14="http://schemas.microsoft.com/office/powerpoint/2010/main" Requires="p14">
+      <p:transition p14:dur="250" advClick="0">
+        <p:fade/>
+      </p:transition>
+    </mc:Choice>
+    <mc:Fallback>
+      <p:transition advClick="0">
+        <p:fade/>
+      </p:transition>
+    </mc:Fallback>
+  </mc:AlternateContent>
+  <p:timing>
+    <p:tnLst>
+      <p:par>
+        <p:cTn id="1" dur="indefinite" restart="never" nodeType="tmRoot"/>
+      </p:par>
+    </p:tnLst>
+  </p:timing>
+</p:sld>
+</file>
+
+<file path=ppt/slides/slide13.xml><?xml version="1.0" encoding="utf-8"?>
+<p:sld xmlns:a="http://schemas.openxmlformats.org/drawingml/2006/main" xmlns:r="http://schemas.openxmlformats.org/officeDocument/2006/relationships" xmlns:p="http://schemas.openxmlformats.org/presentationml/2006/main">
+  <p:cSld>
+    <p:spTree>
+      <p:nvGrpSpPr>
+        <p:cNvPr id="1" name=""/>
+        <p:cNvGrpSpPr/>
+        <p:nvPr/>
+      </p:nvGrpSpPr>
+      <p:grpSpPr>
+        <a:xfrm>
+          <a:off x="0" y="0"/>
+          <a:ext cx="0" cy="0"/>
+          <a:chOff x="0" y="0"/>
+          <a:chExt cx="0" cy="0"/>
+        </a:xfrm>
+      </p:grpSpPr>
+      <p:sp>
+        <p:nvSpPr>
+          <p:cNvPr id="4" name="TextBox 3"/>
+          <p:cNvSpPr txBox="1"/>
+          <p:nvPr/>
+        </p:nvSpPr>
+        <p:spPr>
+          <a:xfrm>
+            <a:off x="4356848" y="1498973"/>
+            <a:ext cx="3700630" cy="1754326"/>
+          </a:xfrm>
+          <a:prstGeom prst="rect">
+            <a:avLst/>
+          </a:prstGeom>
+          <a:noFill/>
+        </p:spPr>
+        <p:txBody>
+          <a:bodyPr wrap="square" rtlCol="0">
+            <a:spAutoFit/>
+          </a:bodyPr>
+          <a:lstStyle/>
+          <a:p>
+            <a:pPr algn="ctr">
+              <a:lnSpc>
+                <a:spcPct val="150000"/>
+              </a:lnSpc>
+            </a:pPr>
+            <a:r>
+              <a:rPr lang="en-SG" dirty="0" smtClean="0"/>
+              <a:t>It’s my 18</a:t>
+            </a:r>
+            <a:r>
+              <a:rPr lang="en-SG" baseline="30000" dirty="0" smtClean="0"/>
+              <a:t>th</a:t>
+            </a:r>
+            <a:r>
+              <a:rPr lang="en-SG" dirty="0" smtClean="0"/>
+              <a:t> birthday.</a:t>
+            </a:r>
+          </a:p>
+          <a:p>
+            <a:pPr algn="ctr">
+              <a:lnSpc>
+                <a:spcPct val="150000"/>
+              </a:lnSpc>
+            </a:pPr>
+            <a:r>
+              <a:rPr lang="en-SG" dirty="0" smtClean="0"/>
+              <a:t>Happy birthday, kid</a:t>
+            </a:r>
+          </a:p>
+          <a:p>
+            <a:pPr algn="ctr">
+              <a:lnSpc>
+                <a:spcPct val="150000"/>
+              </a:lnSpc>
+            </a:pPr>
+            <a:r>
+              <a:rPr lang="en-SG" dirty="0" smtClean="0"/>
+              <a:t>You fall in love</a:t>
+            </a:r>
+          </a:p>
+          <a:p>
+            <a:pPr algn="ctr">
+              <a:lnSpc>
+                <a:spcPct val="150000"/>
+              </a:lnSpc>
+            </a:pPr>
+            <a:r>
+              <a:rPr lang="en-SG" dirty="0" smtClean="0"/>
+              <a:t>You get married</a:t>
+            </a:r>
+            <a:endParaRPr lang="en-SG" dirty="0"/>
+          </a:p>
+        </p:txBody>
+      </p:sp>
+      <p:sp>
+        <p:nvSpPr>
+          <p:cNvPr id="6" name="TextBox 5"/>
+          <p:cNvSpPr txBox="1"/>
+          <p:nvPr/>
+        </p:nvSpPr>
+        <p:spPr>
+          <a:xfrm>
+            <a:off x="4667250" y="3240212"/>
+            <a:ext cx="3143249" cy="369332"/>
+          </a:xfrm>
+          <a:prstGeom prst="rect">
+            <a:avLst/>
+          </a:prstGeom>
+          <a:noFill/>
+          <a:ln>
+            <a:solidFill>
+              <a:schemeClr val="tx1"/>
+            </a:solidFill>
+          </a:ln>
+        </p:spPr>
+        <p:txBody>
+          <a:bodyPr wrap="square" rtlCol="0">
+            <a:spAutoFit/>
+          </a:bodyPr>
+          <a:lstStyle/>
+          <a:p>
+            <a:pPr algn="ctr"/>
+            <a:r>
+              <a:rPr lang="en-SG" dirty="0" smtClean="0"/>
+              <a:t>Have a child</a:t>
+            </a:r>
+            <a:endParaRPr lang="en-SG" dirty="0"/>
+          </a:p>
+        </p:txBody>
+      </p:sp>
+      <p:sp>
+        <p:nvSpPr>
+          <p:cNvPr id="8" name="Rectangle 7"/>
+          <p:cNvSpPr/>
+          <p:nvPr/>
+        </p:nvSpPr>
+        <p:spPr>
+          <a:xfrm>
+            <a:off x="9515139" y="801444"/>
+            <a:ext cx="817581" cy="408791"/>
+          </a:xfrm>
+          <a:prstGeom prst="rect">
+            <a:avLst/>
+          </a:prstGeom>
+          <a:noFill/>
+          <a:ln>
+            <a:solidFill>
+              <a:schemeClr val="tx1"/>
+            </a:solidFill>
+          </a:ln>
+        </p:spPr>
+        <p:style>
+          <a:lnRef idx="2">
+            <a:schemeClr val="accent1">
+              <a:shade val="50000"/>
+            </a:schemeClr>
+          </a:lnRef>
+          <a:fillRef idx="1">
+            <a:schemeClr val="accent1"/>
+          </a:fillRef>
+          <a:effectRef idx="0">
+            <a:schemeClr val="accent1"/>
+          </a:effectRef>
+          <a:fontRef idx="minor">
+            <a:schemeClr val="lt1"/>
+          </a:fontRef>
+        </p:style>
+        <p:txBody>
+          <a:bodyPr rtlCol="0" anchor="ctr"/>
+          <a:lstStyle/>
+          <a:p>
+            <a:pPr algn="r"/>
+            <a:r>
+              <a:rPr lang="en-SG" dirty="0" smtClean="0">
+                <a:solidFill>
+                  <a:schemeClr val="tx1"/>
+                </a:solidFill>
+              </a:rPr>
+              <a:t>40</a:t>
+            </a:r>
+            <a:endParaRPr lang="en-SG" dirty="0">
+              <a:solidFill>
+                <a:schemeClr val="tx1"/>
+              </a:solidFill>
+            </a:endParaRPr>
+          </a:p>
+        </p:txBody>
+      </p:sp>
+      <p:sp>
+        <p:nvSpPr>
+          <p:cNvPr id="9" name="TextBox 8"/>
+          <p:cNvSpPr txBox="1"/>
+          <p:nvPr/>
+        </p:nvSpPr>
+        <p:spPr>
+          <a:xfrm>
+            <a:off x="8347934" y="812203"/>
+            <a:ext cx="1371599" cy="369332"/>
+          </a:xfrm>
+          <a:prstGeom prst="rect">
+            <a:avLst/>
+          </a:prstGeom>
+          <a:solidFill>
+            <a:schemeClr val="bg1"/>
+          </a:solidFill>
+        </p:spPr>
+        <p:txBody>
+          <a:bodyPr wrap="square" rtlCol="0">
+            <a:spAutoFit/>
+          </a:bodyPr>
+          <a:lstStyle/>
+          <a:p>
+            <a:r>
+              <a:rPr lang="en-SG" dirty="0" smtClean="0"/>
+              <a:t>Sustenance</a:t>
+            </a:r>
+            <a:endParaRPr lang="en-SG" dirty="0" smtClean="0"/>
+          </a:p>
+        </p:txBody>
+      </p:sp>
+      <p:sp>
+        <p:nvSpPr>
+          <p:cNvPr id="10" name="Rectangle 9"/>
+          <p:cNvSpPr/>
+          <p:nvPr/>
+        </p:nvSpPr>
+        <p:spPr>
+          <a:xfrm>
+            <a:off x="9516932" y="1255062"/>
+            <a:ext cx="817581" cy="408791"/>
+          </a:xfrm>
+          <a:prstGeom prst="rect">
+            <a:avLst/>
+          </a:prstGeom>
+          <a:noFill/>
+          <a:ln>
+            <a:solidFill>
+              <a:schemeClr val="tx1"/>
+            </a:solidFill>
+          </a:ln>
+        </p:spPr>
+        <p:style>
+          <a:lnRef idx="2">
+            <a:schemeClr val="accent1">
+              <a:shade val="50000"/>
+            </a:schemeClr>
+          </a:lnRef>
+          <a:fillRef idx="1">
+            <a:schemeClr val="accent1"/>
+          </a:fillRef>
+          <a:effectRef idx="0">
+            <a:schemeClr val="accent1"/>
+          </a:effectRef>
+          <a:fontRef idx="minor">
+            <a:schemeClr val="lt1"/>
+          </a:fontRef>
+        </p:style>
+        <p:txBody>
+          <a:bodyPr rtlCol="0" anchor="ctr"/>
+          <a:lstStyle/>
+          <a:p>
+            <a:pPr algn="r"/>
+            <a:r>
+              <a:rPr lang="en-SG" dirty="0" smtClean="0">
+                <a:solidFill>
+                  <a:schemeClr val="tx1"/>
+                </a:solidFill>
+              </a:rPr>
+              <a:t>40</a:t>
+            </a:r>
+            <a:endParaRPr lang="en-SG" dirty="0">
+              <a:solidFill>
+                <a:schemeClr val="tx1"/>
+              </a:solidFill>
+            </a:endParaRPr>
+          </a:p>
+        </p:txBody>
+      </p:sp>
+      <p:sp>
+        <p:nvSpPr>
+          <p:cNvPr id="11" name="TextBox 10"/>
+          <p:cNvSpPr txBox="1"/>
+          <p:nvPr/>
+        </p:nvSpPr>
+        <p:spPr>
+          <a:xfrm>
+            <a:off x="8269044" y="1265821"/>
+            <a:ext cx="1371599" cy="369332"/>
+          </a:xfrm>
+          <a:prstGeom prst="rect">
+            <a:avLst/>
+          </a:prstGeom>
+          <a:solidFill>
+            <a:schemeClr val="bg1"/>
+          </a:solidFill>
+        </p:spPr>
+        <p:txBody>
+          <a:bodyPr wrap="square" rtlCol="0">
+            <a:spAutoFit/>
+          </a:bodyPr>
+          <a:lstStyle/>
+          <a:p>
+            <a:pPr algn="r"/>
+            <a:r>
+              <a:rPr lang="en-SG" dirty="0" smtClean="0"/>
+              <a:t>Happiness</a:t>
+            </a:r>
+            <a:endParaRPr lang="en-SG" dirty="0" smtClean="0"/>
           </a:p>
         </p:txBody>
       </p:sp>
@@ -4059,12 +4532,12 @@
   </p:clrMapOvr>
   <mc:AlternateContent xmlns:mc="http://schemas.openxmlformats.org/markup-compatibility/2006">
     <mc:Choice xmlns:p14="http://schemas.microsoft.com/office/powerpoint/2010/main" Requires="p14">
-      <p:transition spd="slow" p14:dur="1300" advClick="0">
-        <p14:pan dir="u"/>
+      <p:transition p14:dur="250" advClick="0">
+        <p:fade/>
       </p:transition>
     </mc:Choice>
     <mc:Fallback>
-      <p:transition spd="slow" advClick="0">
+      <p:transition advClick="0">
         <p:fade/>
       </p:transition>
     </mc:Fallback>
@@ -4076,6 +4549,2170 @@
       </p:par>
     </p:tnLst>
   </p:timing>
+</p:sld>
+</file>
+
+<file path=ppt/slides/slide14.xml><?xml version="1.0" encoding="utf-8"?>
+<p:sld xmlns:a="http://schemas.openxmlformats.org/drawingml/2006/main" xmlns:r="http://schemas.openxmlformats.org/officeDocument/2006/relationships" xmlns:p="http://schemas.openxmlformats.org/presentationml/2006/main">
+  <p:cSld>
+    <p:spTree>
+      <p:nvGrpSpPr>
+        <p:cNvPr id="1" name=""/>
+        <p:cNvGrpSpPr/>
+        <p:nvPr/>
+      </p:nvGrpSpPr>
+      <p:grpSpPr>
+        <a:xfrm>
+          <a:off x="0" y="0"/>
+          <a:ext cx="0" cy="0"/>
+          <a:chOff x="0" y="0"/>
+          <a:chExt cx="0" cy="0"/>
+        </a:xfrm>
+      </p:grpSpPr>
+      <p:sp>
+        <p:nvSpPr>
+          <p:cNvPr id="4" name="TextBox 3"/>
+          <p:cNvSpPr txBox="1"/>
+          <p:nvPr/>
+        </p:nvSpPr>
+        <p:spPr>
+          <a:xfrm>
+            <a:off x="6806639" y="2337039"/>
+            <a:ext cx="3700630" cy="2169825"/>
+          </a:xfrm>
+          <a:prstGeom prst="rect">
+            <a:avLst/>
+          </a:prstGeom>
+          <a:noFill/>
+        </p:spPr>
+        <p:txBody>
+          <a:bodyPr wrap="square" rtlCol="0">
+            <a:spAutoFit/>
+          </a:bodyPr>
+          <a:lstStyle/>
+          <a:p>
+            <a:pPr algn="ctr">
+              <a:lnSpc>
+                <a:spcPct val="150000"/>
+              </a:lnSpc>
+            </a:pPr>
+            <a:r>
+              <a:rPr lang="en-SG" dirty="0" smtClean="0"/>
+              <a:t>It’s my 18</a:t>
+            </a:r>
+            <a:r>
+              <a:rPr lang="en-SG" baseline="30000" dirty="0" smtClean="0"/>
+              <a:t>th</a:t>
+            </a:r>
+            <a:r>
+              <a:rPr lang="en-SG" dirty="0" smtClean="0"/>
+              <a:t> birthday.</a:t>
+            </a:r>
+          </a:p>
+          <a:p>
+            <a:pPr algn="ctr">
+              <a:lnSpc>
+                <a:spcPct val="150000"/>
+              </a:lnSpc>
+            </a:pPr>
+            <a:r>
+              <a:rPr lang="en-SG" dirty="0" smtClean="0"/>
+              <a:t>Happy birthday, kid</a:t>
+            </a:r>
+          </a:p>
+          <a:p>
+            <a:pPr algn="ctr">
+              <a:lnSpc>
+                <a:spcPct val="150000"/>
+              </a:lnSpc>
+            </a:pPr>
+            <a:r>
+              <a:rPr lang="en-SG" dirty="0" smtClean="0"/>
+              <a:t>You fall in love</a:t>
+            </a:r>
+          </a:p>
+          <a:p>
+            <a:pPr algn="ctr">
+              <a:lnSpc>
+                <a:spcPct val="150000"/>
+              </a:lnSpc>
+            </a:pPr>
+            <a:r>
+              <a:rPr lang="en-SG" dirty="0" smtClean="0"/>
+              <a:t>You get </a:t>
+            </a:r>
+            <a:r>
+              <a:rPr lang="en-SG" dirty="0" smtClean="0"/>
+              <a:t>married</a:t>
+            </a:r>
+          </a:p>
+          <a:p>
+            <a:pPr algn="ctr">
+              <a:lnSpc>
+                <a:spcPct val="150000"/>
+              </a:lnSpc>
+            </a:pPr>
+            <a:r>
+              <a:rPr lang="en-SG" dirty="0" smtClean="0"/>
+              <a:t>You see a sleeping baby</a:t>
+            </a:r>
+            <a:endParaRPr lang="en-SG" dirty="0"/>
+          </a:p>
+        </p:txBody>
+      </p:sp>
+      <p:sp>
+        <p:nvSpPr>
+          <p:cNvPr id="6" name="TextBox 5"/>
+          <p:cNvSpPr txBox="1"/>
+          <p:nvPr/>
+        </p:nvSpPr>
+        <p:spPr>
+          <a:xfrm>
+            <a:off x="7085330" y="4492819"/>
+            <a:ext cx="3143249" cy="369332"/>
+          </a:xfrm>
+          <a:prstGeom prst="rect">
+            <a:avLst/>
+          </a:prstGeom>
+          <a:noFill/>
+          <a:ln>
+            <a:solidFill>
+              <a:schemeClr val="tx1"/>
+            </a:solidFill>
+          </a:ln>
+        </p:spPr>
+        <p:txBody>
+          <a:bodyPr wrap="square" rtlCol="0">
+            <a:spAutoFit/>
+          </a:bodyPr>
+          <a:lstStyle/>
+          <a:p>
+            <a:pPr algn="ctr"/>
+            <a:r>
+              <a:rPr lang="en-SG" dirty="0" smtClean="0"/>
+              <a:t>Pat baby</a:t>
+            </a:r>
+            <a:endParaRPr lang="en-SG" dirty="0"/>
+          </a:p>
+        </p:txBody>
+      </p:sp>
+      <p:sp>
+        <p:nvSpPr>
+          <p:cNvPr id="13" name="TextBox 12"/>
+          <p:cNvSpPr txBox="1"/>
+          <p:nvPr/>
+        </p:nvSpPr>
+        <p:spPr>
+          <a:xfrm>
+            <a:off x="2684558" y="4502979"/>
+            <a:ext cx="3143249" cy="369332"/>
+          </a:xfrm>
+          <a:prstGeom prst="rect">
+            <a:avLst/>
+          </a:prstGeom>
+          <a:noFill/>
+          <a:ln>
+            <a:solidFill>
+              <a:schemeClr val="tx1"/>
+            </a:solidFill>
+          </a:ln>
+        </p:spPr>
+        <p:txBody>
+          <a:bodyPr wrap="square" rtlCol="0">
+            <a:spAutoFit/>
+          </a:bodyPr>
+          <a:lstStyle/>
+          <a:p>
+            <a:pPr algn="ctr"/>
+            <a:r>
+              <a:rPr lang="en-SG" dirty="0" smtClean="0"/>
+              <a:t>Open my eyes</a:t>
+            </a:r>
+            <a:endParaRPr lang="en-SG" dirty="0"/>
+          </a:p>
+        </p:txBody>
+      </p:sp>
+      <p:sp>
+        <p:nvSpPr>
+          <p:cNvPr id="26" name="Rectangle 25"/>
+          <p:cNvSpPr/>
+          <p:nvPr/>
+        </p:nvSpPr>
+        <p:spPr>
+          <a:xfrm>
+            <a:off x="0" y="664831"/>
+            <a:ext cx="12192000" cy="3344415"/>
+          </a:xfrm>
+          <a:prstGeom prst="rect">
+            <a:avLst/>
+          </a:prstGeom>
+          <a:gradFill>
+            <a:gsLst>
+              <a:gs pos="77000">
+                <a:schemeClr val="bg1">
+                  <a:alpha val="0"/>
+                </a:schemeClr>
+              </a:gs>
+              <a:gs pos="47000">
+                <a:schemeClr val="bg1"/>
+              </a:gs>
+            </a:gsLst>
+            <a:lin ang="5400000" scaled="1"/>
+          </a:gradFill>
+          <a:ln>
+            <a:noFill/>
+          </a:ln>
+        </p:spPr>
+        <p:style>
+          <a:lnRef idx="2">
+            <a:schemeClr val="accent1">
+              <a:shade val="50000"/>
+            </a:schemeClr>
+          </a:lnRef>
+          <a:fillRef idx="1">
+            <a:schemeClr val="accent1"/>
+          </a:fillRef>
+          <a:effectRef idx="0">
+            <a:schemeClr val="accent1"/>
+          </a:effectRef>
+          <a:fontRef idx="minor">
+            <a:schemeClr val="lt1"/>
+          </a:fontRef>
+        </p:style>
+        <p:txBody>
+          <a:bodyPr rtlCol="0" anchor="ctr"/>
+          <a:lstStyle/>
+          <a:p>
+            <a:pPr algn="ctr"/>
+            <a:endParaRPr lang="en-SG"/>
+          </a:p>
+        </p:txBody>
+      </p:sp>
+      <p:sp>
+        <p:nvSpPr>
+          <p:cNvPr id="18" name="Rectangle 17"/>
+          <p:cNvSpPr/>
+          <p:nvPr/>
+        </p:nvSpPr>
+        <p:spPr>
+          <a:xfrm>
+            <a:off x="10998499" y="1322531"/>
+            <a:ext cx="817581" cy="408791"/>
+          </a:xfrm>
+          <a:prstGeom prst="rect">
+            <a:avLst/>
+          </a:prstGeom>
+          <a:noFill/>
+          <a:ln>
+            <a:solidFill>
+              <a:schemeClr val="tx1"/>
+            </a:solidFill>
+          </a:ln>
+        </p:spPr>
+        <p:style>
+          <a:lnRef idx="2">
+            <a:schemeClr val="accent1">
+              <a:shade val="50000"/>
+            </a:schemeClr>
+          </a:lnRef>
+          <a:fillRef idx="1">
+            <a:schemeClr val="accent1"/>
+          </a:fillRef>
+          <a:effectRef idx="0">
+            <a:schemeClr val="accent1"/>
+          </a:effectRef>
+          <a:fontRef idx="minor">
+            <a:schemeClr val="lt1"/>
+          </a:fontRef>
+        </p:style>
+        <p:txBody>
+          <a:bodyPr rtlCol="0" anchor="ctr"/>
+          <a:lstStyle/>
+          <a:p>
+            <a:pPr algn="r"/>
+            <a:r>
+              <a:rPr lang="en-SG" dirty="0" smtClean="0">
+                <a:solidFill>
+                  <a:schemeClr val="tx1"/>
+                </a:solidFill>
+              </a:rPr>
+              <a:t>40/40</a:t>
+            </a:r>
+            <a:endParaRPr lang="en-SG" dirty="0">
+              <a:solidFill>
+                <a:schemeClr val="tx1"/>
+              </a:solidFill>
+            </a:endParaRPr>
+          </a:p>
+        </p:txBody>
+      </p:sp>
+      <p:sp>
+        <p:nvSpPr>
+          <p:cNvPr id="19" name="TextBox 18"/>
+          <p:cNvSpPr txBox="1"/>
+          <p:nvPr/>
+        </p:nvSpPr>
+        <p:spPr>
+          <a:xfrm>
+            <a:off x="9739854" y="1353610"/>
+            <a:ext cx="1371599" cy="369332"/>
+          </a:xfrm>
+          <a:prstGeom prst="rect">
+            <a:avLst/>
+          </a:prstGeom>
+          <a:solidFill>
+            <a:schemeClr val="bg1"/>
+          </a:solidFill>
+        </p:spPr>
+        <p:txBody>
+          <a:bodyPr wrap="square" rtlCol="0">
+            <a:spAutoFit/>
+          </a:bodyPr>
+          <a:lstStyle/>
+          <a:p>
+            <a:r>
+              <a:rPr lang="en-SG" dirty="0" smtClean="0"/>
+              <a:t>Sustenance</a:t>
+            </a:r>
+            <a:endParaRPr lang="en-SG" dirty="0" smtClean="0"/>
+          </a:p>
+        </p:txBody>
+      </p:sp>
+      <p:sp>
+        <p:nvSpPr>
+          <p:cNvPr id="20" name="Rectangle 19"/>
+          <p:cNvSpPr/>
+          <p:nvPr/>
+        </p:nvSpPr>
+        <p:spPr>
+          <a:xfrm>
+            <a:off x="11000292" y="1776149"/>
+            <a:ext cx="817581" cy="408791"/>
+          </a:xfrm>
+          <a:prstGeom prst="rect">
+            <a:avLst/>
+          </a:prstGeom>
+          <a:noFill/>
+          <a:ln>
+            <a:solidFill>
+              <a:schemeClr val="tx1"/>
+            </a:solidFill>
+          </a:ln>
+        </p:spPr>
+        <p:style>
+          <a:lnRef idx="2">
+            <a:schemeClr val="accent1">
+              <a:shade val="50000"/>
+            </a:schemeClr>
+          </a:lnRef>
+          <a:fillRef idx="1">
+            <a:schemeClr val="accent1"/>
+          </a:fillRef>
+          <a:effectRef idx="0">
+            <a:schemeClr val="accent1"/>
+          </a:effectRef>
+          <a:fontRef idx="minor">
+            <a:schemeClr val="lt1"/>
+          </a:fontRef>
+        </p:style>
+        <p:txBody>
+          <a:bodyPr rtlCol="0" anchor="ctr"/>
+          <a:lstStyle/>
+          <a:p>
+            <a:pPr algn="r"/>
+            <a:r>
+              <a:rPr lang="en-SG" dirty="0" smtClean="0">
+                <a:solidFill>
+                  <a:schemeClr val="tx1"/>
+                </a:solidFill>
+              </a:rPr>
+              <a:t>40/40</a:t>
+            </a:r>
+            <a:endParaRPr lang="en-SG" dirty="0">
+              <a:solidFill>
+                <a:schemeClr val="tx1"/>
+              </a:solidFill>
+            </a:endParaRPr>
+          </a:p>
+        </p:txBody>
+      </p:sp>
+      <p:sp>
+        <p:nvSpPr>
+          <p:cNvPr id="21" name="TextBox 20"/>
+          <p:cNvSpPr txBox="1"/>
+          <p:nvPr/>
+        </p:nvSpPr>
+        <p:spPr>
+          <a:xfrm>
+            <a:off x="9630484" y="1786908"/>
+            <a:ext cx="1480969" cy="369332"/>
+          </a:xfrm>
+          <a:prstGeom prst="rect">
+            <a:avLst/>
+          </a:prstGeom>
+          <a:solidFill>
+            <a:schemeClr val="bg1"/>
+          </a:solidFill>
+        </p:spPr>
+        <p:txBody>
+          <a:bodyPr wrap="square" rtlCol="0">
+            <a:spAutoFit/>
+          </a:bodyPr>
+          <a:lstStyle/>
+          <a:p>
+            <a:pPr algn="r"/>
+            <a:r>
+              <a:rPr lang="en-SG" dirty="0" smtClean="0"/>
+              <a:t>Happiness  </a:t>
+            </a:r>
+            <a:r>
+              <a:rPr lang="en-SG" dirty="0" smtClean="0">
+                <a:solidFill>
+                  <a:schemeClr val="bg1"/>
+                </a:solidFill>
+              </a:rPr>
+              <a:t>.</a:t>
+            </a:r>
+            <a:r>
+              <a:rPr lang="en-SG" dirty="0" smtClean="0"/>
+              <a:t>   </a:t>
+            </a:r>
+            <a:endParaRPr lang="en-SG" dirty="0" smtClean="0"/>
+          </a:p>
+        </p:txBody>
+      </p:sp>
+      <p:sp>
+        <p:nvSpPr>
+          <p:cNvPr id="22" name="Rectangle 21"/>
+          <p:cNvSpPr/>
+          <p:nvPr/>
+        </p:nvSpPr>
+        <p:spPr>
+          <a:xfrm>
+            <a:off x="471247" y="1346231"/>
+            <a:ext cx="817581" cy="408791"/>
+          </a:xfrm>
+          <a:prstGeom prst="rect">
+            <a:avLst/>
+          </a:prstGeom>
+          <a:noFill/>
+          <a:ln>
+            <a:solidFill>
+              <a:schemeClr val="tx1"/>
+            </a:solidFill>
+          </a:ln>
+        </p:spPr>
+        <p:style>
+          <a:lnRef idx="2">
+            <a:schemeClr val="accent1">
+              <a:shade val="50000"/>
+            </a:schemeClr>
+          </a:lnRef>
+          <a:fillRef idx="1">
+            <a:schemeClr val="accent1"/>
+          </a:fillRef>
+          <a:effectRef idx="0">
+            <a:schemeClr val="accent1"/>
+          </a:effectRef>
+          <a:fontRef idx="minor">
+            <a:schemeClr val="lt1"/>
+          </a:fontRef>
+        </p:style>
+        <p:txBody>
+          <a:bodyPr rtlCol="0" anchor="ctr"/>
+          <a:lstStyle/>
+          <a:p>
+            <a:r>
+              <a:rPr lang="en-SG" dirty="0">
+                <a:solidFill>
+                  <a:schemeClr val="tx1"/>
+                </a:solidFill>
+              </a:rPr>
+              <a:t>2</a:t>
+            </a:r>
+            <a:r>
+              <a:rPr lang="en-SG" dirty="0" smtClean="0">
+                <a:solidFill>
+                  <a:schemeClr val="tx1"/>
+                </a:solidFill>
+              </a:rPr>
+              <a:t>0</a:t>
+            </a:r>
+            <a:endParaRPr lang="en-SG" dirty="0">
+              <a:solidFill>
+                <a:schemeClr val="tx1"/>
+              </a:solidFill>
+            </a:endParaRPr>
+          </a:p>
+        </p:txBody>
+      </p:sp>
+      <p:sp>
+        <p:nvSpPr>
+          <p:cNvPr id="23" name="TextBox 22"/>
+          <p:cNvSpPr txBox="1"/>
+          <p:nvPr/>
+        </p:nvSpPr>
+        <p:spPr>
+          <a:xfrm>
+            <a:off x="1084433" y="1365960"/>
+            <a:ext cx="1371599" cy="369332"/>
+          </a:xfrm>
+          <a:prstGeom prst="rect">
+            <a:avLst/>
+          </a:prstGeom>
+          <a:solidFill>
+            <a:schemeClr val="bg1"/>
+          </a:solidFill>
+        </p:spPr>
+        <p:txBody>
+          <a:bodyPr wrap="square" rtlCol="0">
+            <a:spAutoFit/>
+          </a:bodyPr>
+          <a:lstStyle/>
+          <a:p>
+            <a:r>
+              <a:rPr lang="en-SG" dirty="0" smtClean="0"/>
+              <a:t>Sustenance</a:t>
+            </a:r>
+            <a:endParaRPr lang="en-SG" dirty="0" smtClean="0"/>
+          </a:p>
+        </p:txBody>
+      </p:sp>
+      <p:sp>
+        <p:nvSpPr>
+          <p:cNvPr id="24" name="Rectangle 23"/>
+          <p:cNvSpPr/>
+          <p:nvPr/>
+        </p:nvSpPr>
+        <p:spPr>
+          <a:xfrm>
+            <a:off x="473040" y="1799849"/>
+            <a:ext cx="817581" cy="408791"/>
+          </a:xfrm>
+          <a:prstGeom prst="rect">
+            <a:avLst/>
+          </a:prstGeom>
+          <a:noFill/>
+          <a:ln>
+            <a:solidFill>
+              <a:schemeClr val="tx1"/>
+            </a:solidFill>
+          </a:ln>
+        </p:spPr>
+        <p:style>
+          <a:lnRef idx="2">
+            <a:schemeClr val="accent1">
+              <a:shade val="50000"/>
+            </a:schemeClr>
+          </a:lnRef>
+          <a:fillRef idx="1">
+            <a:schemeClr val="accent1"/>
+          </a:fillRef>
+          <a:effectRef idx="0">
+            <a:schemeClr val="accent1"/>
+          </a:effectRef>
+          <a:fontRef idx="minor">
+            <a:schemeClr val="lt1"/>
+          </a:fontRef>
+        </p:style>
+        <p:txBody>
+          <a:bodyPr rtlCol="0" anchor="ctr"/>
+          <a:lstStyle/>
+          <a:p>
+            <a:r>
+              <a:rPr lang="en-SG" dirty="0">
+                <a:solidFill>
+                  <a:schemeClr val="tx1"/>
+                </a:solidFill>
+              </a:rPr>
+              <a:t>2</a:t>
+            </a:r>
+            <a:r>
+              <a:rPr lang="en-SG" dirty="0" smtClean="0">
+                <a:solidFill>
+                  <a:schemeClr val="tx1"/>
+                </a:solidFill>
+              </a:rPr>
+              <a:t>0</a:t>
+            </a:r>
+            <a:endParaRPr lang="en-SG" dirty="0">
+              <a:solidFill>
+                <a:schemeClr val="tx1"/>
+              </a:solidFill>
+            </a:endParaRPr>
+          </a:p>
+        </p:txBody>
+      </p:sp>
+      <p:sp>
+        <p:nvSpPr>
+          <p:cNvPr id="25" name="TextBox 24"/>
+          <p:cNvSpPr txBox="1"/>
+          <p:nvPr/>
+        </p:nvSpPr>
+        <p:spPr>
+          <a:xfrm>
+            <a:off x="1084434" y="1819579"/>
+            <a:ext cx="1371599" cy="369332"/>
+          </a:xfrm>
+          <a:prstGeom prst="rect">
+            <a:avLst/>
+          </a:prstGeom>
+          <a:solidFill>
+            <a:schemeClr val="bg1"/>
+          </a:solidFill>
+        </p:spPr>
+        <p:txBody>
+          <a:bodyPr wrap="square" rtlCol="0">
+            <a:spAutoFit/>
+          </a:bodyPr>
+          <a:lstStyle/>
+          <a:p>
+            <a:r>
+              <a:rPr lang="en-SG" dirty="0" smtClean="0"/>
+              <a:t>Happiness</a:t>
+            </a:r>
+            <a:endParaRPr lang="en-SG" dirty="0" smtClean="0"/>
+          </a:p>
+        </p:txBody>
+      </p:sp>
+    </p:spTree>
+    <p:extLst>
+      <p:ext uri="{BB962C8B-B14F-4D97-AF65-F5344CB8AC3E}">
+        <p14:creationId xmlns:p14="http://schemas.microsoft.com/office/powerpoint/2010/main" val="3927321923"/>
+      </p:ext>
+    </p:extLst>
+  </p:cSld>
+  <p:clrMapOvr>
+    <a:masterClrMapping/>
+  </p:clrMapOvr>
+  <mc:AlternateContent xmlns:mc="http://schemas.openxmlformats.org/markup-compatibility/2006">
+    <mc:Choice xmlns:p14="http://schemas.microsoft.com/office/powerpoint/2010/main" Requires="p14">
+      <p:transition p14:dur="250" advClick="0">
+        <p:fade/>
+      </p:transition>
+    </mc:Choice>
+    <mc:Fallback>
+      <p:transition advClick="0">
+        <p:fade/>
+      </p:transition>
+    </mc:Fallback>
+  </mc:AlternateContent>
+  <p:timing>
+    <p:tnLst>
+      <p:par>
+        <p:cTn id="1" dur="indefinite" restart="never" nodeType="tmRoot"/>
+      </p:par>
+    </p:tnLst>
+  </p:timing>
+</p:sld>
+</file>
+
+<file path=ppt/slides/slide15.xml><?xml version="1.0" encoding="utf-8"?>
+<p:sld xmlns:a="http://schemas.openxmlformats.org/drawingml/2006/main" xmlns:r="http://schemas.openxmlformats.org/officeDocument/2006/relationships" xmlns:p="http://schemas.openxmlformats.org/presentationml/2006/main">
+  <p:cSld>
+    <p:spTree>
+      <p:nvGrpSpPr>
+        <p:cNvPr id="1" name=""/>
+        <p:cNvGrpSpPr/>
+        <p:nvPr/>
+      </p:nvGrpSpPr>
+      <p:grpSpPr>
+        <a:xfrm>
+          <a:off x="0" y="0"/>
+          <a:ext cx="0" cy="0"/>
+          <a:chOff x="0" y="0"/>
+          <a:chExt cx="0" cy="0"/>
+        </a:xfrm>
+      </p:grpSpPr>
+      <p:sp>
+        <p:nvSpPr>
+          <p:cNvPr id="4" name="TextBox 3"/>
+          <p:cNvSpPr txBox="1"/>
+          <p:nvPr/>
+        </p:nvSpPr>
+        <p:spPr>
+          <a:xfrm>
+            <a:off x="6806639" y="1960616"/>
+            <a:ext cx="3700630" cy="2542363"/>
+          </a:xfrm>
+          <a:prstGeom prst="rect">
+            <a:avLst/>
+          </a:prstGeom>
+          <a:noFill/>
+        </p:spPr>
+        <p:txBody>
+          <a:bodyPr wrap="square" rtlCol="0">
+            <a:spAutoFit/>
+          </a:bodyPr>
+          <a:lstStyle/>
+          <a:p>
+            <a:pPr algn="ctr">
+              <a:lnSpc>
+                <a:spcPct val="150000"/>
+              </a:lnSpc>
+            </a:pPr>
+            <a:r>
+              <a:rPr lang="en-SG" dirty="0"/>
+              <a:t>It’s my 18</a:t>
+            </a:r>
+            <a:r>
+              <a:rPr lang="en-SG" baseline="30000" dirty="0"/>
+              <a:t>th</a:t>
+            </a:r>
+            <a:r>
+              <a:rPr lang="en-SG" dirty="0"/>
+              <a:t> birthday.</a:t>
+            </a:r>
+          </a:p>
+          <a:p>
+            <a:pPr algn="ctr">
+              <a:lnSpc>
+                <a:spcPct val="150000"/>
+              </a:lnSpc>
+            </a:pPr>
+            <a:r>
+              <a:rPr lang="en-SG" dirty="0"/>
+              <a:t>Happy birthday, kid</a:t>
+            </a:r>
+          </a:p>
+          <a:p>
+            <a:pPr algn="ctr">
+              <a:lnSpc>
+                <a:spcPct val="150000"/>
+              </a:lnSpc>
+            </a:pPr>
+            <a:r>
+              <a:rPr lang="en-SG" dirty="0"/>
+              <a:t>You fall in love</a:t>
+            </a:r>
+          </a:p>
+          <a:p>
+            <a:pPr algn="ctr">
+              <a:lnSpc>
+                <a:spcPct val="150000"/>
+              </a:lnSpc>
+            </a:pPr>
+            <a:r>
+              <a:rPr lang="en-SG" dirty="0"/>
+              <a:t>You get married</a:t>
+            </a:r>
+          </a:p>
+          <a:p>
+            <a:pPr algn="ctr">
+              <a:lnSpc>
+                <a:spcPct val="150000"/>
+              </a:lnSpc>
+            </a:pPr>
+            <a:r>
+              <a:rPr lang="en-SG" dirty="0"/>
+              <a:t>You see a sleeping baby</a:t>
+            </a:r>
+          </a:p>
+          <a:p>
+            <a:pPr algn="ctr">
+              <a:lnSpc>
+                <a:spcPct val="150000"/>
+              </a:lnSpc>
+            </a:pPr>
+            <a:r>
+              <a:rPr lang="en-SG" dirty="0"/>
+              <a:t>You pat the baby</a:t>
+            </a:r>
+            <a:endParaRPr lang="en-SG" dirty="0"/>
+          </a:p>
+        </p:txBody>
+      </p:sp>
+      <p:sp>
+        <p:nvSpPr>
+          <p:cNvPr id="6" name="TextBox 5"/>
+          <p:cNvSpPr txBox="1"/>
+          <p:nvPr/>
+        </p:nvSpPr>
+        <p:spPr>
+          <a:xfrm>
+            <a:off x="7085330" y="4492819"/>
+            <a:ext cx="3143249" cy="369332"/>
+          </a:xfrm>
+          <a:prstGeom prst="rect">
+            <a:avLst/>
+          </a:prstGeom>
+          <a:noFill/>
+          <a:ln>
+            <a:solidFill>
+              <a:schemeClr val="tx1"/>
+            </a:solidFill>
+          </a:ln>
+        </p:spPr>
+        <p:txBody>
+          <a:bodyPr wrap="square" rtlCol="0">
+            <a:spAutoFit/>
+          </a:bodyPr>
+          <a:lstStyle/>
+          <a:p>
+            <a:pPr algn="ctr"/>
+            <a:endParaRPr lang="en-SG" dirty="0"/>
+          </a:p>
+        </p:txBody>
+      </p:sp>
+      <p:sp>
+        <p:nvSpPr>
+          <p:cNvPr id="13" name="TextBox 12"/>
+          <p:cNvSpPr txBox="1"/>
+          <p:nvPr/>
+        </p:nvSpPr>
+        <p:spPr>
+          <a:xfrm>
+            <a:off x="2684558" y="4502979"/>
+            <a:ext cx="3143249" cy="369332"/>
+          </a:xfrm>
+          <a:prstGeom prst="rect">
+            <a:avLst/>
+          </a:prstGeom>
+          <a:noFill/>
+          <a:ln>
+            <a:solidFill>
+              <a:schemeClr val="tx1"/>
+            </a:solidFill>
+          </a:ln>
+        </p:spPr>
+        <p:txBody>
+          <a:bodyPr wrap="square" rtlCol="0">
+            <a:spAutoFit/>
+          </a:bodyPr>
+          <a:lstStyle/>
+          <a:p>
+            <a:pPr algn="ctr"/>
+            <a:r>
+              <a:rPr lang="en-SG" dirty="0" smtClean="0"/>
+              <a:t>Start Crying</a:t>
+            </a:r>
+            <a:endParaRPr lang="en-SG" dirty="0"/>
+          </a:p>
+        </p:txBody>
+      </p:sp>
+      <p:sp>
+        <p:nvSpPr>
+          <p:cNvPr id="24" name="Rectangle 23"/>
+          <p:cNvSpPr/>
+          <p:nvPr/>
+        </p:nvSpPr>
+        <p:spPr>
+          <a:xfrm>
+            <a:off x="0" y="664831"/>
+            <a:ext cx="12192000" cy="3344415"/>
+          </a:xfrm>
+          <a:prstGeom prst="rect">
+            <a:avLst/>
+          </a:prstGeom>
+          <a:gradFill>
+            <a:gsLst>
+              <a:gs pos="77000">
+                <a:schemeClr val="bg1">
+                  <a:alpha val="0"/>
+                </a:schemeClr>
+              </a:gs>
+              <a:gs pos="37000">
+                <a:schemeClr val="bg1"/>
+              </a:gs>
+            </a:gsLst>
+            <a:lin ang="5400000" scaled="1"/>
+          </a:gradFill>
+          <a:ln>
+            <a:noFill/>
+          </a:ln>
+        </p:spPr>
+        <p:style>
+          <a:lnRef idx="2">
+            <a:schemeClr val="accent1">
+              <a:shade val="50000"/>
+            </a:schemeClr>
+          </a:lnRef>
+          <a:fillRef idx="1">
+            <a:schemeClr val="accent1"/>
+          </a:fillRef>
+          <a:effectRef idx="0">
+            <a:schemeClr val="accent1"/>
+          </a:effectRef>
+          <a:fontRef idx="minor">
+            <a:schemeClr val="lt1"/>
+          </a:fontRef>
+        </p:style>
+        <p:txBody>
+          <a:bodyPr rtlCol="0" anchor="ctr"/>
+          <a:lstStyle/>
+          <a:p>
+            <a:pPr algn="ctr"/>
+            <a:endParaRPr lang="en-SG"/>
+          </a:p>
+        </p:txBody>
+      </p:sp>
+      <p:sp>
+        <p:nvSpPr>
+          <p:cNvPr id="14" name="Rectangle 13"/>
+          <p:cNvSpPr/>
+          <p:nvPr/>
+        </p:nvSpPr>
+        <p:spPr>
+          <a:xfrm>
+            <a:off x="471247" y="1346231"/>
+            <a:ext cx="817581" cy="408791"/>
+          </a:xfrm>
+          <a:prstGeom prst="rect">
+            <a:avLst/>
+          </a:prstGeom>
+          <a:noFill/>
+          <a:ln>
+            <a:solidFill>
+              <a:schemeClr val="tx1"/>
+            </a:solidFill>
+          </a:ln>
+        </p:spPr>
+        <p:style>
+          <a:lnRef idx="2">
+            <a:schemeClr val="accent1">
+              <a:shade val="50000"/>
+            </a:schemeClr>
+          </a:lnRef>
+          <a:fillRef idx="1">
+            <a:schemeClr val="accent1"/>
+          </a:fillRef>
+          <a:effectRef idx="0">
+            <a:schemeClr val="accent1"/>
+          </a:effectRef>
+          <a:fontRef idx="minor">
+            <a:schemeClr val="lt1"/>
+          </a:fontRef>
+        </p:style>
+        <p:txBody>
+          <a:bodyPr rtlCol="0" anchor="ctr"/>
+          <a:lstStyle/>
+          <a:p>
+            <a:r>
+              <a:rPr lang="en-SG" dirty="0">
+                <a:solidFill>
+                  <a:schemeClr val="tx1"/>
+                </a:solidFill>
+              </a:rPr>
+              <a:t>2</a:t>
+            </a:r>
+            <a:r>
+              <a:rPr lang="en-SG" dirty="0" smtClean="0">
+                <a:solidFill>
+                  <a:schemeClr val="tx1"/>
+                </a:solidFill>
+              </a:rPr>
+              <a:t>0</a:t>
+            </a:r>
+            <a:endParaRPr lang="en-SG" dirty="0">
+              <a:solidFill>
+                <a:schemeClr val="tx1"/>
+              </a:solidFill>
+            </a:endParaRPr>
+          </a:p>
+        </p:txBody>
+      </p:sp>
+      <p:sp>
+        <p:nvSpPr>
+          <p:cNvPr id="15" name="TextBox 14"/>
+          <p:cNvSpPr txBox="1"/>
+          <p:nvPr/>
+        </p:nvSpPr>
+        <p:spPr>
+          <a:xfrm>
+            <a:off x="1084433" y="1365960"/>
+            <a:ext cx="1371599" cy="369332"/>
+          </a:xfrm>
+          <a:prstGeom prst="rect">
+            <a:avLst/>
+          </a:prstGeom>
+          <a:solidFill>
+            <a:schemeClr val="bg1"/>
+          </a:solidFill>
+        </p:spPr>
+        <p:txBody>
+          <a:bodyPr wrap="square" rtlCol="0">
+            <a:spAutoFit/>
+          </a:bodyPr>
+          <a:lstStyle/>
+          <a:p>
+            <a:r>
+              <a:rPr lang="en-SG" dirty="0" smtClean="0"/>
+              <a:t>Sustenance</a:t>
+            </a:r>
+            <a:endParaRPr lang="en-SG" dirty="0" smtClean="0"/>
+          </a:p>
+        </p:txBody>
+      </p:sp>
+      <p:sp>
+        <p:nvSpPr>
+          <p:cNvPr id="16" name="Rectangle 15"/>
+          <p:cNvSpPr/>
+          <p:nvPr/>
+        </p:nvSpPr>
+        <p:spPr>
+          <a:xfrm>
+            <a:off x="473040" y="1799849"/>
+            <a:ext cx="817581" cy="408791"/>
+          </a:xfrm>
+          <a:prstGeom prst="rect">
+            <a:avLst/>
+          </a:prstGeom>
+          <a:noFill/>
+          <a:ln>
+            <a:solidFill>
+              <a:schemeClr val="tx1"/>
+            </a:solidFill>
+          </a:ln>
+        </p:spPr>
+        <p:style>
+          <a:lnRef idx="2">
+            <a:schemeClr val="accent1">
+              <a:shade val="50000"/>
+            </a:schemeClr>
+          </a:lnRef>
+          <a:fillRef idx="1">
+            <a:schemeClr val="accent1"/>
+          </a:fillRef>
+          <a:effectRef idx="0">
+            <a:schemeClr val="accent1"/>
+          </a:effectRef>
+          <a:fontRef idx="minor">
+            <a:schemeClr val="lt1"/>
+          </a:fontRef>
+        </p:style>
+        <p:txBody>
+          <a:bodyPr rtlCol="0" anchor="ctr"/>
+          <a:lstStyle/>
+          <a:p>
+            <a:r>
+              <a:rPr lang="en-SG" dirty="0">
+                <a:solidFill>
+                  <a:schemeClr val="tx1"/>
+                </a:solidFill>
+              </a:rPr>
+              <a:t>2</a:t>
+            </a:r>
+            <a:r>
+              <a:rPr lang="en-SG" dirty="0" smtClean="0">
+                <a:solidFill>
+                  <a:schemeClr val="tx1"/>
+                </a:solidFill>
+              </a:rPr>
+              <a:t>0</a:t>
+            </a:r>
+            <a:endParaRPr lang="en-SG" dirty="0">
+              <a:solidFill>
+                <a:schemeClr val="tx1"/>
+              </a:solidFill>
+            </a:endParaRPr>
+          </a:p>
+        </p:txBody>
+      </p:sp>
+      <p:sp>
+        <p:nvSpPr>
+          <p:cNvPr id="17" name="TextBox 16"/>
+          <p:cNvSpPr txBox="1"/>
+          <p:nvPr/>
+        </p:nvSpPr>
+        <p:spPr>
+          <a:xfrm>
+            <a:off x="1084434" y="1819579"/>
+            <a:ext cx="1371599" cy="369332"/>
+          </a:xfrm>
+          <a:prstGeom prst="rect">
+            <a:avLst/>
+          </a:prstGeom>
+          <a:solidFill>
+            <a:schemeClr val="bg1"/>
+          </a:solidFill>
+        </p:spPr>
+        <p:txBody>
+          <a:bodyPr wrap="square" rtlCol="0">
+            <a:spAutoFit/>
+          </a:bodyPr>
+          <a:lstStyle/>
+          <a:p>
+            <a:r>
+              <a:rPr lang="en-SG" dirty="0" smtClean="0"/>
+              <a:t>Happiness</a:t>
+            </a:r>
+            <a:endParaRPr lang="en-SG" dirty="0" smtClean="0"/>
+          </a:p>
+        </p:txBody>
+      </p:sp>
+      <p:sp>
+        <p:nvSpPr>
+          <p:cNvPr id="18" name="TextBox 17"/>
+          <p:cNvSpPr txBox="1"/>
+          <p:nvPr/>
+        </p:nvSpPr>
+        <p:spPr>
+          <a:xfrm>
+            <a:off x="2405867" y="3614991"/>
+            <a:ext cx="3700630" cy="880369"/>
+          </a:xfrm>
+          <a:prstGeom prst="rect">
+            <a:avLst/>
+          </a:prstGeom>
+          <a:noFill/>
+        </p:spPr>
+        <p:txBody>
+          <a:bodyPr wrap="square" rtlCol="0">
+            <a:spAutoFit/>
+          </a:bodyPr>
+          <a:lstStyle/>
+          <a:p>
+            <a:pPr algn="ctr">
+              <a:lnSpc>
+                <a:spcPct val="150000"/>
+              </a:lnSpc>
+            </a:pPr>
+            <a:r>
+              <a:rPr lang="en-SG" dirty="0"/>
+              <a:t>Open my eyes</a:t>
+            </a:r>
+          </a:p>
+          <a:p>
+            <a:pPr algn="ctr">
+              <a:lnSpc>
+                <a:spcPct val="150000"/>
+              </a:lnSpc>
+            </a:pPr>
+            <a:r>
+              <a:rPr lang="en-SG" dirty="0"/>
+              <a:t>I feel a hit on the </a:t>
+            </a:r>
+            <a:r>
+              <a:rPr lang="en-SG" dirty="0"/>
+              <a:t>head</a:t>
+            </a:r>
+            <a:endParaRPr lang="en-SG" dirty="0"/>
+          </a:p>
+        </p:txBody>
+      </p:sp>
+      <p:sp>
+        <p:nvSpPr>
+          <p:cNvPr id="19" name="Rectangle 18"/>
+          <p:cNvSpPr/>
+          <p:nvPr/>
+        </p:nvSpPr>
+        <p:spPr>
+          <a:xfrm>
+            <a:off x="10998499" y="1322531"/>
+            <a:ext cx="817581" cy="408791"/>
+          </a:xfrm>
+          <a:prstGeom prst="rect">
+            <a:avLst/>
+          </a:prstGeom>
+          <a:noFill/>
+          <a:ln>
+            <a:solidFill>
+              <a:schemeClr val="tx1"/>
+            </a:solidFill>
+          </a:ln>
+        </p:spPr>
+        <p:style>
+          <a:lnRef idx="2">
+            <a:schemeClr val="accent1">
+              <a:shade val="50000"/>
+            </a:schemeClr>
+          </a:lnRef>
+          <a:fillRef idx="1">
+            <a:schemeClr val="accent1"/>
+          </a:fillRef>
+          <a:effectRef idx="0">
+            <a:schemeClr val="accent1"/>
+          </a:effectRef>
+          <a:fontRef idx="minor">
+            <a:schemeClr val="lt1"/>
+          </a:fontRef>
+        </p:style>
+        <p:txBody>
+          <a:bodyPr rtlCol="0" anchor="ctr"/>
+          <a:lstStyle/>
+          <a:p>
+            <a:pPr algn="r"/>
+            <a:r>
+              <a:rPr lang="en-SG" dirty="0" smtClean="0">
+                <a:solidFill>
+                  <a:schemeClr val="tx1"/>
+                </a:solidFill>
+              </a:rPr>
+              <a:t>40/40</a:t>
+            </a:r>
+            <a:endParaRPr lang="en-SG" dirty="0">
+              <a:solidFill>
+                <a:schemeClr val="tx1"/>
+              </a:solidFill>
+            </a:endParaRPr>
+          </a:p>
+        </p:txBody>
+      </p:sp>
+      <p:sp>
+        <p:nvSpPr>
+          <p:cNvPr id="20" name="TextBox 19"/>
+          <p:cNvSpPr txBox="1"/>
+          <p:nvPr/>
+        </p:nvSpPr>
+        <p:spPr>
+          <a:xfrm>
+            <a:off x="9739854" y="1353610"/>
+            <a:ext cx="1371599" cy="369332"/>
+          </a:xfrm>
+          <a:prstGeom prst="rect">
+            <a:avLst/>
+          </a:prstGeom>
+          <a:solidFill>
+            <a:schemeClr val="bg1"/>
+          </a:solidFill>
+        </p:spPr>
+        <p:txBody>
+          <a:bodyPr wrap="square" rtlCol="0">
+            <a:spAutoFit/>
+          </a:bodyPr>
+          <a:lstStyle/>
+          <a:p>
+            <a:r>
+              <a:rPr lang="en-SG" dirty="0" smtClean="0"/>
+              <a:t>Sustenance</a:t>
+            </a:r>
+            <a:endParaRPr lang="en-SG" dirty="0" smtClean="0"/>
+          </a:p>
+        </p:txBody>
+      </p:sp>
+      <p:sp>
+        <p:nvSpPr>
+          <p:cNvPr id="21" name="Rectangle 20"/>
+          <p:cNvSpPr/>
+          <p:nvPr/>
+        </p:nvSpPr>
+        <p:spPr>
+          <a:xfrm>
+            <a:off x="11000292" y="1776149"/>
+            <a:ext cx="817581" cy="408791"/>
+          </a:xfrm>
+          <a:prstGeom prst="rect">
+            <a:avLst/>
+          </a:prstGeom>
+          <a:noFill/>
+          <a:ln>
+            <a:solidFill>
+              <a:schemeClr val="tx1"/>
+            </a:solidFill>
+          </a:ln>
+        </p:spPr>
+        <p:style>
+          <a:lnRef idx="2">
+            <a:schemeClr val="accent1">
+              <a:shade val="50000"/>
+            </a:schemeClr>
+          </a:lnRef>
+          <a:fillRef idx="1">
+            <a:schemeClr val="accent1"/>
+          </a:fillRef>
+          <a:effectRef idx="0">
+            <a:schemeClr val="accent1"/>
+          </a:effectRef>
+          <a:fontRef idx="minor">
+            <a:schemeClr val="lt1"/>
+          </a:fontRef>
+        </p:style>
+        <p:txBody>
+          <a:bodyPr rtlCol="0" anchor="ctr"/>
+          <a:lstStyle/>
+          <a:p>
+            <a:pPr algn="r"/>
+            <a:r>
+              <a:rPr lang="en-SG" dirty="0" smtClean="0">
+                <a:solidFill>
+                  <a:schemeClr val="tx1"/>
+                </a:solidFill>
+              </a:rPr>
+              <a:t>40/40</a:t>
+            </a:r>
+            <a:endParaRPr lang="en-SG" dirty="0">
+              <a:solidFill>
+                <a:schemeClr val="tx1"/>
+              </a:solidFill>
+            </a:endParaRPr>
+          </a:p>
+        </p:txBody>
+      </p:sp>
+      <p:sp>
+        <p:nvSpPr>
+          <p:cNvPr id="22" name="TextBox 21"/>
+          <p:cNvSpPr txBox="1"/>
+          <p:nvPr/>
+        </p:nvSpPr>
+        <p:spPr>
+          <a:xfrm>
+            <a:off x="9630484" y="1786908"/>
+            <a:ext cx="1480969" cy="369332"/>
+          </a:xfrm>
+          <a:prstGeom prst="rect">
+            <a:avLst/>
+          </a:prstGeom>
+          <a:solidFill>
+            <a:schemeClr val="bg1"/>
+          </a:solidFill>
+        </p:spPr>
+        <p:txBody>
+          <a:bodyPr wrap="square" rtlCol="0">
+            <a:spAutoFit/>
+          </a:bodyPr>
+          <a:lstStyle/>
+          <a:p>
+            <a:pPr algn="r"/>
+            <a:r>
+              <a:rPr lang="en-SG" dirty="0" smtClean="0"/>
+              <a:t>Happiness  </a:t>
+            </a:r>
+            <a:r>
+              <a:rPr lang="en-SG" dirty="0" smtClean="0">
+                <a:solidFill>
+                  <a:schemeClr val="bg1"/>
+                </a:solidFill>
+              </a:rPr>
+              <a:t>.</a:t>
+            </a:r>
+            <a:r>
+              <a:rPr lang="en-SG" dirty="0" smtClean="0"/>
+              <a:t>   </a:t>
+            </a:r>
+            <a:endParaRPr lang="en-SG" dirty="0" smtClean="0"/>
+          </a:p>
+        </p:txBody>
+      </p:sp>
+    </p:spTree>
+    <p:extLst>
+      <p:ext uri="{BB962C8B-B14F-4D97-AF65-F5344CB8AC3E}">
+        <p14:creationId xmlns:p14="http://schemas.microsoft.com/office/powerpoint/2010/main" val="1483348881"/>
+      </p:ext>
+    </p:extLst>
+  </p:cSld>
+  <p:clrMapOvr>
+    <a:masterClrMapping/>
+  </p:clrMapOvr>
+  <mc:AlternateContent xmlns:mc="http://schemas.openxmlformats.org/markup-compatibility/2006">
+    <mc:Choice xmlns:p14="http://schemas.microsoft.com/office/powerpoint/2010/main" Requires="p14">
+      <p:transition p14:dur="250" advClick="0">
+        <p:fade/>
+      </p:transition>
+    </mc:Choice>
+    <mc:Fallback>
+      <p:transition advClick="0">
+        <p:fade/>
+      </p:transition>
+    </mc:Fallback>
+  </mc:AlternateContent>
+  <p:timing>
+    <p:tnLst>
+      <p:par>
+        <p:cTn id="1" dur="indefinite" restart="never" nodeType="tmRoot"/>
+      </p:par>
+    </p:tnLst>
+  </p:timing>
+</p:sld>
+</file>
+
+<file path=ppt/slides/slide16.xml><?xml version="1.0" encoding="utf-8"?>
+<p:sld xmlns:a="http://schemas.openxmlformats.org/drawingml/2006/main" xmlns:r="http://schemas.openxmlformats.org/officeDocument/2006/relationships" xmlns:p="http://schemas.openxmlformats.org/presentationml/2006/main">
+  <p:cSld>
+    <p:spTree>
+      <p:nvGrpSpPr>
+        <p:cNvPr id="1" name=""/>
+        <p:cNvGrpSpPr/>
+        <p:nvPr/>
+      </p:nvGrpSpPr>
+      <p:grpSpPr>
+        <a:xfrm>
+          <a:off x="0" y="0"/>
+          <a:ext cx="0" cy="0"/>
+          <a:chOff x="0" y="0"/>
+          <a:chExt cx="0" cy="0"/>
+        </a:xfrm>
+      </p:grpSpPr>
+      <p:sp>
+        <p:nvSpPr>
+          <p:cNvPr id="18" name="TextBox 17"/>
+          <p:cNvSpPr txBox="1"/>
+          <p:nvPr/>
+        </p:nvSpPr>
+        <p:spPr>
+          <a:xfrm>
+            <a:off x="2405867" y="3204750"/>
+            <a:ext cx="3700630" cy="1295868"/>
+          </a:xfrm>
+          <a:prstGeom prst="rect">
+            <a:avLst/>
+          </a:prstGeom>
+          <a:noFill/>
+        </p:spPr>
+        <p:txBody>
+          <a:bodyPr wrap="square" rtlCol="0">
+            <a:spAutoFit/>
+          </a:bodyPr>
+          <a:lstStyle/>
+          <a:p>
+            <a:pPr algn="ctr">
+              <a:lnSpc>
+                <a:spcPct val="150000"/>
+              </a:lnSpc>
+            </a:pPr>
+            <a:r>
+              <a:rPr lang="en-SG" dirty="0"/>
+              <a:t>Open my eyes</a:t>
+            </a:r>
+          </a:p>
+          <a:p>
+            <a:pPr algn="ctr">
+              <a:lnSpc>
+                <a:spcPct val="150000"/>
+              </a:lnSpc>
+            </a:pPr>
+            <a:r>
+              <a:rPr lang="en-SG" dirty="0"/>
+              <a:t>I feel a hit on the head</a:t>
+            </a:r>
+          </a:p>
+          <a:p>
+            <a:pPr algn="ctr">
+              <a:lnSpc>
+                <a:spcPct val="150000"/>
+              </a:lnSpc>
+            </a:pPr>
+            <a:r>
+              <a:rPr lang="en-SG" dirty="0"/>
+              <a:t>I start crying in pain</a:t>
+            </a:r>
+          </a:p>
+        </p:txBody>
+      </p:sp>
+      <p:sp>
+        <p:nvSpPr>
+          <p:cNvPr id="4" name="TextBox 3"/>
+          <p:cNvSpPr txBox="1"/>
+          <p:nvPr/>
+        </p:nvSpPr>
+        <p:spPr>
+          <a:xfrm>
+            <a:off x="6806639" y="1517956"/>
+            <a:ext cx="3700630" cy="3000821"/>
+          </a:xfrm>
+          <a:prstGeom prst="rect">
+            <a:avLst/>
+          </a:prstGeom>
+          <a:noFill/>
+        </p:spPr>
+        <p:txBody>
+          <a:bodyPr wrap="square" rtlCol="0">
+            <a:spAutoFit/>
+          </a:bodyPr>
+          <a:lstStyle/>
+          <a:p>
+            <a:pPr algn="ctr">
+              <a:lnSpc>
+                <a:spcPct val="150000"/>
+              </a:lnSpc>
+            </a:pPr>
+            <a:r>
+              <a:rPr lang="en-SG" dirty="0"/>
+              <a:t>It’s my 18</a:t>
+            </a:r>
+            <a:r>
+              <a:rPr lang="en-SG" baseline="30000" dirty="0"/>
+              <a:t>th</a:t>
+            </a:r>
+            <a:r>
+              <a:rPr lang="en-SG" dirty="0"/>
+              <a:t> birthday.</a:t>
+            </a:r>
+          </a:p>
+          <a:p>
+            <a:pPr algn="ctr">
+              <a:lnSpc>
+                <a:spcPct val="150000"/>
+              </a:lnSpc>
+            </a:pPr>
+            <a:r>
+              <a:rPr lang="en-SG" dirty="0"/>
+              <a:t>Happy birthday, kid</a:t>
+            </a:r>
+          </a:p>
+          <a:p>
+            <a:pPr algn="ctr">
+              <a:lnSpc>
+                <a:spcPct val="150000"/>
+              </a:lnSpc>
+            </a:pPr>
+            <a:r>
+              <a:rPr lang="en-SG" dirty="0"/>
+              <a:t>You fall in love</a:t>
+            </a:r>
+          </a:p>
+          <a:p>
+            <a:pPr algn="ctr">
+              <a:lnSpc>
+                <a:spcPct val="150000"/>
+              </a:lnSpc>
+            </a:pPr>
+            <a:r>
+              <a:rPr lang="en-SG" dirty="0"/>
+              <a:t>You get married</a:t>
+            </a:r>
+          </a:p>
+          <a:p>
+            <a:pPr algn="ctr">
+              <a:lnSpc>
+                <a:spcPct val="150000"/>
+              </a:lnSpc>
+            </a:pPr>
+            <a:r>
+              <a:rPr lang="en-SG" dirty="0"/>
+              <a:t>You see a sleeping baby</a:t>
+            </a:r>
+          </a:p>
+          <a:p>
+            <a:pPr algn="ctr">
+              <a:lnSpc>
+                <a:spcPct val="150000"/>
+              </a:lnSpc>
+            </a:pPr>
+            <a:r>
+              <a:rPr lang="en-SG" dirty="0"/>
+              <a:t>You pat the </a:t>
+            </a:r>
+            <a:r>
+              <a:rPr lang="en-SG" dirty="0" smtClean="0"/>
+              <a:t>baby</a:t>
+            </a:r>
+          </a:p>
+          <a:p>
+            <a:pPr algn="ctr">
+              <a:lnSpc>
+                <a:spcPct val="150000"/>
+              </a:lnSpc>
+            </a:pPr>
+            <a:r>
+              <a:rPr lang="en-SG" dirty="0" smtClean="0"/>
+              <a:t>You look at the baby</a:t>
+            </a:r>
+            <a:endParaRPr lang="en-SG" dirty="0"/>
+          </a:p>
+        </p:txBody>
+      </p:sp>
+      <p:sp>
+        <p:nvSpPr>
+          <p:cNvPr id="6" name="TextBox 5"/>
+          <p:cNvSpPr txBox="1"/>
+          <p:nvPr/>
+        </p:nvSpPr>
+        <p:spPr>
+          <a:xfrm>
+            <a:off x="7085330" y="4492819"/>
+            <a:ext cx="3143249" cy="369332"/>
+          </a:xfrm>
+          <a:prstGeom prst="rect">
+            <a:avLst/>
+          </a:prstGeom>
+          <a:noFill/>
+          <a:ln>
+            <a:solidFill>
+              <a:schemeClr val="tx1"/>
+            </a:solidFill>
+          </a:ln>
+        </p:spPr>
+        <p:txBody>
+          <a:bodyPr wrap="square" rtlCol="0">
+            <a:spAutoFit/>
+          </a:bodyPr>
+          <a:lstStyle/>
+          <a:p>
+            <a:pPr algn="ctr"/>
+            <a:endParaRPr lang="en-SG" dirty="0"/>
+          </a:p>
+        </p:txBody>
+      </p:sp>
+      <p:sp>
+        <p:nvSpPr>
+          <p:cNvPr id="13" name="TextBox 12"/>
+          <p:cNvSpPr txBox="1"/>
+          <p:nvPr/>
+        </p:nvSpPr>
+        <p:spPr>
+          <a:xfrm>
+            <a:off x="2684558" y="4502979"/>
+            <a:ext cx="3143249" cy="369332"/>
+          </a:xfrm>
+          <a:prstGeom prst="rect">
+            <a:avLst/>
+          </a:prstGeom>
+          <a:noFill/>
+          <a:ln>
+            <a:solidFill>
+              <a:schemeClr val="tx1"/>
+            </a:solidFill>
+          </a:ln>
+        </p:spPr>
+        <p:txBody>
+          <a:bodyPr wrap="square" rtlCol="0">
+            <a:spAutoFit/>
+          </a:bodyPr>
+          <a:lstStyle/>
+          <a:p>
+            <a:pPr algn="ctr"/>
+            <a:r>
+              <a:rPr lang="en-SG" dirty="0"/>
+              <a:t>Continue crying</a:t>
+            </a:r>
+            <a:endParaRPr lang="en-SG" dirty="0"/>
+          </a:p>
+        </p:txBody>
+      </p:sp>
+      <p:sp>
+        <p:nvSpPr>
+          <p:cNvPr id="23" name="Rectangle 22"/>
+          <p:cNvSpPr/>
+          <p:nvPr/>
+        </p:nvSpPr>
+        <p:spPr>
+          <a:xfrm>
+            <a:off x="0" y="664831"/>
+            <a:ext cx="12192000" cy="3344415"/>
+          </a:xfrm>
+          <a:prstGeom prst="rect">
+            <a:avLst/>
+          </a:prstGeom>
+          <a:gradFill>
+            <a:gsLst>
+              <a:gs pos="77000">
+                <a:schemeClr val="bg1">
+                  <a:alpha val="0"/>
+                </a:schemeClr>
+              </a:gs>
+              <a:gs pos="37000">
+                <a:schemeClr val="bg1"/>
+              </a:gs>
+            </a:gsLst>
+            <a:lin ang="5400000" scaled="1"/>
+          </a:gradFill>
+          <a:ln>
+            <a:noFill/>
+          </a:ln>
+        </p:spPr>
+        <p:style>
+          <a:lnRef idx="2">
+            <a:schemeClr val="accent1">
+              <a:shade val="50000"/>
+            </a:schemeClr>
+          </a:lnRef>
+          <a:fillRef idx="1">
+            <a:schemeClr val="accent1"/>
+          </a:fillRef>
+          <a:effectRef idx="0">
+            <a:schemeClr val="accent1"/>
+          </a:effectRef>
+          <a:fontRef idx="minor">
+            <a:schemeClr val="lt1"/>
+          </a:fontRef>
+        </p:style>
+        <p:txBody>
+          <a:bodyPr rtlCol="0" anchor="ctr"/>
+          <a:lstStyle/>
+          <a:p>
+            <a:pPr algn="ctr"/>
+            <a:endParaRPr lang="en-SG"/>
+          </a:p>
+        </p:txBody>
+      </p:sp>
+      <p:sp>
+        <p:nvSpPr>
+          <p:cNvPr id="14" name="Rectangle 13"/>
+          <p:cNvSpPr/>
+          <p:nvPr/>
+        </p:nvSpPr>
+        <p:spPr>
+          <a:xfrm>
+            <a:off x="471247" y="1346231"/>
+            <a:ext cx="817581" cy="408791"/>
+          </a:xfrm>
+          <a:prstGeom prst="rect">
+            <a:avLst/>
+          </a:prstGeom>
+          <a:noFill/>
+          <a:ln>
+            <a:solidFill>
+              <a:schemeClr val="tx1"/>
+            </a:solidFill>
+          </a:ln>
+        </p:spPr>
+        <p:style>
+          <a:lnRef idx="2">
+            <a:schemeClr val="accent1">
+              <a:shade val="50000"/>
+            </a:schemeClr>
+          </a:lnRef>
+          <a:fillRef idx="1">
+            <a:schemeClr val="accent1"/>
+          </a:fillRef>
+          <a:effectRef idx="0">
+            <a:schemeClr val="accent1"/>
+          </a:effectRef>
+          <a:fontRef idx="minor">
+            <a:schemeClr val="lt1"/>
+          </a:fontRef>
+        </p:style>
+        <p:txBody>
+          <a:bodyPr rtlCol="0" anchor="ctr"/>
+          <a:lstStyle/>
+          <a:p>
+            <a:r>
+              <a:rPr lang="en-SG" dirty="0">
+                <a:solidFill>
+                  <a:schemeClr val="tx1"/>
+                </a:solidFill>
+              </a:rPr>
+              <a:t>2</a:t>
+            </a:r>
+            <a:r>
+              <a:rPr lang="en-SG" dirty="0" smtClean="0">
+                <a:solidFill>
+                  <a:schemeClr val="tx1"/>
+                </a:solidFill>
+              </a:rPr>
+              <a:t>0</a:t>
+            </a:r>
+            <a:endParaRPr lang="en-SG" dirty="0">
+              <a:solidFill>
+                <a:schemeClr val="tx1"/>
+              </a:solidFill>
+            </a:endParaRPr>
+          </a:p>
+        </p:txBody>
+      </p:sp>
+      <p:sp>
+        <p:nvSpPr>
+          <p:cNvPr id="15" name="TextBox 14"/>
+          <p:cNvSpPr txBox="1"/>
+          <p:nvPr/>
+        </p:nvSpPr>
+        <p:spPr>
+          <a:xfrm>
+            <a:off x="1084433" y="1365960"/>
+            <a:ext cx="1371599" cy="369332"/>
+          </a:xfrm>
+          <a:prstGeom prst="rect">
+            <a:avLst/>
+          </a:prstGeom>
+          <a:solidFill>
+            <a:schemeClr val="bg1"/>
+          </a:solidFill>
+        </p:spPr>
+        <p:txBody>
+          <a:bodyPr wrap="square" rtlCol="0">
+            <a:spAutoFit/>
+          </a:bodyPr>
+          <a:lstStyle/>
+          <a:p>
+            <a:r>
+              <a:rPr lang="en-SG" dirty="0" smtClean="0"/>
+              <a:t>Sustenance</a:t>
+            </a:r>
+            <a:endParaRPr lang="en-SG" dirty="0" smtClean="0"/>
+          </a:p>
+        </p:txBody>
+      </p:sp>
+      <p:sp>
+        <p:nvSpPr>
+          <p:cNvPr id="16" name="Rectangle 15"/>
+          <p:cNvSpPr/>
+          <p:nvPr/>
+        </p:nvSpPr>
+        <p:spPr>
+          <a:xfrm>
+            <a:off x="473040" y="1799849"/>
+            <a:ext cx="817581" cy="408791"/>
+          </a:xfrm>
+          <a:prstGeom prst="rect">
+            <a:avLst/>
+          </a:prstGeom>
+          <a:noFill/>
+          <a:ln>
+            <a:solidFill>
+              <a:schemeClr val="tx1"/>
+            </a:solidFill>
+          </a:ln>
+        </p:spPr>
+        <p:style>
+          <a:lnRef idx="2">
+            <a:schemeClr val="accent1">
+              <a:shade val="50000"/>
+            </a:schemeClr>
+          </a:lnRef>
+          <a:fillRef idx="1">
+            <a:schemeClr val="accent1"/>
+          </a:fillRef>
+          <a:effectRef idx="0">
+            <a:schemeClr val="accent1"/>
+          </a:effectRef>
+          <a:fontRef idx="minor">
+            <a:schemeClr val="lt1"/>
+          </a:fontRef>
+        </p:style>
+        <p:txBody>
+          <a:bodyPr rtlCol="0" anchor="ctr"/>
+          <a:lstStyle/>
+          <a:p>
+            <a:r>
+              <a:rPr lang="en-SG" dirty="0" smtClean="0">
+                <a:solidFill>
+                  <a:schemeClr val="tx1"/>
+                </a:solidFill>
+              </a:rPr>
+              <a:t>1</a:t>
+            </a:r>
+            <a:r>
+              <a:rPr lang="en-SG" dirty="0" smtClean="0">
+                <a:solidFill>
+                  <a:schemeClr val="tx1"/>
+                </a:solidFill>
+              </a:rPr>
+              <a:t>0</a:t>
+            </a:r>
+            <a:endParaRPr lang="en-SG" dirty="0">
+              <a:solidFill>
+                <a:schemeClr val="tx1"/>
+              </a:solidFill>
+            </a:endParaRPr>
+          </a:p>
+        </p:txBody>
+      </p:sp>
+      <p:sp>
+        <p:nvSpPr>
+          <p:cNvPr id="17" name="TextBox 16"/>
+          <p:cNvSpPr txBox="1"/>
+          <p:nvPr/>
+        </p:nvSpPr>
+        <p:spPr>
+          <a:xfrm>
+            <a:off x="1084434" y="1819579"/>
+            <a:ext cx="1371599" cy="369332"/>
+          </a:xfrm>
+          <a:prstGeom prst="rect">
+            <a:avLst/>
+          </a:prstGeom>
+          <a:solidFill>
+            <a:schemeClr val="bg1"/>
+          </a:solidFill>
+        </p:spPr>
+        <p:txBody>
+          <a:bodyPr wrap="square" rtlCol="0">
+            <a:spAutoFit/>
+          </a:bodyPr>
+          <a:lstStyle/>
+          <a:p>
+            <a:r>
+              <a:rPr lang="en-SG" dirty="0" smtClean="0"/>
+              <a:t>Happiness</a:t>
+            </a:r>
+            <a:endParaRPr lang="en-SG" dirty="0" smtClean="0"/>
+          </a:p>
+        </p:txBody>
+      </p:sp>
+      <p:sp>
+        <p:nvSpPr>
+          <p:cNvPr id="19" name="Rectangle 18"/>
+          <p:cNvSpPr/>
+          <p:nvPr/>
+        </p:nvSpPr>
+        <p:spPr>
+          <a:xfrm>
+            <a:off x="10998499" y="1322531"/>
+            <a:ext cx="817581" cy="408791"/>
+          </a:xfrm>
+          <a:prstGeom prst="rect">
+            <a:avLst/>
+          </a:prstGeom>
+          <a:noFill/>
+          <a:ln>
+            <a:solidFill>
+              <a:schemeClr val="tx1"/>
+            </a:solidFill>
+          </a:ln>
+        </p:spPr>
+        <p:style>
+          <a:lnRef idx="2">
+            <a:schemeClr val="accent1">
+              <a:shade val="50000"/>
+            </a:schemeClr>
+          </a:lnRef>
+          <a:fillRef idx="1">
+            <a:schemeClr val="accent1"/>
+          </a:fillRef>
+          <a:effectRef idx="0">
+            <a:schemeClr val="accent1"/>
+          </a:effectRef>
+          <a:fontRef idx="minor">
+            <a:schemeClr val="lt1"/>
+          </a:fontRef>
+        </p:style>
+        <p:txBody>
+          <a:bodyPr rtlCol="0" anchor="ctr"/>
+          <a:lstStyle/>
+          <a:p>
+            <a:pPr algn="r"/>
+            <a:r>
+              <a:rPr lang="en-SG" dirty="0" smtClean="0">
+                <a:solidFill>
+                  <a:schemeClr val="tx1"/>
+                </a:solidFill>
+              </a:rPr>
+              <a:t>40/40</a:t>
+            </a:r>
+            <a:endParaRPr lang="en-SG" dirty="0">
+              <a:solidFill>
+                <a:schemeClr val="tx1"/>
+              </a:solidFill>
+            </a:endParaRPr>
+          </a:p>
+        </p:txBody>
+      </p:sp>
+      <p:sp>
+        <p:nvSpPr>
+          <p:cNvPr id="20" name="TextBox 19"/>
+          <p:cNvSpPr txBox="1"/>
+          <p:nvPr/>
+        </p:nvSpPr>
+        <p:spPr>
+          <a:xfrm>
+            <a:off x="9739854" y="1353610"/>
+            <a:ext cx="1371599" cy="369332"/>
+          </a:xfrm>
+          <a:prstGeom prst="rect">
+            <a:avLst/>
+          </a:prstGeom>
+          <a:solidFill>
+            <a:schemeClr val="bg1"/>
+          </a:solidFill>
+        </p:spPr>
+        <p:txBody>
+          <a:bodyPr wrap="square" rtlCol="0">
+            <a:spAutoFit/>
+          </a:bodyPr>
+          <a:lstStyle/>
+          <a:p>
+            <a:r>
+              <a:rPr lang="en-SG" dirty="0" smtClean="0"/>
+              <a:t>Sustenance</a:t>
+            </a:r>
+            <a:endParaRPr lang="en-SG" dirty="0" smtClean="0"/>
+          </a:p>
+        </p:txBody>
+      </p:sp>
+      <p:sp>
+        <p:nvSpPr>
+          <p:cNvPr id="21" name="Rectangle 20"/>
+          <p:cNvSpPr/>
+          <p:nvPr/>
+        </p:nvSpPr>
+        <p:spPr>
+          <a:xfrm>
+            <a:off x="11000292" y="1776149"/>
+            <a:ext cx="817581" cy="408791"/>
+          </a:xfrm>
+          <a:prstGeom prst="rect">
+            <a:avLst/>
+          </a:prstGeom>
+          <a:noFill/>
+          <a:ln>
+            <a:solidFill>
+              <a:schemeClr val="tx1"/>
+            </a:solidFill>
+          </a:ln>
+        </p:spPr>
+        <p:style>
+          <a:lnRef idx="2">
+            <a:schemeClr val="accent1">
+              <a:shade val="50000"/>
+            </a:schemeClr>
+          </a:lnRef>
+          <a:fillRef idx="1">
+            <a:schemeClr val="accent1"/>
+          </a:fillRef>
+          <a:effectRef idx="0">
+            <a:schemeClr val="accent1"/>
+          </a:effectRef>
+          <a:fontRef idx="minor">
+            <a:schemeClr val="lt1"/>
+          </a:fontRef>
+        </p:style>
+        <p:txBody>
+          <a:bodyPr rtlCol="0" anchor="ctr"/>
+          <a:lstStyle/>
+          <a:p>
+            <a:pPr algn="r"/>
+            <a:r>
+              <a:rPr lang="en-SG" dirty="0" smtClean="0">
+                <a:solidFill>
+                  <a:schemeClr val="tx1"/>
+                </a:solidFill>
+              </a:rPr>
+              <a:t>40/40</a:t>
+            </a:r>
+            <a:endParaRPr lang="en-SG" dirty="0">
+              <a:solidFill>
+                <a:schemeClr val="tx1"/>
+              </a:solidFill>
+            </a:endParaRPr>
+          </a:p>
+        </p:txBody>
+      </p:sp>
+      <p:sp>
+        <p:nvSpPr>
+          <p:cNvPr id="22" name="TextBox 21"/>
+          <p:cNvSpPr txBox="1"/>
+          <p:nvPr/>
+        </p:nvSpPr>
+        <p:spPr>
+          <a:xfrm>
+            <a:off x="9630484" y="1786908"/>
+            <a:ext cx="1480969" cy="369332"/>
+          </a:xfrm>
+          <a:prstGeom prst="rect">
+            <a:avLst/>
+          </a:prstGeom>
+          <a:solidFill>
+            <a:schemeClr val="bg1"/>
+          </a:solidFill>
+        </p:spPr>
+        <p:txBody>
+          <a:bodyPr wrap="square" rtlCol="0">
+            <a:spAutoFit/>
+          </a:bodyPr>
+          <a:lstStyle/>
+          <a:p>
+            <a:pPr algn="r"/>
+            <a:r>
+              <a:rPr lang="en-SG" dirty="0" smtClean="0"/>
+              <a:t>Happiness  </a:t>
+            </a:r>
+            <a:r>
+              <a:rPr lang="en-SG" dirty="0" smtClean="0">
+                <a:solidFill>
+                  <a:schemeClr val="bg1"/>
+                </a:solidFill>
+              </a:rPr>
+              <a:t>.</a:t>
+            </a:r>
+            <a:r>
+              <a:rPr lang="en-SG" dirty="0" smtClean="0"/>
+              <a:t>   </a:t>
+            </a:r>
+            <a:endParaRPr lang="en-SG" dirty="0" smtClean="0"/>
+          </a:p>
+        </p:txBody>
+      </p:sp>
+    </p:spTree>
+    <p:extLst>
+      <p:ext uri="{BB962C8B-B14F-4D97-AF65-F5344CB8AC3E}">
+        <p14:creationId xmlns:p14="http://schemas.microsoft.com/office/powerpoint/2010/main" val="2783739789"/>
+      </p:ext>
+    </p:extLst>
+  </p:cSld>
+  <p:clrMapOvr>
+    <a:masterClrMapping/>
+  </p:clrMapOvr>
+  <mc:AlternateContent xmlns:mc="http://schemas.openxmlformats.org/markup-compatibility/2006">
+    <mc:Choice xmlns:p14="http://schemas.microsoft.com/office/powerpoint/2010/main" Requires="p14">
+      <p:transition p14:dur="250" advClick="0">
+        <p:fade/>
+      </p:transition>
+    </mc:Choice>
+    <mc:Fallback>
+      <p:transition advClick="0">
+        <p:fade/>
+      </p:transition>
+    </mc:Fallback>
+  </mc:AlternateContent>
+  <p:timing>
+    <p:tnLst>
+      <p:par>
+        <p:cTn id="1" dur="indefinite" restart="never" nodeType="tmRoot"/>
+      </p:par>
+    </p:tnLst>
+  </p:timing>
+</p:sld>
+</file>
+
+<file path=ppt/slides/slide17.xml><?xml version="1.0" encoding="utf-8"?>
+<p:sld xmlns:a="http://schemas.openxmlformats.org/drawingml/2006/main" xmlns:r="http://schemas.openxmlformats.org/officeDocument/2006/relationships" xmlns:p="http://schemas.openxmlformats.org/presentationml/2006/main">
+  <p:cSld>
+    <p:spTree>
+      <p:nvGrpSpPr>
+        <p:cNvPr id="1" name=""/>
+        <p:cNvGrpSpPr/>
+        <p:nvPr/>
+      </p:nvGrpSpPr>
+      <p:grpSpPr>
+        <a:xfrm>
+          <a:off x="0" y="0"/>
+          <a:ext cx="0" cy="0"/>
+          <a:chOff x="0" y="0"/>
+          <a:chExt cx="0" cy="0"/>
+        </a:xfrm>
+      </p:grpSpPr>
+      <p:sp>
+        <p:nvSpPr>
+          <p:cNvPr id="2" name="Title 1"/>
+          <p:cNvSpPr>
+            <a:spLocks noGrp="1"/>
+          </p:cNvSpPr>
+          <p:nvPr>
+            <p:ph type="ctrTitle"/>
+          </p:nvPr>
+        </p:nvSpPr>
+        <p:spPr/>
+        <p:txBody>
+          <a:bodyPr/>
+          <a:lstStyle/>
+          <a:p>
+            <a:r>
+              <a:rPr lang="en-SG" smtClean="0"/>
+              <a:t>End</a:t>
+            </a:r>
+            <a:endParaRPr lang="en-SG" dirty="0"/>
+          </a:p>
+        </p:txBody>
+      </p:sp>
+      <p:sp>
+        <p:nvSpPr>
+          <p:cNvPr id="3" name="Subtitle 2"/>
+          <p:cNvSpPr>
+            <a:spLocks noGrp="1"/>
+          </p:cNvSpPr>
+          <p:nvPr>
+            <p:ph type="subTitle" idx="1"/>
+          </p:nvPr>
+        </p:nvSpPr>
+        <p:spPr/>
+        <p:txBody>
+          <a:bodyPr/>
+          <a:lstStyle/>
+          <a:p>
+            <a:endParaRPr lang="en-SG"/>
+          </a:p>
+        </p:txBody>
+      </p:sp>
+    </p:spTree>
+    <p:extLst>
+      <p:ext uri="{BB962C8B-B14F-4D97-AF65-F5344CB8AC3E}">
+        <p14:creationId xmlns:p14="http://schemas.microsoft.com/office/powerpoint/2010/main" val="2122075092"/>
+      </p:ext>
+    </p:extLst>
+  </p:cSld>
+  <p:clrMapOvr>
+    <a:masterClrMapping/>
+  </p:clrMapOvr>
 </p:sld>
 </file>
 
@@ -4104,8 +6741,8 @@
         </p:nvSpPr>
         <p:spPr>
           <a:xfrm>
-            <a:off x="4356848" y="2280621"/>
-            <a:ext cx="3700630" cy="880369"/>
+            <a:off x="4356848" y="2727064"/>
+            <a:ext cx="3700630" cy="369332"/>
           </a:xfrm>
           <a:prstGeom prst="rect">
             <a:avLst/>
@@ -4118,25 +6755,10 @@
           </a:bodyPr>
           <a:lstStyle/>
           <a:p>
-            <a:pPr algn="ctr">
-              <a:lnSpc>
-                <a:spcPct val="150000"/>
-              </a:lnSpc>
-            </a:pPr>
+            <a:pPr algn="ctr"/>
             <a:r>
               <a:rPr lang="en-SG" dirty="0" smtClean="0"/>
               <a:t>I’m hungry</a:t>
-            </a:r>
-          </a:p>
-          <a:p>
-            <a:pPr algn="ctr">
-              <a:lnSpc>
-                <a:spcPct val="150000"/>
-              </a:lnSpc>
-            </a:pPr>
-            <a:r>
-              <a:rPr lang="en-SG" dirty="0" smtClean="0"/>
-              <a:t>Dad says there’s no food left.</a:t>
             </a:r>
             <a:endParaRPr lang="en-SG" dirty="0"/>
           </a:p>
@@ -4170,6 +6792,10 @@
           <a:lstStyle/>
           <a:p>
             <a:pPr algn="ctr"/>
+            <a:r>
+              <a:rPr lang="en-SG" dirty="0" smtClean="0"/>
+              <a:t>Ask my dad for food</a:t>
+            </a:r>
             <a:endParaRPr lang="en-SG" dirty="0"/>
           </a:p>
         </p:txBody>
@@ -4177,7 +6803,7 @@
     </p:spTree>
     <p:extLst>
       <p:ext uri="{BB962C8B-B14F-4D97-AF65-F5344CB8AC3E}">
-        <p14:creationId xmlns:p14="http://schemas.microsoft.com/office/powerpoint/2010/main" val="1030151453"/>
+        <p14:creationId xmlns:p14="http://schemas.microsoft.com/office/powerpoint/2010/main" val="1117831536"/>
       </p:ext>
     </p:extLst>
   </p:cSld>
@@ -4186,12 +6812,12 @@
   </p:clrMapOvr>
   <mc:AlternateContent xmlns:mc="http://schemas.openxmlformats.org/markup-compatibility/2006">
     <mc:Choice xmlns:p14="http://schemas.microsoft.com/office/powerpoint/2010/main" Requires="p14">
-      <p:transition spd="slow" p14:dur="1300">
-        <p14:pan dir="u"/>
+      <p:transition p14:dur="250">
+        <p:fade/>
       </p:transition>
     </mc:Choice>
     <mc:Fallback>
-      <p:transition spd="slow">
+      <p:transition>
         <p:fade/>
       </p:transition>
     </mc:Fallback>
@@ -4231,8 +6857,8 @@
         </p:nvSpPr>
         <p:spPr>
           <a:xfrm>
-            <a:off x="4356848" y="1877209"/>
-            <a:ext cx="3700630" cy="1338828"/>
+            <a:off x="4356848" y="2280621"/>
+            <a:ext cx="3700630" cy="880369"/>
           </a:xfrm>
           <a:prstGeom prst="rect">
             <a:avLst/>
@@ -4264,17 +6890,6 @@
             <a:r>
               <a:rPr lang="en-SG" dirty="0" smtClean="0"/>
               <a:t>Dad says there’s no food left.</a:t>
-            </a:r>
-          </a:p>
-          <a:p>
-            <a:pPr algn="ctr">
-              <a:lnSpc>
-                <a:spcPct val="150000"/>
-              </a:lnSpc>
-            </a:pPr>
-            <a:r>
-              <a:rPr lang="en-SG" dirty="0" smtClean="0"/>
-              <a:t>I’m thirsty</a:t>
             </a:r>
             <a:endParaRPr lang="en-SG" dirty="0"/>
           </a:p>
@@ -4308,33 +6923,39 @@
           <a:lstStyle/>
           <a:p>
             <a:pPr algn="ctr"/>
-            <a:r>
-              <a:rPr lang="en-SG" dirty="0" smtClean="0"/>
-              <a:t>Ask dad for water</a:t>
-            </a:r>
             <a:endParaRPr lang="en-SG" dirty="0"/>
           </a:p>
         </p:txBody>
       </p:sp>
       <p:sp>
         <p:nvSpPr>
-          <p:cNvPr id="5" name="Rectangle 4"/>
+          <p:cNvPr id="2" name="Rectangle 1"/>
           <p:cNvSpPr/>
           <p:nvPr/>
         </p:nvSpPr>
         <p:spPr>
           <a:xfrm>
-            <a:off x="9515139" y="801444"/>
-            <a:ext cx="817581" cy="408791"/>
-          </a:xfrm>
-          <a:prstGeom prst="rect">
-            <a:avLst/>
-          </a:prstGeom>
-          <a:noFill/>
+            <a:off x="0" y="0"/>
+            <a:ext cx="12192000" cy="3160990"/>
+          </a:xfrm>
+          <a:prstGeom prst="rect">
+            <a:avLst/>
+          </a:prstGeom>
+          <a:gradFill>
+            <a:gsLst>
+              <a:gs pos="99000">
+                <a:schemeClr val="bg1">
+                  <a:alpha val="0"/>
+                </a:schemeClr>
+              </a:gs>
+              <a:gs pos="15000">
+                <a:schemeClr val="bg1"/>
+              </a:gs>
+            </a:gsLst>
+            <a:lin ang="5400000" scaled="1"/>
+          </a:gradFill>
           <a:ln>
-            <a:solidFill>
-              <a:schemeClr val="tx1"/>
-            </a:solidFill>
+            <a:noFill/>
           </a:ln>
         </p:spPr>
         <p:style>
@@ -4357,58 +6978,15 @@
           <a:bodyPr rtlCol="0" anchor="ctr"/>
           <a:lstStyle/>
           <a:p>
-            <a:pPr algn="r"/>
-            <a:r>
-              <a:rPr lang="en-SG" dirty="0" smtClean="0">
-                <a:solidFill>
-                  <a:schemeClr val="tx1"/>
-                </a:solidFill>
-              </a:rPr>
-              <a:t>60</a:t>
-            </a:r>
-            <a:endParaRPr lang="en-SG" dirty="0">
-              <a:solidFill>
-                <a:schemeClr val="tx1"/>
-              </a:solidFill>
-            </a:endParaRPr>
-          </a:p>
-        </p:txBody>
-      </p:sp>
-      <p:sp>
-        <p:nvSpPr>
-          <p:cNvPr id="7" name="TextBox 6"/>
-          <p:cNvSpPr txBox="1"/>
-          <p:nvPr/>
-        </p:nvSpPr>
-        <p:spPr>
-          <a:xfrm>
-            <a:off x="8347934" y="812203"/>
-            <a:ext cx="1371599" cy="369332"/>
-          </a:xfrm>
-          <a:prstGeom prst="rect">
-            <a:avLst/>
-          </a:prstGeom>
-          <a:solidFill>
-            <a:schemeClr val="bg1"/>
-          </a:solidFill>
-        </p:spPr>
-        <p:txBody>
-          <a:bodyPr wrap="square" rtlCol="0">
-            <a:spAutoFit/>
-          </a:bodyPr>
-          <a:lstStyle/>
-          <a:p>
-            <a:r>
-              <a:rPr lang="en-SG" dirty="0" smtClean="0"/>
-              <a:t>Sustenance:</a:t>
-            </a:r>
+            <a:pPr algn="ctr"/>
+            <a:endParaRPr lang="en-SG"/>
           </a:p>
         </p:txBody>
       </p:sp>
     </p:spTree>
     <p:extLst>
       <p:ext uri="{BB962C8B-B14F-4D97-AF65-F5344CB8AC3E}">
-        <p14:creationId xmlns:p14="http://schemas.microsoft.com/office/powerpoint/2010/main" val="2613195204"/>
+        <p14:creationId xmlns:p14="http://schemas.microsoft.com/office/powerpoint/2010/main" val="1030151453"/>
       </p:ext>
     </p:extLst>
   </p:cSld>
@@ -4417,12 +6995,12 @@
   </p:clrMapOvr>
   <mc:AlternateContent xmlns:mc="http://schemas.openxmlformats.org/markup-compatibility/2006">
     <mc:Choice xmlns:p14="http://schemas.microsoft.com/office/powerpoint/2010/main" Requires="p14">
-      <p:transition spd="slow" p14:dur="1300">
-        <p14:pan dir="u"/>
+      <p:transition p14:dur="250">
+        <p:fade/>
       </p:transition>
     </mc:Choice>
     <mc:Fallback>
-      <p:transition spd="slow">
+      <p:transition>
         <p:fade/>
       </p:transition>
     </mc:Fallback>
@@ -4462,8 +7040,8 @@
         </p:nvSpPr>
         <p:spPr>
           <a:xfrm>
-            <a:off x="4356848" y="1452283"/>
-            <a:ext cx="3700630" cy="1754326"/>
+            <a:off x="4356848" y="1877209"/>
+            <a:ext cx="3700630" cy="1338828"/>
           </a:xfrm>
           <a:prstGeom prst="rect">
             <a:avLst/>
@@ -4506,17 +7084,6 @@
             <a:r>
               <a:rPr lang="en-SG" dirty="0" smtClean="0"/>
               <a:t>I’m thirsty</a:t>
-            </a:r>
-          </a:p>
-          <a:p>
-            <a:pPr algn="ctr">
-              <a:lnSpc>
-                <a:spcPct val="150000"/>
-              </a:lnSpc>
-            </a:pPr>
-            <a:r>
-              <a:rPr lang="en-SG" dirty="0" smtClean="0"/>
-              <a:t>Dad says get it yourself</a:t>
             </a:r>
             <a:endParaRPr lang="en-SG" dirty="0"/>
           </a:p>
@@ -4550,29 +7117,43 @@
           <a:lstStyle/>
           <a:p>
             <a:pPr algn="ctr"/>
+            <a:r>
+              <a:rPr lang="en-SG" dirty="0" smtClean="0"/>
+              <a:t>Ask dad for water</a:t>
+            </a:r>
             <a:endParaRPr lang="en-SG" dirty="0"/>
           </a:p>
         </p:txBody>
       </p:sp>
       <p:sp>
         <p:nvSpPr>
-          <p:cNvPr id="5" name="Rectangle 4"/>
+          <p:cNvPr id="9" name="Rectangle 8"/>
           <p:cNvSpPr/>
           <p:nvPr/>
         </p:nvSpPr>
         <p:spPr>
           <a:xfrm>
-            <a:off x="9515139" y="801444"/>
-            <a:ext cx="817581" cy="408791"/>
-          </a:xfrm>
-          <a:prstGeom prst="rect">
-            <a:avLst/>
-          </a:prstGeom>
-          <a:noFill/>
+            <a:off x="0" y="0"/>
+            <a:ext cx="12192000" cy="3160990"/>
+          </a:xfrm>
+          <a:prstGeom prst="rect">
+            <a:avLst/>
+          </a:prstGeom>
+          <a:gradFill>
+            <a:gsLst>
+              <a:gs pos="99000">
+                <a:schemeClr val="bg1">
+                  <a:alpha val="0"/>
+                </a:schemeClr>
+              </a:gs>
+              <a:gs pos="15000">
+                <a:schemeClr val="bg1"/>
+              </a:gs>
+            </a:gsLst>
+            <a:lin ang="5400000" scaled="1"/>
+          </a:gradFill>
           <a:ln>
-            <a:solidFill>
-              <a:schemeClr val="tx1"/>
-            </a:solidFill>
+            <a:noFill/>
           </a:ln>
         </p:spPr>
         <p:style>
@@ -4595,6 +7176,52 @@
           <a:bodyPr rtlCol="0" anchor="ctr"/>
           <a:lstStyle/>
           <a:p>
+            <a:pPr algn="ctr"/>
+            <a:endParaRPr lang="en-SG"/>
+          </a:p>
+        </p:txBody>
+      </p:sp>
+      <p:sp>
+        <p:nvSpPr>
+          <p:cNvPr id="5" name="Rectangle 4"/>
+          <p:cNvSpPr/>
+          <p:nvPr/>
+        </p:nvSpPr>
+        <p:spPr>
+          <a:xfrm>
+            <a:off x="9515139" y="801444"/>
+            <a:ext cx="817581" cy="408791"/>
+          </a:xfrm>
+          <a:prstGeom prst="rect">
+            <a:avLst/>
+          </a:prstGeom>
+          <a:noFill/>
+          <a:ln>
+            <a:solidFill>
+              <a:schemeClr val="tx1"/>
+            </a:solidFill>
+          </a:ln>
+        </p:spPr>
+        <p:style>
+          <a:lnRef idx="2">
+            <a:schemeClr val="accent1">
+              <a:shade val="50000"/>
+            </a:schemeClr>
+          </a:lnRef>
+          <a:fillRef idx="1">
+            <a:schemeClr val="accent1"/>
+          </a:fillRef>
+          <a:effectRef idx="0">
+            <a:schemeClr val="accent1"/>
+          </a:effectRef>
+          <a:fontRef idx="minor">
+            <a:schemeClr val="lt1"/>
+          </a:fontRef>
+        </p:style>
+        <p:txBody>
+          <a:bodyPr rtlCol="0" anchor="ctr"/>
+          <a:lstStyle/>
+          <a:p>
             <a:pPr algn="r"/>
             <a:r>
               <a:rPr lang="en-SG" dirty="0" smtClean="0">
@@ -4602,7 +7229,7 @@
                   <a:schemeClr val="tx1"/>
                 </a:solidFill>
               </a:rPr>
-              <a:t>55</a:t>
+              <a:t>60</a:t>
             </a:r>
             <a:endParaRPr lang="en-SG" dirty="0">
               <a:solidFill>
@@ -4638,15 +7265,16 @@
           <a:p>
             <a:r>
               <a:rPr lang="en-SG" dirty="0" smtClean="0"/>
-              <a:t>Sustenance:</a:t>
-            </a:r>
+              <a:t>Sustenance</a:t>
+            </a:r>
+            <a:endParaRPr lang="en-SG" dirty="0" smtClean="0"/>
           </a:p>
         </p:txBody>
       </p:sp>
     </p:spTree>
     <p:extLst>
       <p:ext uri="{BB962C8B-B14F-4D97-AF65-F5344CB8AC3E}">
-        <p14:creationId xmlns:p14="http://schemas.microsoft.com/office/powerpoint/2010/main" val="4015532790"/>
+        <p14:creationId xmlns:p14="http://schemas.microsoft.com/office/powerpoint/2010/main" val="2613195204"/>
       </p:ext>
     </p:extLst>
   </p:cSld>
@@ -4655,12 +7283,12 @@
   </p:clrMapOvr>
   <mc:AlternateContent xmlns:mc="http://schemas.openxmlformats.org/markup-compatibility/2006">
     <mc:Choice xmlns:p14="http://schemas.microsoft.com/office/powerpoint/2010/main" Requires="p14">
-      <p:transition spd="slow" p14:dur="1300">
-        <p14:pan dir="u"/>
+      <p:transition p14:dur="250">
+        <p:fade/>
       </p:transition>
     </mc:Choice>
     <mc:Fallback>
-      <p:transition spd="slow">
+      <p:transition>
         <p:fade/>
       </p:transition>
     </mc:Fallback>
@@ -4700,8 +7328,8 @@
         </p:nvSpPr>
         <p:spPr>
           <a:xfrm>
-            <a:off x="4356848" y="1070387"/>
-            <a:ext cx="3700630" cy="2169825"/>
+            <a:off x="4356848" y="1452283"/>
+            <a:ext cx="3700630" cy="1754326"/>
           </a:xfrm>
           <a:prstGeom prst="rect">
             <a:avLst/>
@@ -4756,32 +7384,19 @@
               <a:rPr lang="en-SG" dirty="0" smtClean="0"/>
               <a:t>Dad says get it yourself</a:t>
             </a:r>
-          </a:p>
-          <a:p>
-            <a:pPr algn="ctr">
-              <a:lnSpc>
-                <a:spcPct val="150000"/>
-              </a:lnSpc>
-            </a:pPr>
-            <a:r>
-              <a:rPr lang="en-SG" dirty="0" smtClean="0"/>
-              <a:t>I’m cold</a:t>
-            </a:r>
             <a:endParaRPr lang="en-SG" dirty="0"/>
           </a:p>
         </p:txBody>
       </p:sp>
       <p:sp>
         <p:nvSpPr>
-          <p:cNvPr id="6" name="TextBox 5">
-            <a:hlinkClick r:id="rId2" action="ppaction://hlinksldjump"/>
-          </p:cNvPr>
+          <p:cNvPr id="6" name="TextBox 5"/>
           <p:cNvSpPr txBox="1"/>
           <p:nvPr/>
         </p:nvSpPr>
         <p:spPr>
           <a:xfrm>
-            <a:off x="4824805" y="3240212"/>
+            <a:off x="4824805" y="3241623"/>
             <a:ext cx="2764716" cy="369332"/>
           </a:xfrm>
           <a:prstGeom prst="rect">
@@ -4801,71 +7416,39 @@
           <a:lstStyle/>
           <a:p>
             <a:pPr algn="ctr"/>
-            <a:r>
-              <a:rPr lang="en-SG" dirty="0" smtClean="0"/>
-              <a:t>Ask dad for a hug</a:t>
-            </a:r>
             <a:endParaRPr lang="en-SG" dirty="0"/>
           </a:p>
         </p:txBody>
       </p:sp>
       <p:sp>
         <p:nvSpPr>
-          <p:cNvPr id="5" name="TextBox 4">
-            <a:hlinkClick r:id="rId3" action="ppaction://hlinksldjump"/>
-          </p:cNvPr>
-          <p:cNvSpPr txBox="1"/>
-          <p:nvPr/>
-        </p:nvSpPr>
-        <p:spPr>
-          <a:xfrm>
-            <a:off x="4826594" y="3785265"/>
-            <a:ext cx="2764716" cy="369332"/>
-          </a:xfrm>
-          <a:prstGeom prst="rect">
-            <a:avLst/>
-          </a:prstGeom>
-          <a:noFill/>
+          <p:cNvPr id="8" name="Rectangle 7"/>
+          <p:cNvSpPr/>
+          <p:nvPr/>
+        </p:nvSpPr>
+        <p:spPr>
+          <a:xfrm>
+            <a:off x="0" y="0"/>
+            <a:ext cx="12192000" cy="3160990"/>
+          </a:xfrm>
+          <a:prstGeom prst="rect">
+            <a:avLst/>
+          </a:prstGeom>
+          <a:gradFill>
+            <a:gsLst>
+              <a:gs pos="99000">
+                <a:schemeClr val="bg1">
+                  <a:alpha val="0"/>
+                </a:schemeClr>
+              </a:gs>
+              <a:gs pos="15000">
+                <a:schemeClr val="bg1"/>
+              </a:gs>
+            </a:gsLst>
+            <a:lin ang="5400000" scaled="1"/>
+          </a:gradFill>
           <a:ln>
-            <a:solidFill>
-              <a:schemeClr val="tx1"/>
-            </a:solidFill>
-          </a:ln>
-        </p:spPr>
-        <p:txBody>
-          <a:bodyPr wrap="square" rtlCol="0">
-            <a:spAutoFit/>
-          </a:bodyPr>
-          <a:lstStyle/>
-          <a:p>
-            <a:pPr algn="ctr"/>
-            <a:r>
-              <a:rPr lang="en-SG" dirty="0" smtClean="0"/>
-              <a:t>Keep quiet</a:t>
-            </a:r>
-            <a:endParaRPr lang="en-SG" dirty="0"/>
-          </a:p>
-        </p:txBody>
-      </p:sp>
-      <p:sp>
-        <p:nvSpPr>
-          <p:cNvPr id="7" name="Rectangle 6"/>
-          <p:cNvSpPr/>
-          <p:nvPr/>
-        </p:nvSpPr>
-        <p:spPr>
-          <a:xfrm>
-            <a:off x="9515139" y="801444"/>
-            <a:ext cx="817581" cy="408791"/>
-          </a:xfrm>
-          <a:prstGeom prst="rect">
-            <a:avLst/>
-          </a:prstGeom>
-          <a:noFill/>
-          <a:ln>
-            <a:solidFill>
-              <a:schemeClr val="tx1"/>
-            </a:solidFill>
+            <a:noFill/>
           </a:ln>
         </p:spPr>
         <p:style>
@@ -4888,63 +7471,20 @@
           <a:bodyPr rtlCol="0" anchor="ctr"/>
           <a:lstStyle/>
           <a:p>
-            <a:pPr algn="r"/>
-            <a:r>
-              <a:rPr lang="en-SG" dirty="0" smtClean="0">
-                <a:solidFill>
-                  <a:schemeClr val="tx1"/>
-                </a:solidFill>
-              </a:rPr>
-              <a:t>55</a:t>
-            </a:r>
-            <a:endParaRPr lang="en-SG" dirty="0">
-              <a:solidFill>
-                <a:schemeClr val="tx1"/>
-              </a:solidFill>
-            </a:endParaRPr>
-          </a:p>
-        </p:txBody>
-      </p:sp>
-      <p:sp>
-        <p:nvSpPr>
-          <p:cNvPr id="8" name="TextBox 7"/>
-          <p:cNvSpPr txBox="1"/>
-          <p:nvPr/>
-        </p:nvSpPr>
-        <p:spPr>
-          <a:xfrm>
-            <a:off x="8347934" y="812203"/>
-            <a:ext cx="1371599" cy="369332"/>
-          </a:xfrm>
-          <a:prstGeom prst="rect">
-            <a:avLst/>
-          </a:prstGeom>
-          <a:solidFill>
-            <a:schemeClr val="bg1"/>
-          </a:solidFill>
-        </p:spPr>
-        <p:txBody>
-          <a:bodyPr wrap="square" rtlCol="0">
-            <a:spAutoFit/>
-          </a:bodyPr>
-          <a:lstStyle/>
-          <a:p>
-            <a:r>
-              <a:rPr lang="en-SG" dirty="0" smtClean="0"/>
-              <a:t>Sustenance:</a:t>
-            </a:r>
-          </a:p>
-        </p:txBody>
-      </p:sp>
-      <p:sp>
-        <p:nvSpPr>
-          <p:cNvPr id="9" name="Rectangle 8"/>
+            <a:pPr algn="ctr"/>
+            <a:endParaRPr lang="en-SG"/>
+          </a:p>
+        </p:txBody>
+      </p:sp>
+      <p:sp>
+        <p:nvSpPr>
+          <p:cNvPr id="5" name="Rectangle 4"/>
           <p:cNvSpPr/>
           <p:nvPr/>
         </p:nvSpPr>
         <p:spPr>
           <a:xfrm>
-            <a:off x="9516932" y="1255062"/>
+            <a:off x="9515139" y="801444"/>
             <a:ext cx="817581" cy="408791"/>
           </a:xfrm>
           <a:prstGeom prst="rect">
@@ -4996,13 +7536,13 @@
       </p:sp>
       <p:sp>
         <p:nvSpPr>
-          <p:cNvPr id="10" name="TextBox 9"/>
+          <p:cNvPr id="7" name="TextBox 6"/>
           <p:cNvSpPr txBox="1"/>
           <p:nvPr/>
         </p:nvSpPr>
         <p:spPr>
           <a:xfrm>
-            <a:off x="8269044" y="1265821"/>
+            <a:off x="8347934" y="812203"/>
             <a:ext cx="1371599" cy="369332"/>
           </a:xfrm>
           <a:prstGeom prst="rect">
@@ -5018,18 +7558,18 @@
           </a:bodyPr>
           <a:lstStyle/>
           <a:p>
-            <a:pPr algn="r"/>
-            <a:r>
-              <a:rPr lang="en-SG" dirty="0" smtClean="0"/>
-              <a:t>Happiness:</a:t>
-            </a:r>
+            <a:r>
+              <a:rPr lang="en-SG" dirty="0" smtClean="0"/>
+              <a:t>Sustenance</a:t>
+            </a:r>
+            <a:endParaRPr lang="en-SG" dirty="0" smtClean="0"/>
           </a:p>
         </p:txBody>
       </p:sp>
     </p:spTree>
     <p:extLst>
       <p:ext uri="{BB962C8B-B14F-4D97-AF65-F5344CB8AC3E}">
-        <p14:creationId xmlns:p14="http://schemas.microsoft.com/office/powerpoint/2010/main" val="2342867531"/>
+        <p14:creationId xmlns:p14="http://schemas.microsoft.com/office/powerpoint/2010/main" val="4015532790"/>
       </p:ext>
     </p:extLst>
   </p:cSld>
@@ -5038,12 +7578,12 @@
   </p:clrMapOvr>
   <mc:AlternateContent xmlns:mc="http://schemas.openxmlformats.org/markup-compatibility/2006">
     <mc:Choice xmlns:p14="http://schemas.microsoft.com/office/powerpoint/2010/main" Requires="p14">
-      <p:transition spd="slow" p14:dur="1300" advClick="0">
-        <p14:pan dir="u"/>
+      <p:transition p14:dur="250">
+        <p:fade/>
       </p:transition>
     </mc:Choice>
     <mc:Fallback>
-      <p:transition spd="slow" advClick="0">
+      <p:transition>
         <p:fade/>
       </p:transition>
     </mc:Fallback>
@@ -5083,8 +7623,8 @@
         </p:nvSpPr>
         <p:spPr>
           <a:xfrm>
-            <a:off x="4356848" y="688491"/>
-            <a:ext cx="3700630" cy="2585323"/>
+            <a:off x="4356848" y="1070387"/>
+            <a:ext cx="3700630" cy="2169825"/>
           </a:xfrm>
           <a:prstGeom prst="rect">
             <a:avLst/>
@@ -5104,7 +7644,7 @@
             </a:pPr>
             <a:r>
               <a:rPr lang="en-SG" dirty="0" smtClean="0"/>
-              <a:t>I’m hungry.</a:t>
+              <a:t>I’m hungry</a:t>
             </a:r>
           </a:p>
           <a:p>
@@ -5126,7 +7666,7 @@
             </a:pPr>
             <a:r>
               <a:rPr lang="en-SG" dirty="0" smtClean="0"/>
-              <a:t>I’m thirsty.</a:t>
+              <a:t>I’m thirsty</a:t>
             </a:r>
           </a:p>
           <a:p>
@@ -5137,7 +7677,7 @@
             </a:pPr>
             <a:r>
               <a:rPr lang="en-SG" dirty="0" smtClean="0"/>
-              <a:t>Dad says get it yourself.</a:t>
+              <a:t>Dad says get it yourself</a:t>
             </a:r>
           </a:p>
           <a:p>
@@ -5148,18 +7688,7 @@
             </a:pPr>
             <a:r>
               <a:rPr lang="en-SG" dirty="0" smtClean="0"/>
-              <a:t>I’m cold.</a:t>
-            </a:r>
-          </a:p>
-          <a:p>
-            <a:pPr algn="ctr">
-              <a:lnSpc>
-                <a:spcPct val="150000"/>
-              </a:lnSpc>
-            </a:pPr>
-            <a:r>
-              <a:rPr lang="en-SG" dirty="0" smtClean="0"/>
-              <a:t>Dad says to screw off.</a:t>
+              <a:t>I’m cold</a:t>
             </a:r>
             <a:endParaRPr lang="en-SG" dirty="0"/>
           </a:p>
@@ -5167,7 +7696,9 @@
       </p:sp>
       <p:sp>
         <p:nvSpPr>
-          <p:cNvPr id="6" name="TextBox 5"/>
+          <p:cNvPr id="6" name="TextBox 5">
+            <a:hlinkClick r:id="rId2" action="ppaction://hlinksldjump"/>
+          </p:cNvPr>
           <p:cNvSpPr txBox="1"/>
           <p:nvPr/>
         </p:nvSpPr>
@@ -5193,20 +7724,26 @@
           <a:lstStyle/>
           <a:p>
             <a:pPr algn="ctr"/>
+            <a:r>
+              <a:rPr lang="en-SG" dirty="0" smtClean="0"/>
+              <a:t>Ask dad for a hug</a:t>
+            </a:r>
             <a:endParaRPr lang="en-SG" dirty="0"/>
           </a:p>
         </p:txBody>
       </p:sp>
       <p:sp>
         <p:nvSpPr>
-          <p:cNvPr id="8" name="Rectangle 7"/>
-          <p:cNvSpPr/>
-          <p:nvPr/>
-        </p:nvSpPr>
-        <p:spPr>
-          <a:xfrm>
-            <a:off x="9515139" y="801444"/>
-            <a:ext cx="817581" cy="408791"/>
+          <p:cNvPr id="5" name="TextBox 4">
+            <a:hlinkClick r:id="rId3" action="ppaction://hlinksldjump"/>
+          </p:cNvPr>
+          <p:cNvSpPr txBox="1"/>
+          <p:nvPr/>
+        </p:nvSpPr>
+        <p:spPr>
+          <a:xfrm>
+            <a:off x="4826594" y="3785265"/>
+            <a:ext cx="2764716" cy="369332"/>
           </a:xfrm>
           <a:prstGeom prst="rect">
             <a:avLst/>
@@ -5216,6 +7753,52 @@
             <a:solidFill>
               <a:schemeClr val="tx1"/>
             </a:solidFill>
+          </a:ln>
+        </p:spPr>
+        <p:txBody>
+          <a:bodyPr wrap="square" rtlCol="0">
+            <a:spAutoFit/>
+          </a:bodyPr>
+          <a:lstStyle/>
+          <a:p>
+            <a:pPr algn="ctr"/>
+            <a:r>
+              <a:rPr lang="en-SG" dirty="0" smtClean="0"/>
+              <a:t>Keep quiet</a:t>
+            </a:r>
+            <a:endParaRPr lang="en-SG" dirty="0"/>
+          </a:p>
+        </p:txBody>
+      </p:sp>
+      <p:sp>
+        <p:nvSpPr>
+          <p:cNvPr id="11" name="Rectangle 10"/>
+          <p:cNvSpPr/>
+          <p:nvPr/>
+        </p:nvSpPr>
+        <p:spPr>
+          <a:xfrm>
+            <a:off x="0" y="0"/>
+            <a:ext cx="12192000" cy="3160990"/>
+          </a:xfrm>
+          <a:prstGeom prst="rect">
+            <a:avLst/>
+          </a:prstGeom>
+          <a:gradFill>
+            <a:gsLst>
+              <a:gs pos="99000">
+                <a:schemeClr val="bg1">
+                  <a:alpha val="0"/>
+                </a:schemeClr>
+              </a:gs>
+              <a:gs pos="15000">
+                <a:schemeClr val="bg1"/>
+              </a:gs>
+            </a:gsLst>
+            <a:lin ang="5400000" scaled="1"/>
+          </a:gradFill>
+          <a:ln>
+            <a:noFill/>
           </a:ln>
         </p:spPr>
         <p:style>
@@ -5238,63 +7821,20 @@
           <a:bodyPr rtlCol="0" anchor="ctr"/>
           <a:lstStyle/>
           <a:p>
-            <a:pPr algn="r"/>
-            <a:r>
-              <a:rPr lang="en-SG" dirty="0" smtClean="0">
-                <a:solidFill>
-                  <a:schemeClr val="tx1"/>
-                </a:solidFill>
-              </a:rPr>
-              <a:t>55</a:t>
-            </a:r>
-            <a:endParaRPr lang="en-SG" dirty="0">
-              <a:solidFill>
-                <a:schemeClr val="tx1"/>
-              </a:solidFill>
-            </a:endParaRPr>
-          </a:p>
-        </p:txBody>
-      </p:sp>
-      <p:sp>
-        <p:nvSpPr>
-          <p:cNvPr id="9" name="TextBox 8"/>
-          <p:cNvSpPr txBox="1"/>
-          <p:nvPr/>
-        </p:nvSpPr>
-        <p:spPr>
-          <a:xfrm>
-            <a:off x="8347934" y="812203"/>
-            <a:ext cx="1371599" cy="369332"/>
-          </a:xfrm>
-          <a:prstGeom prst="rect">
-            <a:avLst/>
-          </a:prstGeom>
-          <a:solidFill>
-            <a:schemeClr val="bg1"/>
-          </a:solidFill>
-        </p:spPr>
-        <p:txBody>
-          <a:bodyPr wrap="square" rtlCol="0">
-            <a:spAutoFit/>
-          </a:bodyPr>
-          <a:lstStyle/>
-          <a:p>
-            <a:r>
-              <a:rPr lang="en-SG" dirty="0" smtClean="0"/>
-              <a:t>Sustenance:</a:t>
-            </a:r>
-          </a:p>
-        </p:txBody>
-      </p:sp>
-      <p:sp>
-        <p:nvSpPr>
-          <p:cNvPr id="10" name="Rectangle 9"/>
+            <a:pPr algn="ctr"/>
+            <a:endParaRPr lang="en-SG"/>
+          </a:p>
+        </p:txBody>
+      </p:sp>
+      <p:sp>
+        <p:nvSpPr>
+          <p:cNvPr id="7" name="Rectangle 6"/>
           <p:cNvSpPr/>
           <p:nvPr/>
         </p:nvSpPr>
         <p:spPr>
           <a:xfrm>
-            <a:off x="9516932" y="1255062"/>
+            <a:off x="9515139" y="801444"/>
             <a:ext cx="817581" cy="408791"/>
           </a:xfrm>
           <a:prstGeom prst="rect">
@@ -5334,7 +7874,7 @@
                   <a:schemeClr val="tx1"/>
                 </a:solidFill>
               </a:rPr>
-              <a:t>45</a:t>
+              <a:t>55</a:t>
             </a:r>
             <a:endParaRPr lang="en-SG" dirty="0">
               <a:solidFill>
@@ -5346,13 +7886,13 @@
       </p:sp>
       <p:sp>
         <p:nvSpPr>
-          <p:cNvPr id="11" name="TextBox 10"/>
+          <p:cNvPr id="8" name="TextBox 7"/>
           <p:cNvSpPr txBox="1"/>
           <p:nvPr/>
         </p:nvSpPr>
         <p:spPr>
           <a:xfrm>
-            <a:off x="8269044" y="1265821"/>
+            <a:off x="8347934" y="812203"/>
             <a:ext cx="1371599" cy="369332"/>
           </a:xfrm>
           <a:prstGeom prst="rect">
@@ -5368,18 +7908,109 @@
           </a:bodyPr>
           <a:lstStyle/>
           <a:p>
+            <a:r>
+              <a:rPr lang="en-SG" dirty="0" smtClean="0"/>
+              <a:t>Sustenance</a:t>
+            </a:r>
+            <a:endParaRPr lang="en-SG" dirty="0" smtClean="0"/>
+          </a:p>
+        </p:txBody>
+      </p:sp>
+      <p:sp>
+        <p:nvSpPr>
+          <p:cNvPr id="9" name="Rectangle 8"/>
+          <p:cNvSpPr/>
+          <p:nvPr/>
+        </p:nvSpPr>
+        <p:spPr>
+          <a:xfrm>
+            <a:off x="9516932" y="1255062"/>
+            <a:ext cx="817581" cy="408791"/>
+          </a:xfrm>
+          <a:prstGeom prst="rect">
+            <a:avLst/>
+          </a:prstGeom>
+          <a:noFill/>
+          <a:ln>
+            <a:solidFill>
+              <a:schemeClr val="tx1"/>
+            </a:solidFill>
+          </a:ln>
+        </p:spPr>
+        <p:style>
+          <a:lnRef idx="2">
+            <a:schemeClr val="accent1">
+              <a:shade val="50000"/>
+            </a:schemeClr>
+          </a:lnRef>
+          <a:fillRef idx="1">
+            <a:schemeClr val="accent1"/>
+          </a:fillRef>
+          <a:effectRef idx="0">
+            <a:schemeClr val="accent1"/>
+          </a:effectRef>
+          <a:fontRef idx="minor">
+            <a:schemeClr val="lt1"/>
+          </a:fontRef>
+        </p:style>
+        <p:txBody>
+          <a:bodyPr rtlCol="0" anchor="ctr"/>
+          <a:lstStyle/>
+          <a:p>
             <a:pPr algn="r"/>
             <a:r>
-              <a:rPr lang="en-SG" dirty="0" smtClean="0"/>
-              <a:t>Happiness:</a:t>
-            </a:r>
+              <a:rPr lang="en-SG" dirty="0" smtClean="0">
+                <a:solidFill>
+                  <a:schemeClr val="tx1"/>
+                </a:solidFill>
+              </a:rPr>
+              <a:t>55</a:t>
+            </a:r>
+            <a:endParaRPr lang="en-SG" dirty="0">
+              <a:solidFill>
+                <a:schemeClr val="tx1"/>
+              </a:solidFill>
+            </a:endParaRPr>
+          </a:p>
+        </p:txBody>
+      </p:sp>
+      <p:sp>
+        <p:nvSpPr>
+          <p:cNvPr id="10" name="TextBox 9"/>
+          <p:cNvSpPr txBox="1"/>
+          <p:nvPr/>
+        </p:nvSpPr>
+        <p:spPr>
+          <a:xfrm>
+            <a:off x="8269044" y="1265821"/>
+            <a:ext cx="1371599" cy="369332"/>
+          </a:xfrm>
+          <a:prstGeom prst="rect">
+            <a:avLst/>
+          </a:prstGeom>
+          <a:solidFill>
+            <a:schemeClr val="bg1"/>
+          </a:solidFill>
+        </p:spPr>
+        <p:txBody>
+          <a:bodyPr wrap="square" rtlCol="0">
+            <a:spAutoFit/>
+          </a:bodyPr>
+          <a:lstStyle/>
+          <a:p>
+            <a:pPr algn="r"/>
+            <a:r>
+              <a:rPr lang="en-SG" dirty="0" smtClean="0"/>
+              <a:t>Happiness</a:t>
+            </a:r>
+            <a:endParaRPr lang="en-SG" dirty="0" smtClean="0"/>
           </a:p>
         </p:txBody>
       </p:sp>
     </p:spTree>
     <p:extLst>
       <p:ext uri="{BB962C8B-B14F-4D97-AF65-F5344CB8AC3E}">
-        <p14:creationId xmlns:p14="http://schemas.microsoft.com/office/powerpoint/2010/main" val="1889656235"/>
+        <p14:creationId xmlns:p14="http://schemas.microsoft.com/office/powerpoint/2010/main" val="2342867531"/>
       </p:ext>
     </p:extLst>
   </p:cSld>
@@ -5388,12 +8019,12 @@
   </p:clrMapOvr>
   <mc:AlternateContent xmlns:mc="http://schemas.openxmlformats.org/markup-compatibility/2006">
     <mc:Choice xmlns:p14="http://schemas.microsoft.com/office/powerpoint/2010/main" Requires="p14">
-      <p:transition spd="slow" p14:dur="1300" advClick="0">
-        <p14:pan dir="u"/>
+      <p:transition p14:dur="250" advClick="0">
+        <p:fade/>
       </p:transition>
     </mc:Choice>
     <mc:Fallback>
-      <p:transition spd="slow" advClick="0">
+      <p:transition advClick="0">
         <p:fade/>
       </p:transition>
     </mc:Fallback>
@@ -5509,7 +8140,7 @@
             </a:pPr>
             <a:r>
               <a:rPr lang="en-SG" dirty="0" smtClean="0"/>
-              <a:t>Dad takes a swig from his bottle</a:t>
+              <a:t>Dad says to screw off.</a:t>
             </a:r>
             <a:endParaRPr lang="en-SG" dirty="0"/>
           </a:p>
@@ -5549,23 +8180,33 @@
       </p:sp>
       <p:sp>
         <p:nvSpPr>
-          <p:cNvPr id="5" name="Rectangle 4"/>
+          <p:cNvPr id="13" name="Rectangle 12"/>
           <p:cNvSpPr/>
           <p:nvPr/>
         </p:nvSpPr>
         <p:spPr>
           <a:xfrm>
-            <a:off x="9515139" y="801444"/>
-            <a:ext cx="817581" cy="408791"/>
-          </a:xfrm>
-          <a:prstGeom prst="rect">
-            <a:avLst/>
-          </a:prstGeom>
-          <a:noFill/>
+            <a:off x="0" y="0"/>
+            <a:ext cx="12192000" cy="3160990"/>
+          </a:xfrm>
+          <a:prstGeom prst="rect">
+            <a:avLst/>
+          </a:prstGeom>
+          <a:gradFill>
+            <a:gsLst>
+              <a:gs pos="99000">
+                <a:schemeClr val="bg1">
+                  <a:alpha val="0"/>
+                </a:schemeClr>
+              </a:gs>
+              <a:gs pos="15000">
+                <a:schemeClr val="bg1"/>
+              </a:gs>
+            </a:gsLst>
+            <a:lin ang="5400000" scaled="1"/>
+          </a:gradFill>
           <a:ln>
-            <a:solidFill>
-              <a:schemeClr val="tx1"/>
-            </a:solidFill>
+            <a:noFill/>
           </a:ln>
         </p:spPr>
         <p:style>
@@ -5588,51 +8229,8 @@
           <a:bodyPr rtlCol="0" anchor="ctr"/>
           <a:lstStyle/>
           <a:p>
-            <a:pPr algn="r"/>
-            <a:r>
-              <a:rPr lang="en-SG" dirty="0" smtClean="0">
-                <a:solidFill>
-                  <a:schemeClr val="tx1"/>
-                </a:solidFill>
-              </a:rPr>
-              <a:t>55</a:t>
-            </a:r>
-            <a:endParaRPr lang="en-SG" dirty="0">
-              <a:solidFill>
-                <a:schemeClr val="tx1"/>
-              </a:solidFill>
-            </a:endParaRPr>
-          </a:p>
-        </p:txBody>
-      </p:sp>
-      <p:sp>
-        <p:nvSpPr>
-          <p:cNvPr id="7" name="TextBox 6"/>
-          <p:cNvSpPr txBox="1"/>
-          <p:nvPr/>
-        </p:nvSpPr>
-        <p:spPr>
-          <a:xfrm>
-            <a:off x="8347934" y="812203"/>
-            <a:ext cx="1371599" cy="369332"/>
-          </a:xfrm>
-          <a:prstGeom prst="rect">
-            <a:avLst/>
-          </a:prstGeom>
-          <a:solidFill>
-            <a:schemeClr val="bg1"/>
-          </a:solidFill>
-        </p:spPr>
-        <p:txBody>
-          <a:bodyPr wrap="square" rtlCol="0">
-            <a:spAutoFit/>
-          </a:bodyPr>
-          <a:lstStyle/>
-          <a:p>
-            <a:r>
-              <a:rPr lang="en-SG" dirty="0" smtClean="0"/>
-              <a:t>Sustenance:</a:t>
-            </a:r>
+            <a:pPr algn="ctr"/>
+            <a:endParaRPr lang="en-SG"/>
           </a:p>
         </p:txBody>
       </p:sp>
@@ -5644,7 +8242,7 @@
         </p:nvSpPr>
         <p:spPr>
           <a:xfrm>
-            <a:off x="9516932" y="1255062"/>
+            <a:off x="9515139" y="801444"/>
             <a:ext cx="817581" cy="408791"/>
           </a:xfrm>
           <a:prstGeom prst="rect">
@@ -5684,7 +8282,7 @@
                   <a:schemeClr val="tx1"/>
                 </a:solidFill>
               </a:rPr>
-              <a:t>50</a:t>
+              <a:t>55</a:t>
             </a:r>
             <a:endParaRPr lang="en-SG" dirty="0">
               <a:solidFill>
@@ -5702,7 +8300,7 @@
         </p:nvSpPr>
         <p:spPr>
           <a:xfrm>
-            <a:off x="8269044" y="1265821"/>
+            <a:off x="8347934" y="812203"/>
             <a:ext cx="1371599" cy="369332"/>
           </a:xfrm>
           <a:prstGeom prst="rect">
@@ -5718,18 +8316,109 @@
           </a:bodyPr>
           <a:lstStyle/>
           <a:p>
+            <a:r>
+              <a:rPr lang="en-SG" dirty="0" smtClean="0"/>
+              <a:t>Sustenance</a:t>
+            </a:r>
+            <a:endParaRPr lang="en-SG" dirty="0" smtClean="0"/>
+          </a:p>
+        </p:txBody>
+      </p:sp>
+      <p:sp>
+        <p:nvSpPr>
+          <p:cNvPr id="10" name="Rectangle 9"/>
+          <p:cNvSpPr/>
+          <p:nvPr/>
+        </p:nvSpPr>
+        <p:spPr>
+          <a:xfrm>
+            <a:off x="9516932" y="1255062"/>
+            <a:ext cx="817581" cy="408791"/>
+          </a:xfrm>
+          <a:prstGeom prst="rect">
+            <a:avLst/>
+          </a:prstGeom>
+          <a:noFill/>
+          <a:ln>
+            <a:solidFill>
+              <a:schemeClr val="tx1"/>
+            </a:solidFill>
+          </a:ln>
+        </p:spPr>
+        <p:style>
+          <a:lnRef idx="2">
+            <a:schemeClr val="accent1">
+              <a:shade val="50000"/>
+            </a:schemeClr>
+          </a:lnRef>
+          <a:fillRef idx="1">
+            <a:schemeClr val="accent1"/>
+          </a:fillRef>
+          <a:effectRef idx="0">
+            <a:schemeClr val="accent1"/>
+          </a:effectRef>
+          <a:fontRef idx="minor">
+            <a:schemeClr val="lt1"/>
+          </a:fontRef>
+        </p:style>
+        <p:txBody>
+          <a:bodyPr rtlCol="0" anchor="ctr"/>
+          <a:lstStyle/>
+          <a:p>
             <a:pPr algn="r"/>
             <a:r>
-              <a:rPr lang="en-SG" dirty="0" smtClean="0"/>
-              <a:t>Happiness:</a:t>
-            </a:r>
+              <a:rPr lang="en-SG" dirty="0" smtClean="0">
+                <a:solidFill>
+                  <a:schemeClr val="tx1"/>
+                </a:solidFill>
+              </a:rPr>
+              <a:t>45</a:t>
+            </a:r>
+            <a:endParaRPr lang="en-SG" dirty="0">
+              <a:solidFill>
+                <a:schemeClr val="tx1"/>
+              </a:solidFill>
+            </a:endParaRPr>
+          </a:p>
+        </p:txBody>
+      </p:sp>
+      <p:sp>
+        <p:nvSpPr>
+          <p:cNvPr id="11" name="TextBox 10"/>
+          <p:cNvSpPr txBox="1"/>
+          <p:nvPr/>
+        </p:nvSpPr>
+        <p:spPr>
+          <a:xfrm>
+            <a:off x="8269044" y="1265821"/>
+            <a:ext cx="1371599" cy="369332"/>
+          </a:xfrm>
+          <a:prstGeom prst="rect">
+            <a:avLst/>
+          </a:prstGeom>
+          <a:solidFill>
+            <a:schemeClr val="bg1"/>
+          </a:solidFill>
+        </p:spPr>
+        <p:txBody>
+          <a:bodyPr wrap="square" rtlCol="0">
+            <a:spAutoFit/>
+          </a:bodyPr>
+          <a:lstStyle/>
+          <a:p>
+            <a:pPr algn="r"/>
+            <a:r>
+              <a:rPr lang="en-SG" dirty="0" smtClean="0"/>
+              <a:t>Happiness</a:t>
+            </a:r>
+            <a:endParaRPr lang="en-SG" dirty="0" smtClean="0"/>
           </a:p>
         </p:txBody>
       </p:sp>
     </p:spTree>
     <p:extLst>
       <p:ext uri="{BB962C8B-B14F-4D97-AF65-F5344CB8AC3E}">
-        <p14:creationId xmlns:p14="http://schemas.microsoft.com/office/powerpoint/2010/main" val="2949835420"/>
+        <p14:creationId xmlns:p14="http://schemas.microsoft.com/office/powerpoint/2010/main" val="1889656235"/>
       </p:ext>
     </p:extLst>
   </p:cSld>
@@ -5738,12 +8427,12 @@
   </p:clrMapOvr>
   <mc:AlternateContent xmlns:mc="http://schemas.openxmlformats.org/markup-compatibility/2006">
     <mc:Choice xmlns:p14="http://schemas.microsoft.com/office/powerpoint/2010/main" Requires="p14">
-      <p:transition spd="slow" p14:dur="1300">
-        <p14:pan dir="u"/>
+      <p:transition p14:dur="250" advClick="0">
+        <p:fade/>
       </p:transition>
     </mc:Choice>
     <mc:Fallback>
-      <p:transition spd="slow">
+      <p:transition advClick="0">
         <p:fade/>
       </p:transition>
     </mc:Fallback>
@@ -5783,8 +8472,8 @@
         </p:nvSpPr>
         <p:spPr>
           <a:xfrm>
-            <a:off x="4356848" y="2775341"/>
-            <a:ext cx="3700630" cy="507831"/>
+            <a:off x="4356848" y="688491"/>
+            <a:ext cx="3700630" cy="2585323"/>
           </a:xfrm>
           <a:prstGeom prst="rect">
             <a:avLst/>
@@ -5804,15 +8493,62 @@
             </a:pPr>
             <a:r>
               <a:rPr lang="en-SG" dirty="0" smtClean="0"/>
-              <a:t>It’s my 18</a:t>
-            </a:r>
-            <a:r>
-              <a:rPr lang="en-SG" baseline="30000" dirty="0" smtClean="0"/>
-              <a:t>th</a:t>
-            </a:r>
-            <a:r>
-              <a:rPr lang="en-SG" dirty="0" smtClean="0"/>
-              <a:t> birthday.</a:t>
+              <a:t>I’m hungry.</a:t>
+            </a:r>
+          </a:p>
+          <a:p>
+            <a:pPr algn="ctr">
+              <a:lnSpc>
+                <a:spcPct val="150000"/>
+              </a:lnSpc>
+            </a:pPr>
+            <a:r>
+              <a:rPr lang="en-SG" dirty="0" smtClean="0"/>
+              <a:t>Dad says there’s no food left.</a:t>
+            </a:r>
+          </a:p>
+          <a:p>
+            <a:pPr algn="ctr">
+              <a:lnSpc>
+                <a:spcPct val="150000"/>
+              </a:lnSpc>
+            </a:pPr>
+            <a:r>
+              <a:rPr lang="en-SG" dirty="0" smtClean="0"/>
+              <a:t>I’m thirsty.</a:t>
+            </a:r>
+          </a:p>
+          <a:p>
+            <a:pPr algn="ctr">
+              <a:lnSpc>
+                <a:spcPct val="150000"/>
+              </a:lnSpc>
+            </a:pPr>
+            <a:r>
+              <a:rPr lang="en-SG" dirty="0" smtClean="0"/>
+              <a:t>Dad says get it yourself.</a:t>
+            </a:r>
+          </a:p>
+          <a:p>
+            <a:pPr algn="ctr">
+              <a:lnSpc>
+                <a:spcPct val="150000"/>
+              </a:lnSpc>
+            </a:pPr>
+            <a:r>
+              <a:rPr lang="en-SG" dirty="0" smtClean="0"/>
+              <a:t>I’m cold.</a:t>
+            </a:r>
+          </a:p>
+          <a:p>
+            <a:pPr algn="ctr">
+              <a:lnSpc>
+                <a:spcPct val="150000"/>
+              </a:lnSpc>
+            </a:pPr>
+            <a:r>
+              <a:rPr lang="en-SG" dirty="0" smtClean="0"/>
+              <a:t>Dad takes a swig from his bottle</a:t>
             </a:r>
             <a:endParaRPr lang="en-SG" dirty="0"/>
           </a:p>
@@ -5826,8 +8562,8 @@
         </p:nvSpPr>
         <p:spPr>
           <a:xfrm>
-            <a:off x="4667250" y="3240212"/>
-            <a:ext cx="3143249" cy="369332"/>
+            <a:off x="4824805" y="3240212"/>
+            <a:ext cx="2764716" cy="369332"/>
           </a:xfrm>
           <a:prstGeom prst="rect">
             <a:avLst/>
@@ -5846,33 +8582,39 @@
           <a:lstStyle/>
           <a:p>
             <a:pPr algn="ctr"/>
-            <a:r>
-              <a:rPr lang="en-SG" dirty="0" smtClean="0"/>
-              <a:t>Blow out an imaginary candle</a:t>
-            </a:r>
             <a:endParaRPr lang="en-SG" dirty="0"/>
           </a:p>
         </p:txBody>
       </p:sp>
       <p:sp>
         <p:nvSpPr>
-          <p:cNvPr id="8" name="Rectangle 7"/>
+          <p:cNvPr id="10" name="Rectangle 9"/>
           <p:cNvSpPr/>
           <p:nvPr/>
         </p:nvSpPr>
         <p:spPr>
           <a:xfrm>
-            <a:off x="9515139" y="801444"/>
-            <a:ext cx="817581" cy="408791"/>
-          </a:xfrm>
-          <a:prstGeom prst="rect">
-            <a:avLst/>
-          </a:prstGeom>
-          <a:noFill/>
+            <a:off x="0" y="0"/>
+            <a:ext cx="12192000" cy="3160990"/>
+          </a:xfrm>
+          <a:prstGeom prst="rect">
+            <a:avLst/>
+          </a:prstGeom>
+          <a:gradFill>
+            <a:gsLst>
+              <a:gs pos="99000">
+                <a:schemeClr val="bg1">
+                  <a:alpha val="0"/>
+                </a:schemeClr>
+              </a:gs>
+              <a:gs pos="15000">
+                <a:schemeClr val="bg1"/>
+              </a:gs>
+            </a:gsLst>
+            <a:lin ang="5400000" scaled="1"/>
+          </a:gradFill>
           <a:ln>
-            <a:solidFill>
-              <a:schemeClr val="tx1"/>
-            </a:solidFill>
+            <a:noFill/>
           </a:ln>
         </p:spPr>
         <p:style>
@@ -5895,63 +8637,20 @@
           <a:bodyPr rtlCol="0" anchor="ctr"/>
           <a:lstStyle/>
           <a:p>
-            <a:pPr algn="r"/>
-            <a:r>
-              <a:rPr lang="en-SG" dirty="0" smtClean="0">
-                <a:solidFill>
-                  <a:schemeClr val="tx1"/>
-                </a:solidFill>
-              </a:rPr>
-              <a:t>40</a:t>
-            </a:r>
-            <a:endParaRPr lang="en-SG" dirty="0">
-              <a:solidFill>
-                <a:schemeClr val="tx1"/>
-              </a:solidFill>
-            </a:endParaRPr>
-          </a:p>
-        </p:txBody>
-      </p:sp>
-      <p:sp>
-        <p:nvSpPr>
-          <p:cNvPr id="9" name="TextBox 8"/>
-          <p:cNvSpPr txBox="1"/>
-          <p:nvPr/>
-        </p:nvSpPr>
-        <p:spPr>
-          <a:xfrm>
-            <a:off x="8347934" y="812203"/>
-            <a:ext cx="1371599" cy="369332"/>
-          </a:xfrm>
-          <a:prstGeom prst="rect">
-            <a:avLst/>
-          </a:prstGeom>
-          <a:solidFill>
-            <a:schemeClr val="bg1"/>
-          </a:solidFill>
-        </p:spPr>
-        <p:txBody>
-          <a:bodyPr wrap="square" rtlCol="0">
-            <a:spAutoFit/>
-          </a:bodyPr>
-          <a:lstStyle/>
-          <a:p>
-            <a:r>
-              <a:rPr lang="en-SG" dirty="0" smtClean="0"/>
-              <a:t>Sustenance:</a:t>
-            </a:r>
-          </a:p>
-        </p:txBody>
-      </p:sp>
-      <p:sp>
-        <p:nvSpPr>
-          <p:cNvPr id="10" name="Rectangle 9"/>
+            <a:pPr algn="ctr"/>
+            <a:endParaRPr lang="en-SG"/>
+          </a:p>
+        </p:txBody>
+      </p:sp>
+      <p:sp>
+        <p:nvSpPr>
+          <p:cNvPr id="5" name="Rectangle 4"/>
           <p:cNvSpPr/>
           <p:nvPr/>
         </p:nvSpPr>
         <p:spPr>
           <a:xfrm>
-            <a:off x="9516932" y="1255062"/>
+            <a:off x="9515139" y="801444"/>
             <a:ext cx="817581" cy="408791"/>
           </a:xfrm>
           <a:prstGeom prst="rect">
@@ -5991,7 +8690,7 @@
                   <a:schemeClr val="tx1"/>
                 </a:solidFill>
               </a:rPr>
-              <a:t>35</a:t>
+              <a:t>55</a:t>
             </a:r>
             <a:endParaRPr lang="en-SG" dirty="0">
               <a:solidFill>
@@ -6003,13 +8702,13 @@
       </p:sp>
       <p:sp>
         <p:nvSpPr>
-          <p:cNvPr id="11" name="TextBox 10"/>
+          <p:cNvPr id="7" name="TextBox 6"/>
           <p:cNvSpPr txBox="1"/>
           <p:nvPr/>
         </p:nvSpPr>
         <p:spPr>
           <a:xfrm>
-            <a:off x="8269044" y="1265821"/>
+            <a:off x="8347934" y="812203"/>
             <a:ext cx="1371599" cy="369332"/>
           </a:xfrm>
           <a:prstGeom prst="rect">
@@ -6025,18 +8724,109 @@
           </a:bodyPr>
           <a:lstStyle/>
           <a:p>
+            <a:r>
+              <a:rPr lang="en-SG" dirty="0" smtClean="0"/>
+              <a:t>Sustenance</a:t>
+            </a:r>
+            <a:endParaRPr lang="en-SG" dirty="0" smtClean="0"/>
+          </a:p>
+        </p:txBody>
+      </p:sp>
+      <p:sp>
+        <p:nvSpPr>
+          <p:cNvPr id="8" name="Rectangle 7"/>
+          <p:cNvSpPr/>
+          <p:nvPr/>
+        </p:nvSpPr>
+        <p:spPr>
+          <a:xfrm>
+            <a:off x="9516932" y="1255062"/>
+            <a:ext cx="817581" cy="408791"/>
+          </a:xfrm>
+          <a:prstGeom prst="rect">
+            <a:avLst/>
+          </a:prstGeom>
+          <a:noFill/>
+          <a:ln>
+            <a:solidFill>
+              <a:schemeClr val="tx1"/>
+            </a:solidFill>
+          </a:ln>
+        </p:spPr>
+        <p:style>
+          <a:lnRef idx="2">
+            <a:schemeClr val="accent1">
+              <a:shade val="50000"/>
+            </a:schemeClr>
+          </a:lnRef>
+          <a:fillRef idx="1">
+            <a:schemeClr val="accent1"/>
+          </a:fillRef>
+          <a:effectRef idx="0">
+            <a:schemeClr val="accent1"/>
+          </a:effectRef>
+          <a:fontRef idx="minor">
+            <a:schemeClr val="lt1"/>
+          </a:fontRef>
+        </p:style>
+        <p:txBody>
+          <a:bodyPr rtlCol="0" anchor="ctr"/>
+          <a:lstStyle/>
+          <a:p>
             <a:pPr algn="r"/>
             <a:r>
-              <a:rPr lang="en-SG" dirty="0" smtClean="0"/>
-              <a:t>Happiness:</a:t>
-            </a:r>
+              <a:rPr lang="en-SG" dirty="0" smtClean="0">
+                <a:solidFill>
+                  <a:schemeClr val="tx1"/>
+                </a:solidFill>
+              </a:rPr>
+              <a:t>50</a:t>
+            </a:r>
+            <a:endParaRPr lang="en-SG" dirty="0">
+              <a:solidFill>
+                <a:schemeClr val="tx1"/>
+              </a:solidFill>
+            </a:endParaRPr>
+          </a:p>
+        </p:txBody>
+      </p:sp>
+      <p:sp>
+        <p:nvSpPr>
+          <p:cNvPr id="9" name="TextBox 8"/>
+          <p:cNvSpPr txBox="1"/>
+          <p:nvPr/>
+        </p:nvSpPr>
+        <p:spPr>
+          <a:xfrm>
+            <a:off x="8269044" y="1265821"/>
+            <a:ext cx="1371599" cy="369332"/>
+          </a:xfrm>
+          <a:prstGeom prst="rect">
+            <a:avLst/>
+          </a:prstGeom>
+          <a:solidFill>
+            <a:schemeClr val="bg1"/>
+          </a:solidFill>
+        </p:spPr>
+        <p:txBody>
+          <a:bodyPr wrap="square" rtlCol="0">
+            <a:spAutoFit/>
+          </a:bodyPr>
+          <a:lstStyle/>
+          <a:p>
+            <a:pPr algn="r"/>
+            <a:r>
+              <a:rPr lang="en-SG" dirty="0" smtClean="0"/>
+              <a:t>Happiness</a:t>
+            </a:r>
+            <a:endParaRPr lang="en-SG" dirty="0" smtClean="0"/>
           </a:p>
         </p:txBody>
       </p:sp>
     </p:spTree>
     <p:extLst>
       <p:ext uri="{BB962C8B-B14F-4D97-AF65-F5344CB8AC3E}">
-        <p14:creationId xmlns:p14="http://schemas.microsoft.com/office/powerpoint/2010/main" val="1140545314"/>
+        <p14:creationId xmlns:p14="http://schemas.microsoft.com/office/powerpoint/2010/main" val="2949835420"/>
       </p:ext>
     </p:extLst>
   </p:cSld>
@@ -6045,12 +8835,12 @@
   </p:clrMapOvr>
   <mc:AlternateContent xmlns:mc="http://schemas.openxmlformats.org/markup-compatibility/2006">
     <mc:Choice xmlns:p14="http://schemas.microsoft.com/office/powerpoint/2010/main" Requires="p14">
-      <p:transition spd="slow" p14:dur="1300" advClick="0">
-        <p14:pan dir="u"/>
+      <p:transition p14:dur="250">
+        <p:fade/>
       </p:transition>
     </mc:Choice>
     <mc:Fallback>
-      <p:transition spd="slow" advClick="0">
+      <p:transition>
         <p:fade/>
       </p:transition>
     </mc:Fallback>
@@ -6090,8 +8880,8 @@
         </p:nvSpPr>
         <p:spPr>
           <a:xfrm>
-            <a:off x="4356848" y="2337181"/>
-            <a:ext cx="3700630" cy="923330"/>
+            <a:off x="4356848" y="2775341"/>
+            <a:ext cx="3700630" cy="507831"/>
           </a:xfrm>
           <a:prstGeom prst="rect">
             <a:avLst/>
@@ -6120,17 +8910,6 @@
             <a:r>
               <a:rPr lang="en-SG" dirty="0" smtClean="0"/>
               <a:t> birthday.</a:t>
-            </a:r>
-          </a:p>
-          <a:p>
-            <a:pPr algn="ctr">
-              <a:lnSpc>
-                <a:spcPct val="150000"/>
-              </a:lnSpc>
-            </a:pPr>
-            <a:r>
-              <a:rPr lang="en-SG" dirty="0" smtClean="0"/>
-              <a:t>You wish yourself a happy birthday</a:t>
             </a:r>
             <a:endParaRPr lang="en-SG" dirty="0"/>
           </a:p>
@@ -6164,29 +8943,43 @@
           <a:lstStyle/>
           <a:p>
             <a:pPr algn="ctr"/>
+            <a:r>
+              <a:rPr lang="en-SG" dirty="0" smtClean="0"/>
+              <a:t>Blow out an imaginary candle</a:t>
+            </a:r>
             <a:endParaRPr lang="en-SG" dirty="0"/>
           </a:p>
         </p:txBody>
       </p:sp>
       <p:sp>
         <p:nvSpPr>
-          <p:cNvPr id="8" name="Rectangle 7"/>
+          <p:cNvPr id="12" name="Rectangle 11"/>
           <p:cNvSpPr/>
           <p:nvPr/>
         </p:nvSpPr>
         <p:spPr>
           <a:xfrm>
-            <a:off x="9515139" y="801444"/>
-            <a:ext cx="817581" cy="408791"/>
-          </a:xfrm>
-          <a:prstGeom prst="rect">
-            <a:avLst/>
-          </a:prstGeom>
-          <a:noFill/>
+            <a:off x="0" y="0"/>
+            <a:ext cx="12192000" cy="3160990"/>
+          </a:xfrm>
+          <a:prstGeom prst="rect">
+            <a:avLst/>
+          </a:prstGeom>
+          <a:gradFill>
+            <a:gsLst>
+              <a:gs pos="99000">
+                <a:schemeClr val="bg1">
+                  <a:alpha val="0"/>
+                </a:schemeClr>
+              </a:gs>
+              <a:gs pos="15000">
+                <a:schemeClr val="bg1"/>
+              </a:gs>
+            </a:gsLst>
+            <a:lin ang="5400000" scaled="1"/>
+          </a:gradFill>
           <a:ln>
-            <a:solidFill>
-              <a:schemeClr val="tx1"/>
-            </a:solidFill>
+            <a:noFill/>
           </a:ln>
         </p:spPr>
         <p:style>
@@ -6209,63 +9002,20 @@
           <a:bodyPr rtlCol="0" anchor="ctr"/>
           <a:lstStyle/>
           <a:p>
-            <a:pPr algn="r"/>
-            <a:r>
-              <a:rPr lang="en-SG" dirty="0" smtClean="0">
-                <a:solidFill>
-                  <a:schemeClr val="tx1"/>
-                </a:solidFill>
-              </a:rPr>
-              <a:t>40</a:t>
-            </a:r>
-            <a:endParaRPr lang="en-SG" dirty="0">
-              <a:solidFill>
-                <a:schemeClr val="tx1"/>
-              </a:solidFill>
-            </a:endParaRPr>
-          </a:p>
-        </p:txBody>
-      </p:sp>
-      <p:sp>
-        <p:nvSpPr>
-          <p:cNvPr id="9" name="TextBox 8"/>
-          <p:cNvSpPr txBox="1"/>
-          <p:nvPr/>
-        </p:nvSpPr>
-        <p:spPr>
-          <a:xfrm>
-            <a:off x="8347934" y="812203"/>
-            <a:ext cx="1371599" cy="369332"/>
-          </a:xfrm>
-          <a:prstGeom prst="rect">
-            <a:avLst/>
-          </a:prstGeom>
-          <a:solidFill>
-            <a:schemeClr val="bg1"/>
-          </a:solidFill>
-        </p:spPr>
-        <p:txBody>
-          <a:bodyPr wrap="square" rtlCol="0">
-            <a:spAutoFit/>
-          </a:bodyPr>
-          <a:lstStyle/>
-          <a:p>
-            <a:r>
-              <a:rPr lang="en-SG" dirty="0" smtClean="0"/>
-              <a:t>Sustenance:</a:t>
-            </a:r>
-          </a:p>
-        </p:txBody>
-      </p:sp>
-      <p:sp>
-        <p:nvSpPr>
-          <p:cNvPr id="10" name="Rectangle 9"/>
+            <a:pPr algn="ctr"/>
+            <a:endParaRPr lang="en-SG"/>
+          </a:p>
+        </p:txBody>
+      </p:sp>
+      <p:sp>
+        <p:nvSpPr>
+          <p:cNvPr id="8" name="Rectangle 7"/>
           <p:cNvSpPr/>
           <p:nvPr/>
         </p:nvSpPr>
         <p:spPr>
           <a:xfrm>
-            <a:off x="9516932" y="1255062"/>
+            <a:off x="9515139" y="801444"/>
             <a:ext cx="817581" cy="408791"/>
           </a:xfrm>
           <a:prstGeom prst="rect">
@@ -6317,13 +9067,13 @@
       </p:sp>
       <p:sp>
         <p:nvSpPr>
-          <p:cNvPr id="11" name="TextBox 10"/>
+          <p:cNvPr id="9" name="TextBox 8"/>
           <p:cNvSpPr txBox="1"/>
           <p:nvPr/>
         </p:nvSpPr>
         <p:spPr>
           <a:xfrm>
-            <a:off x="8269044" y="1265821"/>
+            <a:off x="8347934" y="812203"/>
             <a:ext cx="1371599" cy="369332"/>
           </a:xfrm>
           <a:prstGeom prst="rect">
@@ -6339,18 +9089,109 @@
           </a:bodyPr>
           <a:lstStyle/>
           <a:p>
+            <a:r>
+              <a:rPr lang="en-SG" dirty="0" smtClean="0"/>
+              <a:t>Sustenance</a:t>
+            </a:r>
+            <a:endParaRPr lang="en-SG" dirty="0" smtClean="0"/>
+          </a:p>
+        </p:txBody>
+      </p:sp>
+      <p:sp>
+        <p:nvSpPr>
+          <p:cNvPr id="10" name="Rectangle 9"/>
+          <p:cNvSpPr/>
+          <p:nvPr/>
+        </p:nvSpPr>
+        <p:spPr>
+          <a:xfrm>
+            <a:off x="9516932" y="1255062"/>
+            <a:ext cx="817581" cy="408791"/>
+          </a:xfrm>
+          <a:prstGeom prst="rect">
+            <a:avLst/>
+          </a:prstGeom>
+          <a:noFill/>
+          <a:ln>
+            <a:solidFill>
+              <a:schemeClr val="tx1"/>
+            </a:solidFill>
+          </a:ln>
+        </p:spPr>
+        <p:style>
+          <a:lnRef idx="2">
+            <a:schemeClr val="accent1">
+              <a:shade val="50000"/>
+            </a:schemeClr>
+          </a:lnRef>
+          <a:fillRef idx="1">
+            <a:schemeClr val="accent1"/>
+          </a:fillRef>
+          <a:effectRef idx="0">
+            <a:schemeClr val="accent1"/>
+          </a:effectRef>
+          <a:fontRef idx="minor">
+            <a:schemeClr val="lt1"/>
+          </a:fontRef>
+        </p:style>
+        <p:txBody>
+          <a:bodyPr rtlCol="0" anchor="ctr"/>
+          <a:lstStyle/>
+          <a:p>
             <a:pPr algn="r"/>
             <a:r>
-              <a:rPr lang="en-SG" dirty="0" smtClean="0"/>
-              <a:t>Happiness:</a:t>
-            </a:r>
+              <a:rPr lang="en-SG" dirty="0" smtClean="0">
+                <a:solidFill>
+                  <a:schemeClr val="tx1"/>
+                </a:solidFill>
+              </a:rPr>
+              <a:t>35</a:t>
+            </a:r>
+            <a:endParaRPr lang="en-SG" dirty="0">
+              <a:solidFill>
+                <a:schemeClr val="tx1"/>
+              </a:solidFill>
+            </a:endParaRPr>
+          </a:p>
+        </p:txBody>
+      </p:sp>
+      <p:sp>
+        <p:nvSpPr>
+          <p:cNvPr id="11" name="TextBox 10"/>
+          <p:cNvSpPr txBox="1"/>
+          <p:nvPr/>
+        </p:nvSpPr>
+        <p:spPr>
+          <a:xfrm>
+            <a:off x="8269044" y="1265821"/>
+            <a:ext cx="1371599" cy="369332"/>
+          </a:xfrm>
+          <a:prstGeom prst="rect">
+            <a:avLst/>
+          </a:prstGeom>
+          <a:solidFill>
+            <a:schemeClr val="bg1"/>
+          </a:solidFill>
+        </p:spPr>
+        <p:txBody>
+          <a:bodyPr wrap="square" rtlCol="0">
+            <a:spAutoFit/>
+          </a:bodyPr>
+          <a:lstStyle/>
+          <a:p>
+            <a:pPr algn="r"/>
+            <a:r>
+              <a:rPr lang="en-SG" dirty="0" smtClean="0"/>
+              <a:t>Happiness</a:t>
+            </a:r>
+            <a:endParaRPr lang="en-SG" dirty="0" smtClean="0"/>
           </a:p>
         </p:txBody>
       </p:sp>
     </p:spTree>
     <p:extLst>
       <p:ext uri="{BB962C8B-B14F-4D97-AF65-F5344CB8AC3E}">
-        <p14:creationId xmlns:p14="http://schemas.microsoft.com/office/powerpoint/2010/main" val="3728165403"/>
+        <p14:creationId xmlns:p14="http://schemas.microsoft.com/office/powerpoint/2010/main" val="1140545314"/>
       </p:ext>
     </p:extLst>
   </p:cSld>
@@ -6359,12 +9200,12 @@
   </p:clrMapOvr>
   <mc:AlternateContent xmlns:mc="http://schemas.openxmlformats.org/markup-compatibility/2006">
     <mc:Choice xmlns:p14="http://schemas.microsoft.com/office/powerpoint/2010/main" Requires="p14">
-      <p:transition spd="slow" p14:dur="1300" advClick="0">
-        <p14:pan dir="u"/>
+      <p:transition p14:dur="250" advClick="0">
+        <p:fade/>
       </p:transition>
     </mc:Choice>
     <mc:Fallback>
-      <p:transition spd="slow" advClick="0">
+      <p:transition advClick="0">
         <p:fade/>
       </p:transition>
     </mc:Fallback>

--- a/Prototype.pptx
+++ b/Prototype.pptx
@@ -5,23 +5,18 @@
     <p:sldMasterId id="2147483648" r:id="rId1"/>
   </p:sldMasterIdLst>
   <p:sldIdLst>
-    <p:sldId id="274" r:id="rId2"/>
-    <p:sldId id="258" r:id="rId3"/>
-    <p:sldId id="259" r:id="rId4"/>
-    <p:sldId id="260" r:id="rId5"/>
-    <p:sldId id="261" r:id="rId6"/>
-    <p:sldId id="262" r:id="rId7"/>
-    <p:sldId id="263" r:id="rId8"/>
-    <p:sldId id="264" r:id="rId9"/>
-    <p:sldId id="265" r:id="rId10"/>
-    <p:sldId id="266" r:id="rId11"/>
-    <p:sldId id="267" r:id="rId12"/>
-    <p:sldId id="268" r:id="rId13"/>
-    <p:sldId id="269" r:id="rId14"/>
-    <p:sldId id="270" r:id="rId15"/>
-    <p:sldId id="275" r:id="rId16"/>
-    <p:sldId id="276" r:id="rId17"/>
-    <p:sldId id="278" r:id="rId18"/>
+    <p:sldId id="258" r:id="rId2"/>
+    <p:sldId id="259" r:id="rId3"/>
+    <p:sldId id="260" r:id="rId4"/>
+    <p:sldId id="261" r:id="rId5"/>
+    <p:sldId id="262" r:id="rId6"/>
+    <p:sldId id="263" r:id="rId7"/>
+    <p:sldId id="264" r:id="rId8"/>
+    <p:sldId id="265" r:id="rId9"/>
+    <p:sldId id="266" r:id="rId10"/>
+    <p:sldId id="267" r:id="rId11"/>
+    <p:sldId id="268" r:id="rId12"/>
+    <p:sldId id="269" r:id="rId13"/>
   </p:sldIdLst>
   <p:sldSz cx="12192000" cy="6858000"/>
   <p:notesSz cx="6858000" cy="9144000"/>
@@ -120,11 +115,6 @@
       </a:defRPr>
     </a:lvl9pPr>
   </p:defaultTextStyle>
-  <p:extLst>
-    <p:ext uri="{EFAFB233-063F-42B5-8137-9DF3F51BA10A}">
-      <p15:sldGuideLst xmlns:p15="http://schemas.microsoft.com/office/powerpoint/2012/main"/>
-    </p:ext>
-  </p:extLst>
 </p:presentation>
 </file>
 
@@ -259,7 +249,7 @@
           <a:p>
             <a:fld id="{FE057186-3C99-44AC-AB96-B8C528B8F170}" type="datetimeFigureOut">
               <a:rPr lang="en-SG" smtClean="0"/>
-              <a:t>12/5/2015</a:t>
+              <a:t>11/5/2015</a:t>
             </a:fld>
             <a:endParaRPr lang="en-SG"/>
           </a:p>
@@ -429,7 +419,7 @@
           <a:p>
             <a:fld id="{FE057186-3C99-44AC-AB96-B8C528B8F170}" type="datetimeFigureOut">
               <a:rPr lang="en-SG" smtClean="0"/>
-              <a:t>12/5/2015</a:t>
+              <a:t>11/5/2015</a:t>
             </a:fld>
             <a:endParaRPr lang="en-SG"/>
           </a:p>
@@ -609,7 +599,7 @@
           <a:p>
             <a:fld id="{FE057186-3C99-44AC-AB96-B8C528B8F170}" type="datetimeFigureOut">
               <a:rPr lang="en-SG" smtClean="0"/>
-              <a:t>12/5/2015</a:t>
+              <a:t>11/5/2015</a:t>
             </a:fld>
             <a:endParaRPr lang="en-SG"/>
           </a:p>
@@ -779,7 +769,7 @@
           <a:p>
             <a:fld id="{FE057186-3C99-44AC-AB96-B8C528B8F170}" type="datetimeFigureOut">
               <a:rPr lang="en-SG" smtClean="0"/>
-              <a:t>12/5/2015</a:t>
+              <a:t>11/5/2015</a:t>
             </a:fld>
             <a:endParaRPr lang="en-SG"/>
           </a:p>
@@ -1025,7 +1015,7 @@
           <a:p>
             <a:fld id="{FE057186-3C99-44AC-AB96-B8C528B8F170}" type="datetimeFigureOut">
               <a:rPr lang="en-SG" smtClean="0"/>
-              <a:t>12/5/2015</a:t>
+              <a:t>11/5/2015</a:t>
             </a:fld>
             <a:endParaRPr lang="en-SG"/>
           </a:p>
@@ -1257,7 +1247,7 @@
           <a:p>
             <a:fld id="{FE057186-3C99-44AC-AB96-B8C528B8F170}" type="datetimeFigureOut">
               <a:rPr lang="en-SG" smtClean="0"/>
-              <a:t>12/5/2015</a:t>
+              <a:t>11/5/2015</a:t>
             </a:fld>
             <a:endParaRPr lang="en-SG"/>
           </a:p>
@@ -1624,7 +1614,7 @@
           <a:p>
             <a:fld id="{FE057186-3C99-44AC-AB96-B8C528B8F170}" type="datetimeFigureOut">
               <a:rPr lang="en-SG" smtClean="0"/>
-              <a:t>12/5/2015</a:t>
+              <a:t>11/5/2015</a:t>
             </a:fld>
             <a:endParaRPr lang="en-SG"/>
           </a:p>
@@ -1742,7 +1732,7 @@
           <a:p>
             <a:fld id="{FE057186-3C99-44AC-AB96-B8C528B8F170}" type="datetimeFigureOut">
               <a:rPr lang="en-SG" smtClean="0"/>
-              <a:t>12/5/2015</a:t>
+              <a:t>11/5/2015</a:t>
             </a:fld>
             <a:endParaRPr lang="en-SG"/>
           </a:p>
@@ -1837,7 +1827,7 @@
           <a:p>
             <a:fld id="{FE057186-3C99-44AC-AB96-B8C528B8F170}" type="datetimeFigureOut">
               <a:rPr lang="en-SG" smtClean="0"/>
-              <a:t>12/5/2015</a:t>
+              <a:t>11/5/2015</a:t>
             </a:fld>
             <a:endParaRPr lang="en-SG"/>
           </a:p>
@@ -2114,7 +2104,7 @@
           <a:p>
             <a:fld id="{FE057186-3C99-44AC-AB96-B8C528B8F170}" type="datetimeFigureOut">
               <a:rPr lang="en-SG" smtClean="0"/>
-              <a:t>12/5/2015</a:t>
+              <a:t>11/5/2015</a:t>
             </a:fld>
             <a:endParaRPr lang="en-SG"/>
           </a:p>
@@ -2367,7 +2357,7 @@
           <a:p>
             <a:fld id="{FE057186-3C99-44AC-AB96-B8C528B8F170}" type="datetimeFigureOut">
               <a:rPr lang="en-SG" smtClean="0"/>
-              <a:t>12/5/2015</a:t>
+              <a:t>11/5/2015</a:t>
             </a:fld>
             <a:endParaRPr lang="en-SG"/>
           </a:p>
@@ -2580,7 +2570,7 @@
           <a:p>
             <a:fld id="{FE057186-3C99-44AC-AB96-B8C528B8F170}" type="datetimeFigureOut">
               <a:rPr lang="en-SG" smtClean="0"/>
-              <a:t>12/5/2015</a:t>
+              <a:t>11/5/2015</a:t>
             </a:fld>
             <a:endParaRPr lang="en-SG"/>
           </a:p>
@@ -2987,22 +2977,30 @@
       </p:grpSpPr>
       <p:sp>
         <p:nvSpPr>
-          <p:cNvPr id="2" name="Title 1"/>
-          <p:cNvSpPr>
-            <a:spLocks noGrp="1"/>
-          </p:cNvSpPr>
-          <p:nvPr>
-            <p:ph type="ctrTitle"/>
-          </p:nvPr>
-        </p:nvSpPr>
-        <p:spPr/>
-        <p:txBody>
-          <a:bodyPr/>
-          <a:lstStyle/>
-          <a:p>
-            <a:r>
-              <a:rPr lang="en-SG" dirty="0" smtClean="0"/>
-              <a:t>Circle of Life</a:t>
+          <p:cNvPr id="4" name="TextBox 3"/>
+          <p:cNvSpPr txBox="1"/>
+          <p:nvPr/>
+        </p:nvSpPr>
+        <p:spPr>
+          <a:xfrm>
+            <a:off x="4356848" y="2727064"/>
+            <a:ext cx="3700630" cy="369332"/>
+          </a:xfrm>
+          <a:prstGeom prst="rect">
+            <a:avLst/>
+          </a:prstGeom>
+          <a:noFill/>
+        </p:spPr>
+        <p:txBody>
+          <a:bodyPr wrap="square" rtlCol="0">
+            <a:spAutoFit/>
+          </a:bodyPr>
+          <a:lstStyle/>
+          <a:p>
+            <a:pPr algn="ctr"/>
+            <a:r>
+              <a:rPr lang="en-SG" dirty="0" smtClean="0"/>
+              <a:t>I’m hungry</a:t>
             </a:r>
             <a:endParaRPr lang="en-SG" dirty="0"/>
           </a:p>
@@ -3010,28 +3008,35 @@
       </p:sp>
       <p:sp>
         <p:nvSpPr>
-          <p:cNvPr id="3" name="Subtitle 2"/>
-          <p:cNvSpPr>
-            <a:spLocks noGrp="1"/>
-          </p:cNvSpPr>
-          <p:nvPr>
-            <p:ph type="subTitle" idx="1"/>
-          </p:nvPr>
-        </p:nvSpPr>
-        <p:spPr/>
-        <p:txBody>
-          <a:bodyPr/>
-          <a:lstStyle/>
-          <a:p>
-            <a:r>
-              <a:rPr lang="en-SG" dirty="0" smtClean="0"/>
-              <a:t>Jeremy Hon</a:t>
-            </a:r>
-          </a:p>
-          <a:p>
-            <a:r>
-              <a:rPr lang="en-SG" dirty="0" smtClean="0"/>
-              <a:t>Adrian Chan</a:t>
+          <p:cNvPr id="6" name="TextBox 5"/>
+          <p:cNvSpPr txBox="1"/>
+          <p:nvPr/>
+        </p:nvSpPr>
+        <p:spPr>
+          <a:xfrm>
+            <a:off x="4824805" y="3241623"/>
+            <a:ext cx="2764716" cy="369332"/>
+          </a:xfrm>
+          <a:prstGeom prst="rect">
+            <a:avLst/>
+          </a:prstGeom>
+          <a:noFill/>
+          <a:ln>
+            <a:solidFill>
+              <a:schemeClr val="tx1"/>
+            </a:solidFill>
+          </a:ln>
+        </p:spPr>
+        <p:txBody>
+          <a:bodyPr wrap="square" rtlCol="0">
+            <a:spAutoFit/>
+          </a:bodyPr>
+          <a:lstStyle/>
+          <a:p>
+            <a:pPr algn="ctr"/>
+            <a:r>
+              <a:rPr lang="en-SG" dirty="0" smtClean="0"/>
+              <a:t>Ask my dad for food</a:t>
             </a:r>
             <a:endParaRPr lang="en-SG" dirty="0"/>
           </a:p>
@@ -3040,13 +3045,25 @@
     </p:spTree>
     <p:extLst>
       <p:ext uri="{BB962C8B-B14F-4D97-AF65-F5344CB8AC3E}">
-        <p14:creationId xmlns:p14="http://schemas.microsoft.com/office/powerpoint/2010/main" val="230532399"/>
+        <p14:creationId xmlns:p14="http://schemas.microsoft.com/office/powerpoint/2010/main" val="1117831536"/>
       </p:ext>
     </p:extLst>
   </p:cSld>
   <p:clrMapOvr>
     <a:masterClrMapping/>
   </p:clrMapOvr>
+  <mc:AlternateContent xmlns:mc="http://schemas.openxmlformats.org/markup-compatibility/2006">
+    <mc:Choice xmlns:p14="http://schemas.microsoft.com/office/powerpoint/2010/main" Requires="p14">
+      <p:transition spd="slow" p14:dur="1300">
+        <p14:pan dir="u"/>
+      </p:transition>
+    </mc:Choice>
+    <mc:Fallback>
+      <p:transition spd="slow">
+        <p:fade/>
+      </p:transition>
+    </mc:Fallback>
+  </mc:AlternateContent>
   <p:timing>
     <p:tnLst>
       <p:par>
@@ -3082,8 +3099,8 @@
         </p:nvSpPr>
         <p:spPr>
           <a:xfrm>
-            <a:off x="4356848" y="2337181"/>
-            <a:ext cx="3700630" cy="923330"/>
+            <a:off x="4356848" y="1913314"/>
+            <a:ext cx="3700630" cy="1338828"/>
           </a:xfrm>
           <a:prstGeom prst="rect">
             <a:avLst/>
@@ -3122,7 +3139,18 @@
             </a:pPr>
             <a:r>
               <a:rPr lang="en-SG" dirty="0" smtClean="0"/>
-              <a:t>You wish yourself a happy birthday</a:t>
+              <a:t>Happy birthday, kid</a:t>
+            </a:r>
+          </a:p>
+          <a:p>
+            <a:pPr algn="ctr">
+              <a:lnSpc>
+                <a:spcPct val="150000"/>
+              </a:lnSpc>
+            </a:pPr>
+            <a:r>
+              <a:rPr lang="en-SG" dirty="0" smtClean="0"/>
+              <a:t>You fall in love</a:t>
             </a:r>
             <a:endParaRPr lang="en-SG" dirty="0"/>
           </a:p>
@@ -3162,33 +3190,23 @@
       </p:sp>
       <p:sp>
         <p:nvSpPr>
-          <p:cNvPr id="12" name="Rectangle 11"/>
+          <p:cNvPr id="8" name="Rectangle 7"/>
           <p:cNvSpPr/>
           <p:nvPr/>
         </p:nvSpPr>
         <p:spPr>
           <a:xfrm>
-            <a:off x="0" y="0"/>
-            <a:ext cx="12192000" cy="3160990"/>
+            <a:off x="9515139" y="801444"/>
+            <a:ext cx="817581" cy="408791"/>
           </a:xfrm>
           <a:prstGeom prst="rect">
             <a:avLst/>
           </a:prstGeom>
-          <a:gradFill>
-            <a:gsLst>
-              <a:gs pos="99000">
-                <a:schemeClr val="bg1">
-                  <a:alpha val="0"/>
-                </a:schemeClr>
-              </a:gs>
-              <a:gs pos="15000">
-                <a:schemeClr val="bg1"/>
-              </a:gs>
-            </a:gsLst>
-            <a:lin ang="5400000" scaled="1"/>
-          </a:gradFill>
+          <a:noFill/>
           <a:ln>
-            <a:noFill/>
+            <a:solidFill>
+              <a:schemeClr val="tx1"/>
+            </a:solidFill>
           </a:ln>
         </p:spPr>
         <p:style>
@@ -3211,20 +3229,63 @@
           <a:bodyPr rtlCol="0" anchor="ctr"/>
           <a:lstStyle/>
           <a:p>
-            <a:pPr algn="ctr"/>
-            <a:endParaRPr lang="en-SG"/>
-          </a:p>
-        </p:txBody>
-      </p:sp>
-      <p:sp>
-        <p:nvSpPr>
-          <p:cNvPr id="8" name="Rectangle 7"/>
+            <a:pPr algn="r"/>
+            <a:r>
+              <a:rPr lang="en-SG" dirty="0" smtClean="0">
+                <a:solidFill>
+                  <a:schemeClr val="tx1"/>
+                </a:solidFill>
+              </a:rPr>
+              <a:t>40</a:t>
+            </a:r>
+            <a:endParaRPr lang="en-SG" dirty="0">
+              <a:solidFill>
+                <a:schemeClr val="tx1"/>
+              </a:solidFill>
+            </a:endParaRPr>
+          </a:p>
+        </p:txBody>
+      </p:sp>
+      <p:sp>
+        <p:nvSpPr>
+          <p:cNvPr id="9" name="TextBox 8"/>
+          <p:cNvSpPr txBox="1"/>
+          <p:nvPr/>
+        </p:nvSpPr>
+        <p:spPr>
+          <a:xfrm>
+            <a:off x="8347934" y="812203"/>
+            <a:ext cx="1371599" cy="369332"/>
+          </a:xfrm>
+          <a:prstGeom prst="rect">
+            <a:avLst/>
+          </a:prstGeom>
+          <a:solidFill>
+            <a:schemeClr val="bg1"/>
+          </a:solidFill>
+        </p:spPr>
+        <p:txBody>
+          <a:bodyPr wrap="square" rtlCol="0">
+            <a:spAutoFit/>
+          </a:bodyPr>
+          <a:lstStyle/>
+          <a:p>
+            <a:r>
+              <a:rPr lang="en-SG" dirty="0" smtClean="0"/>
+              <a:t>Sustenance:</a:t>
+            </a:r>
+          </a:p>
+        </p:txBody>
+      </p:sp>
+      <p:sp>
+        <p:nvSpPr>
+          <p:cNvPr id="10" name="Rectangle 9"/>
           <p:cNvSpPr/>
           <p:nvPr/>
         </p:nvSpPr>
         <p:spPr>
           <a:xfrm>
-            <a:off x="9515139" y="801444"/>
+            <a:off x="9516932" y="1255062"/>
             <a:ext cx="817581" cy="408791"/>
           </a:xfrm>
           <a:prstGeom prst="rect">
@@ -3276,13 +3337,13 @@
       </p:sp>
       <p:sp>
         <p:nvSpPr>
-          <p:cNvPr id="9" name="TextBox 8"/>
+          <p:cNvPr id="11" name="TextBox 10"/>
           <p:cNvSpPr txBox="1"/>
           <p:nvPr/>
         </p:nvSpPr>
         <p:spPr>
           <a:xfrm>
-            <a:off x="8347934" y="812203"/>
+            <a:off x="8269044" y="1265821"/>
             <a:ext cx="1371599" cy="369332"/>
           </a:xfrm>
           <a:prstGeom prst="rect">
@@ -3298,109 +3359,18 @@
           </a:bodyPr>
           <a:lstStyle/>
           <a:p>
-            <a:r>
-              <a:rPr lang="en-SG" dirty="0" smtClean="0"/>
-              <a:t>Sustenance</a:t>
-            </a:r>
-            <a:endParaRPr lang="en-SG" dirty="0" smtClean="0"/>
-          </a:p>
-        </p:txBody>
-      </p:sp>
-      <p:sp>
-        <p:nvSpPr>
-          <p:cNvPr id="10" name="Rectangle 9"/>
-          <p:cNvSpPr/>
-          <p:nvPr/>
-        </p:nvSpPr>
-        <p:spPr>
-          <a:xfrm>
-            <a:off x="9516932" y="1255062"/>
-            <a:ext cx="817581" cy="408791"/>
-          </a:xfrm>
-          <a:prstGeom prst="rect">
-            <a:avLst/>
-          </a:prstGeom>
-          <a:noFill/>
-          <a:ln>
-            <a:solidFill>
-              <a:schemeClr val="tx1"/>
-            </a:solidFill>
-          </a:ln>
-        </p:spPr>
-        <p:style>
-          <a:lnRef idx="2">
-            <a:schemeClr val="accent1">
-              <a:shade val="50000"/>
-            </a:schemeClr>
-          </a:lnRef>
-          <a:fillRef idx="1">
-            <a:schemeClr val="accent1"/>
-          </a:fillRef>
-          <a:effectRef idx="0">
-            <a:schemeClr val="accent1"/>
-          </a:effectRef>
-          <a:fontRef idx="minor">
-            <a:schemeClr val="lt1"/>
-          </a:fontRef>
-        </p:style>
-        <p:txBody>
-          <a:bodyPr rtlCol="0" anchor="ctr"/>
-          <a:lstStyle/>
-          <a:p>
             <a:pPr algn="r"/>
             <a:r>
-              <a:rPr lang="en-SG" dirty="0" smtClean="0">
-                <a:solidFill>
-                  <a:schemeClr val="tx1"/>
-                </a:solidFill>
-              </a:rPr>
-              <a:t>40</a:t>
-            </a:r>
-            <a:endParaRPr lang="en-SG" dirty="0">
-              <a:solidFill>
-                <a:schemeClr val="tx1"/>
-              </a:solidFill>
-            </a:endParaRPr>
-          </a:p>
-        </p:txBody>
-      </p:sp>
-      <p:sp>
-        <p:nvSpPr>
-          <p:cNvPr id="11" name="TextBox 10"/>
-          <p:cNvSpPr txBox="1"/>
-          <p:nvPr/>
-        </p:nvSpPr>
-        <p:spPr>
-          <a:xfrm>
-            <a:off x="8269044" y="1265821"/>
-            <a:ext cx="1371599" cy="369332"/>
-          </a:xfrm>
-          <a:prstGeom prst="rect">
-            <a:avLst/>
-          </a:prstGeom>
-          <a:solidFill>
-            <a:schemeClr val="bg1"/>
-          </a:solidFill>
-        </p:spPr>
-        <p:txBody>
-          <a:bodyPr wrap="square" rtlCol="0">
-            <a:spAutoFit/>
-          </a:bodyPr>
-          <a:lstStyle/>
-          <a:p>
-            <a:pPr algn="r"/>
-            <a:r>
-              <a:rPr lang="en-SG" dirty="0" smtClean="0"/>
-              <a:t>Happiness</a:t>
-            </a:r>
-            <a:endParaRPr lang="en-SG" dirty="0" smtClean="0"/>
+              <a:rPr lang="en-SG" dirty="0" smtClean="0"/>
+              <a:t>Happiness:</a:t>
+            </a:r>
           </a:p>
         </p:txBody>
       </p:sp>
     </p:spTree>
     <p:extLst>
       <p:ext uri="{BB962C8B-B14F-4D97-AF65-F5344CB8AC3E}">
-        <p14:creationId xmlns:p14="http://schemas.microsoft.com/office/powerpoint/2010/main" val="3728165403"/>
+        <p14:creationId xmlns:p14="http://schemas.microsoft.com/office/powerpoint/2010/main" val="1801482470"/>
       </p:ext>
     </p:extLst>
   </p:cSld>
@@ -3409,12 +3379,12 @@
   </p:clrMapOvr>
   <mc:AlternateContent xmlns:mc="http://schemas.openxmlformats.org/markup-compatibility/2006">
     <mc:Choice xmlns:p14="http://schemas.microsoft.com/office/powerpoint/2010/main" Requires="p14">
-      <p:transition p14:dur="250" advClick="0">
-        <p:fade/>
+      <p:transition spd="slow" p14:dur="1300" advClick="0">
+        <p14:pan dir="u"/>
       </p:transition>
     </mc:Choice>
     <mc:Fallback>
-      <p:transition advClick="0">
+      <p:transition spd="slow" advClick="0">
         <p:fade/>
       </p:transition>
     </mc:Fallback>
@@ -3454,8 +3424,8 @@
         </p:nvSpPr>
         <p:spPr>
           <a:xfrm>
-            <a:off x="4356848" y="1913314"/>
-            <a:ext cx="3700630" cy="1338828"/>
+            <a:off x="4356848" y="1498973"/>
+            <a:ext cx="3700630" cy="1754326"/>
           </a:xfrm>
           <a:prstGeom prst="rect">
             <a:avLst/>
@@ -3506,6 +3476,17 @@
             <a:r>
               <a:rPr lang="en-SG" dirty="0" smtClean="0"/>
               <a:t>You fall in love</a:t>
+            </a:r>
+          </a:p>
+          <a:p>
+            <a:pPr algn="ctr">
+              <a:lnSpc>
+                <a:spcPct val="150000"/>
+              </a:lnSpc>
+            </a:pPr>
+            <a:r>
+              <a:rPr lang="en-SG" dirty="0" smtClean="0"/>
+              <a:t>You get married</a:t>
             </a:r>
             <a:endParaRPr lang="en-SG" dirty="0"/>
           </a:p>
@@ -3539,39 +3520,33 @@
           <a:lstStyle/>
           <a:p>
             <a:pPr algn="ctr"/>
+            <a:r>
+              <a:rPr lang="en-SG" dirty="0" smtClean="0"/>
+              <a:t>Have a child</a:t>
+            </a:r>
             <a:endParaRPr lang="en-SG" dirty="0"/>
           </a:p>
         </p:txBody>
       </p:sp>
       <p:sp>
         <p:nvSpPr>
-          <p:cNvPr id="12" name="Rectangle 11"/>
+          <p:cNvPr id="8" name="Rectangle 7"/>
           <p:cNvSpPr/>
           <p:nvPr/>
         </p:nvSpPr>
         <p:spPr>
           <a:xfrm>
-            <a:off x="0" y="0"/>
-            <a:ext cx="12192000" cy="3160990"/>
+            <a:off x="9515139" y="801444"/>
+            <a:ext cx="817581" cy="408791"/>
           </a:xfrm>
           <a:prstGeom prst="rect">
             <a:avLst/>
           </a:prstGeom>
-          <a:gradFill>
-            <a:gsLst>
-              <a:gs pos="99000">
-                <a:schemeClr val="bg1">
-                  <a:alpha val="0"/>
-                </a:schemeClr>
-              </a:gs>
-              <a:gs pos="15000">
-                <a:schemeClr val="bg1"/>
-              </a:gs>
-            </a:gsLst>
-            <a:lin ang="5400000" scaled="1"/>
-          </a:gradFill>
+          <a:noFill/>
           <a:ln>
-            <a:noFill/>
+            <a:solidFill>
+              <a:schemeClr val="tx1"/>
+            </a:solidFill>
           </a:ln>
         </p:spPr>
         <p:style>
@@ -3594,20 +3569,63 @@
           <a:bodyPr rtlCol="0" anchor="ctr"/>
           <a:lstStyle/>
           <a:p>
-            <a:pPr algn="ctr"/>
-            <a:endParaRPr lang="en-SG"/>
-          </a:p>
-        </p:txBody>
-      </p:sp>
-      <p:sp>
-        <p:nvSpPr>
-          <p:cNvPr id="8" name="Rectangle 7"/>
+            <a:pPr algn="r"/>
+            <a:r>
+              <a:rPr lang="en-SG" dirty="0" smtClean="0">
+                <a:solidFill>
+                  <a:schemeClr val="tx1"/>
+                </a:solidFill>
+              </a:rPr>
+              <a:t>40</a:t>
+            </a:r>
+            <a:endParaRPr lang="en-SG" dirty="0">
+              <a:solidFill>
+                <a:schemeClr val="tx1"/>
+              </a:solidFill>
+            </a:endParaRPr>
+          </a:p>
+        </p:txBody>
+      </p:sp>
+      <p:sp>
+        <p:nvSpPr>
+          <p:cNvPr id="9" name="TextBox 8"/>
+          <p:cNvSpPr txBox="1"/>
+          <p:nvPr/>
+        </p:nvSpPr>
+        <p:spPr>
+          <a:xfrm>
+            <a:off x="8347934" y="812203"/>
+            <a:ext cx="1371599" cy="369332"/>
+          </a:xfrm>
+          <a:prstGeom prst="rect">
+            <a:avLst/>
+          </a:prstGeom>
+          <a:solidFill>
+            <a:schemeClr val="bg1"/>
+          </a:solidFill>
+        </p:spPr>
+        <p:txBody>
+          <a:bodyPr wrap="square" rtlCol="0">
+            <a:spAutoFit/>
+          </a:bodyPr>
+          <a:lstStyle/>
+          <a:p>
+            <a:r>
+              <a:rPr lang="en-SG" dirty="0" smtClean="0"/>
+              <a:t>Sustenance:</a:t>
+            </a:r>
+          </a:p>
+        </p:txBody>
+      </p:sp>
+      <p:sp>
+        <p:nvSpPr>
+          <p:cNvPr id="10" name="Rectangle 9"/>
           <p:cNvSpPr/>
           <p:nvPr/>
         </p:nvSpPr>
         <p:spPr>
           <a:xfrm>
-            <a:off x="9515139" y="801444"/>
+            <a:off x="9516932" y="1255062"/>
             <a:ext cx="817581" cy="408791"/>
           </a:xfrm>
           <a:prstGeom prst="rect">
@@ -3659,13 +3677,13 @@
       </p:sp>
       <p:sp>
         <p:nvSpPr>
-          <p:cNvPr id="9" name="TextBox 8"/>
+          <p:cNvPr id="11" name="TextBox 10"/>
           <p:cNvSpPr txBox="1"/>
           <p:nvPr/>
         </p:nvSpPr>
         <p:spPr>
           <a:xfrm>
-            <a:off x="8347934" y="812203"/>
+            <a:off x="8269044" y="1265821"/>
             <a:ext cx="1371599" cy="369332"/>
           </a:xfrm>
           <a:prstGeom prst="rect">
@@ -3681,109 +3699,18 @@
           </a:bodyPr>
           <a:lstStyle/>
           <a:p>
-            <a:r>
-              <a:rPr lang="en-SG" dirty="0" smtClean="0"/>
-              <a:t>Sustenance</a:t>
-            </a:r>
-            <a:endParaRPr lang="en-SG" dirty="0" smtClean="0"/>
-          </a:p>
-        </p:txBody>
-      </p:sp>
-      <p:sp>
-        <p:nvSpPr>
-          <p:cNvPr id="10" name="Rectangle 9"/>
-          <p:cNvSpPr/>
-          <p:nvPr/>
-        </p:nvSpPr>
-        <p:spPr>
-          <a:xfrm>
-            <a:off x="9516932" y="1255062"/>
-            <a:ext cx="817581" cy="408791"/>
-          </a:xfrm>
-          <a:prstGeom prst="rect">
-            <a:avLst/>
-          </a:prstGeom>
-          <a:noFill/>
-          <a:ln>
-            <a:solidFill>
-              <a:schemeClr val="tx1"/>
-            </a:solidFill>
-          </a:ln>
-        </p:spPr>
-        <p:style>
-          <a:lnRef idx="2">
-            <a:schemeClr val="accent1">
-              <a:shade val="50000"/>
-            </a:schemeClr>
-          </a:lnRef>
-          <a:fillRef idx="1">
-            <a:schemeClr val="accent1"/>
-          </a:fillRef>
-          <a:effectRef idx="0">
-            <a:schemeClr val="accent1"/>
-          </a:effectRef>
-          <a:fontRef idx="minor">
-            <a:schemeClr val="lt1"/>
-          </a:fontRef>
-        </p:style>
-        <p:txBody>
-          <a:bodyPr rtlCol="0" anchor="ctr"/>
-          <a:lstStyle/>
-          <a:p>
             <a:pPr algn="r"/>
             <a:r>
-              <a:rPr lang="en-SG" dirty="0" smtClean="0">
-                <a:solidFill>
-                  <a:schemeClr val="tx1"/>
-                </a:solidFill>
-              </a:rPr>
-              <a:t>40</a:t>
-            </a:r>
-            <a:endParaRPr lang="en-SG" dirty="0">
-              <a:solidFill>
-                <a:schemeClr val="tx1"/>
-              </a:solidFill>
-            </a:endParaRPr>
-          </a:p>
-        </p:txBody>
-      </p:sp>
-      <p:sp>
-        <p:nvSpPr>
-          <p:cNvPr id="11" name="TextBox 10"/>
-          <p:cNvSpPr txBox="1"/>
-          <p:nvPr/>
-        </p:nvSpPr>
-        <p:spPr>
-          <a:xfrm>
-            <a:off x="8269044" y="1265821"/>
-            <a:ext cx="1371599" cy="369332"/>
-          </a:xfrm>
-          <a:prstGeom prst="rect">
-            <a:avLst/>
-          </a:prstGeom>
-          <a:solidFill>
-            <a:schemeClr val="bg1"/>
-          </a:solidFill>
-        </p:spPr>
-        <p:txBody>
-          <a:bodyPr wrap="square" rtlCol="0">
-            <a:spAutoFit/>
-          </a:bodyPr>
-          <a:lstStyle/>
-          <a:p>
-            <a:pPr algn="r"/>
-            <a:r>
-              <a:rPr lang="en-SG" dirty="0" smtClean="0"/>
-              <a:t>Happiness</a:t>
-            </a:r>
-            <a:endParaRPr lang="en-SG" dirty="0" smtClean="0"/>
+              <a:rPr lang="en-SG" dirty="0" smtClean="0"/>
+              <a:t>Happiness:</a:t>
+            </a:r>
           </a:p>
         </p:txBody>
       </p:sp>
     </p:spTree>
     <p:extLst>
       <p:ext uri="{BB962C8B-B14F-4D97-AF65-F5344CB8AC3E}">
-        <p14:creationId xmlns:p14="http://schemas.microsoft.com/office/powerpoint/2010/main" val="1801482470"/>
+        <p14:creationId xmlns:p14="http://schemas.microsoft.com/office/powerpoint/2010/main" val="3468516733"/>
       </p:ext>
     </p:extLst>
   </p:cSld>
@@ -3792,12 +3719,12 @@
   </p:clrMapOvr>
   <mc:AlternateContent xmlns:mc="http://schemas.openxmlformats.org/markup-compatibility/2006">
     <mc:Choice xmlns:p14="http://schemas.microsoft.com/office/powerpoint/2010/main" Requires="p14">
-      <p:transition p14:dur="250" advClick="0">
-        <p:fade/>
+      <p:transition spd="slow" p14:dur="1300" advClick="0">
+        <p14:pan dir="u"/>
       </p:transition>
     </mc:Choice>
     <mc:Fallback>
-      <p:transition advClick="0">
+      <p:transition spd="slow" advClick="0">
         <p:fade/>
       </p:transition>
     </mc:Fallback>
@@ -3943,33 +3870,23 @@
       </p:sp>
       <p:sp>
         <p:nvSpPr>
-          <p:cNvPr id="12" name="Rectangle 11"/>
+          <p:cNvPr id="8" name="Rectangle 7"/>
           <p:cNvSpPr/>
           <p:nvPr/>
         </p:nvSpPr>
         <p:spPr>
           <a:xfrm>
-            <a:off x="0" y="0"/>
-            <a:ext cx="12192000" cy="3160990"/>
+            <a:off x="9515139" y="801444"/>
+            <a:ext cx="817581" cy="408791"/>
           </a:xfrm>
           <a:prstGeom prst="rect">
             <a:avLst/>
           </a:prstGeom>
-          <a:gradFill>
-            <a:gsLst>
-              <a:gs pos="77000">
-                <a:schemeClr val="bg1">
-                  <a:alpha val="0"/>
-                </a:schemeClr>
-              </a:gs>
-              <a:gs pos="47000">
-                <a:schemeClr val="bg1"/>
-              </a:gs>
-            </a:gsLst>
-            <a:lin ang="5400000" scaled="1"/>
-          </a:gradFill>
+          <a:noFill/>
           <a:ln>
-            <a:noFill/>
+            <a:solidFill>
+              <a:schemeClr val="tx1"/>
+            </a:solidFill>
           </a:ln>
         </p:spPr>
         <p:style>
@@ -3992,20 +3909,63 @@
           <a:bodyPr rtlCol="0" anchor="ctr"/>
           <a:lstStyle/>
           <a:p>
-            <a:pPr algn="ctr"/>
-            <a:endParaRPr lang="en-SG"/>
-          </a:p>
-        </p:txBody>
-      </p:sp>
-      <p:sp>
-        <p:nvSpPr>
-          <p:cNvPr id="8" name="Rectangle 7"/>
+            <a:pPr algn="r"/>
+            <a:r>
+              <a:rPr lang="en-SG" dirty="0" smtClean="0">
+                <a:solidFill>
+                  <a:schemeClr val="tx1"/>
+                </a:solidFill>
+              </a:rPr>
+              <a:t>40</a:t>
+            </a:r>
+            <a:endParaRPr lang="en-SG" dirty="0">
+              <a:solidFill>
+                <a:schemeClr val="tx1"/>
+              </a:solidFill>
+            </a:endParaRPr>
+          </a:p>
+        </p:txBody>
+      </p:sp>
+      <p:sp>
+        <p:nvSpPr>
+          <p:cNvPr id="9" name="TextBox 8"/>
+          <p:cNvSpPr txBox="1"/>
+          <p:nvPr/>
+        </p:nvSpPr>
+        <p:spPr>
+          <a:xfrm>
+            <a:off x="8347934" y="812203"/>
+            <a:ext cx="1371599" cy="369332"/>
+          </a:xfrm>
+          <a:prstGeom prst="rect">
+            <a:avLst/>
+          </a:prstGeom>
+          <a:solidFill>
+            <a:schemeClr val="bg1"/>
+          </a:solidFill>
+        </p:spPr>
+        <p:txBody>
+          <a:bodyPr wrap="square" rtlCol="0">
+            <a:spAutoFit/>
+          </a:bodyPr>
+          <a:lstStyle/>
+          <a:p>
+            <a:r>
+              <a:rPr lang="en-SG" dirty="0" smtClean="0"/>
+              <a:t>Sustenance:</a:t>
+            </a:r>
+          </a:p>
+        </p:txBody>
+      </p:sp>
+      <p:sp>
+        <p:nvSpPr>
+          <p:cNvPr id="10" name="Rectangle 9"/>
           <p:cNvSpPr/>
           <p:nvPr/>
         </p:nvSpPr>
         <p:spPr>
           <a:xfrm>
-            <a:off x="9515139" y="801444"/>
+            <a:off x="9516932" y="1255062"/>
             <a:ext cx="817581" cy="408791"/>
           </a:xfrm>
           <a:prstGeom prst="rect">
@@ -4057,13 +4017,13 @@
       </p:sp>
       <p:sp>
         <p:nvSpPr>
-          <p:cNvPr id="9" name="TextBox 8"/>
+          <p:cNvPr id="11" name="TextBox 10"/>
           <p:cNvSpPr txBox="1"/>
           <p:nvPr/>
         </p:nvSpPr>
         <p:spPr>
           <a:xfrm>
-            <a:off x="8347934" y="812203"/>
+            <a:off x="8269044" y="1265821"/>
             <a:ext cx="1371599" cy="369332"/>
           </a:xfrm>
           <a:prstGeom prst="rect">
@@ -4079,444 +4039,11 @@
           </a:bodyPr>
           <a:lstStyle/>
           <a:p>
-            <a:r>
-              <a:rPr lang="en-SG" dirty="0" smtClean="0"/>
-              <a:t>Sustenance</a:t>
-            </a:r>
-            <a:endParaRPr lang="en-SG" dirty="0" smtClean="0"/>
-          </a:p>
-        </p:txBody>
-      </p:sp>
-      <p:sp>
-        <p:nvSpPr>
-          <p:cNvPr id="10" name="Rectangle 9"/>
-          <p:cNvSpPr/>
-          <p:nvPr/>
-        </p:nvSpPr>
-        <p:spPr>
-          <a:xfrm>
-            <a:off x="9516932" y="1255062"/>
-            <a:ext cx="817581" cy="408791"/>
-          </a:xfrm>
-          <a:prstGeom prst="rect">
-            <a:avLst/>
-          </a:prstGeom>
-          <a:noFill/>
-          <a:ln>
-            <a:solidFill>
-              <a:schemeClr val="tx1"/>
-            </a:solidFill>
-          </a:ln>
-        </p:spPr>
-        <p:style>
-          <a:lnRef idx="2">
-            <a:schemeClr val="accent1">
-              <a:shade val="50000"/>
-            </a:schemeClr>
-          </a:lnRef>
-          <a:fillRef idx="1">
-            <a:schemeClr val="accent1"/>
-          </a:fillRef>
-          <a:effectRef idx="0">
-            <a:schemeClr val="accent1"/>
-          </a:effectRef>
-          <a:fontRef idx="minor">
-            <a:schemeClr val="lt1"/>
-          </a:fontRef>
-        </p:style>
-        <p:txBody>
-          <a:bodyPr rtlCol="0" anchor="ctr"/>
-          <a:lstStyle/>
-          <a:p>
             <a:pPr algn="r"/>
             <a:r>
-              <a:rPr lang="en-SG" dirty="0" smtClean="0">
-                <a:solidFill>
-                  <a:schemeClr val="tx1"/>
-                </a:solidFill>
-              </a:rPr>
-              <a:t>40</a:t>
-            </a:r>
-            <a:endParaRPr lang="en-SG" dirty="0">
-              <a:solidFill>
-                <a:schemeClr val="tx1"/>
-              </a:solidFill>
-            </a:endParaRPr>
-          </a:p>
-        </p:txBody>
-      </p:sp>
-      <p:sp>
-        <p:nvSpPr>
-          <p:cNvPr id="11" name="TextBox 10"/>
-          <p:cNvSpPr txBox="1"/>
-          <p:nvPr/>
-        </p:nvSpPr>
-        <p:spPr>
-          <a:xfrm>
-            <a:off x="8269044" y="1265821"/>
-            <a:ext cx="1371599" cy="369332"/>
-          </a:xfrm>
-          <a:prstGeom prst="rect">
-            <a:avLst/>
-          </a:prstGeom>
-          <a:solidFill>
-            <a:schemeClr val="bg1"/>
-          </a:solidFill>
-        </p:spPr>
-        <p:txBody>
-          <a:bodyPr wrap="square" rtlCol="0">
-            <a:spAutoFit/>
-          </a:bodyPr>
-          <a:lstStyle/>
-          <a:p>
-            <a:pPr algn="r"/>
-            <a:r>
-              <a:rPr lang="en-SG" dirty="0" smtClean="0"/>
-              <a:t>Happiness</a:t>
-            </a:r>
-            <a:endParaRPr lang="en-SG" dirty="0" smtClean="0"/>
-          </a:p>
-        </p:txBody>
-      </p:sp>
-    </p:spTree>
-    <p:extLst>
-      <p:ext uri="{BB962C8B-B14F-4D97-AF65-F5344CB8AC3E}">
-        <p14:creationId xmlns:p14="http://schemas.microsoft.com/office/powerpoint/2010/main" val="3468516733"/>
-      </p:ext>
-    </p:extLst>
-  </p:cSld>
-  <p:clrMapOvr>
-    <a:masterClrMapping/>
-  </p:clrMapOvr>
-  <mc:AlternateContent xmlns:mc="http://schemas.openxmlformats.org/markup-compatibility/2006">
-    <mc:Choice xmlns:p14="http://schemas.microsoft.com/office/powerpoint/2010/main" Requires="p14">
-      <p:transition p14:dur="250" advClick="0">
-        <p:fade/>
-      </p:transition>
-    </mc:Choice>
-    <mc:Fallback>
-      <p:transition advClick="0">
-        <p:fade/>
-      </p:transition>
-    </mc:Fallback>
-  </mc:AlternateContent>
-  <p:timing>
-    <p:tnLst>
-      <p:par>
-        <p:cTn id="1" dur="indefinite" restart="never" nodeType="tmRoot"/>
-      </p:par>
-    </p:tnLst>
-  </p:timing>
-</p:sld>
-</file>
-
-<file path=ppt/slides/slide13.xml><?xml version="1.0" encoding="utf-8"?>
-<p:sld xmlns:a="http://schemas.openxmlformats.org/drawingml/2006/main" xmlns:r="http://schemas.openxmlformats.org/officeDocument/2006/relationships" xmlns:p="http://schemas.openxmlformats.org/presentationml/2006/main">
-  <p:cSld>
-    <p:spTree>
-      <p:nvGrpSpPr>
-        <p:cNvPr id="1" name=""/>
-        <p:cNvGrpSpPr/>
-        <p:nvPr/>
-      </p:nvGrpSpPr>
-      <p:grpSpPr>
-        <a:xfrm>
-          <a:off x="0" y="0"/>
-          <a:ext cx="0" cy="0"/>
-          <a:chOff x="0" y="0"/>
-          <a:chExt cx="0" cy="0"/>
-        </a:xfrm>
-      </p:grpSpPr>
-      <p:sp>
-        <p:nvSpPr>
-          <p:cNvPr id="4" name="TextBox 3"/>
-          <p:cNvSpPr txBox="1"/>
-          <p:nvPr/>
-        </p:nvSpPr>
-        <p:spPr>
-          <a:xfrm>
-            <a:off x="4356848" y="1498973"/>
-            <a:ext cx="3700630" cy="1754326"/>
-          </a:xfrm>
-          <a:prstGeom prst="rect">
-            <a:avLst/>
-          </a:prstGeom>
-          <a:noFill/>
-        </p:spPr>
-        <p:txBody>
-          <a:bodyPr wrap="square" rtlCol="0">
-            <a:spAutoFit/>
-          </a:bodyPr>
-          <a:lstStyle/>
-          <a:p>
-            <a:pPr algn="ctr">
-              <a:lnSpc>
-                <a:spcPct val="150000"/>
-              </a:lnSpc>
-            </a:pPr>
-            <a:r>
-              <a:rPr lang="en-SG" dirty="0" smtClean="0"/>
-              <a:t>It’s my 18</a:t>
-            </a:r>
-            <a:r>
-              <a:rPr lang="en-SG" baseline="30000" dirty="0" smtClean="0"/>
-              <a:t>th</a:t>
-            </a:r>
-            <a:r>
-              <a:rPr lang="en-SG" dirty="0" smtClean="0"/>
-              <a:t> birthday.</a:t>
-            </a:r>
-          </a:p>
-          <a:p>
-            <a:pPr algn="ctr">
-              <a:lnSpc>
-                <a:spcPct val="150000"/>
-              </a:lnSpc>
-            </a:pPr>
-            <a:r>
-              <a:rPr lang="en-SG" dirty="0" smtClean="0"/>
-              <a:t>Happy birthday, kid</a:t>
-            </a:r>
-          </a:p>
-          <a:p>
-            <a:pPr algn="ctr">
-              <a:lnSpc>
-                <a:spcPct val="150000"/>
-              </a:lnSpc>
-            </a:pPr>
-            <a:r>
-              <a:rPr lang="en-SG" dirty="0" smtClean="0"/>
-              <a:t>You fall in love</a:t>
-            </a:r>
-          </a:p>
-          <a:p>
-            <a:pPr algn="ctr">
-              <a:lnSpc>
-                <a:spcPct val="150000"/>
-              </a:lnSpc>
-            </a:pPr>
-            <a:r>
-              <a:rPr lang="en-SG" dirty="0" smtClean="0"/>
-              <a:t>You get married</a:t>
-            </a:r>
-            <a:endParaRPr lang="en-SG" dirty="0"/>
-          </a:p>
-        </p:txBody>
-      </p:sp>
-      <p:sp>
-        <p:nvSpPr>
-          <p:cNvPr id="6" name="TextBox 5"/>
-          <p:cNvSpPr txBox="1"/>
-          <p:nvPr/>
-        </p:nvSpPr>
-        <p:spPr>
-          <a:xfrm>
-            <a:off x="4667250" y="3240212"/>
-            <a:ext cx="3143249" cy="369332"/>
-          </a:xfrm>
-          <a:prstGeom prst="rect">
-            <a:avLst/>
-          </a:prstGeom>
-          <a:noFill/>
-          <a:ln>
-            <a:solidFill>
-              <a:schemeClr val="tx1"/>
-            </a:solidFill>
-          </a:ln>
-        </p:spPr>
-        <p:txBody>
-          <a:bodyPr wrap="square" rtlCol="0">
-            <a:spAutoFit/>
-          </a:bodyPr>
-          <a:lstStyle/>
-          <a:p>
-            <a:pPr algn="ctr"/>
-            <a:r>
-              <a:rPr lang="en-SG" dirty="0" smtClean="0"/>
-              <a:t>Have a child</a:t>
-            </a:r>
-            <a:endParaRPr lang="en-SG" dirty="0"/>
-          </a:p>
-        </p:txBody>
-      </p:sp>
-      <p:sp>
-        <p:nvSpPr>
-          <p:cNvPr id="8" name="Rectangle 7"/>
-          <p:cNvSpPr/>
-          <p:nvPr/>
-        </p:nvSpPr>
-        <p:spPr>
-          <a:xfrm>
-            <a:off x="9515139" y="801444"/>
-            <a:ext cx="817581" cy="408791"/>
-          </a:xfrm>
-          <a:prstGeom prst="rect">
-            <a:avLst/>
-          </a:prstGeom>
-          <a:noFill/>
-          <a:ln>
-            <a:solidFill>
-              <a:schemeClr val="tx1"/>
-            </a:solidFill>
-          </a:ln>
-        </p:spPr>
-        <p:style>
-          <a:lnRef idx="2">
-            <a:schemeClr val="accent1">
-              <a:shade val="50000"/>
-            </a:schemeClr>
-          </a:lnRef>
-          <a:fillRef idx="1">
-            <a:schemeClr val="accent1"/>
-          </a:fillRef>
-          <a:effectRef idx="0">
-            <a:schemeClr val="accent1"/>
-          </a:effectRef>
-          <a:fontRef idx="minor">
-            <a:schemeClr val="lt1"/>
-          </a:fontRef>
-        </p:style>
-        <p:txBody>
-          <a:bodyPr rtlCol="0" anchor="ctr"/>
-          <a:lstStyle/>
-          <a:p>
-            <a:pPr algn="r"/>
-            <a:r>
-              <a:rPr lang="en-SG" dirty="0" smtClean="0">
-                <a:solidFill>
-                  <a:schemeClr val="tx1"/>
-                </a:solidFill>
-              </a:rPr>
-              <a:t>40</a:t>
-            </a:r>
-            <a:endParaRPr lang="en-SG" dirty="0">
-              <a:solidFill>
-                <a:schemeClr val="tx1"/>
-              </a:solidFill>
-            </a:endParaRPr>
-          </a:p>
-        </p:txBody>
-      </p:sp>
-      <p:sp>
-        <p:nvSpPr>
-          <p:cNvPr id="9" name="TextBox 8"/>
-          <p:cNvSpPr txBox="1"/>
-          <p:nvPr/>
-        </p:nvSpPr>
-        <p:spPr>
-          <a:xfrm>
-            <a:off x="8347934" y="812203"/>
-            <a:ext cx="1371599" cy="369332"/>
-          </a:xfrm>
-          <a:prstGeom prst="rect">
-            <a:avLst/>
-          </a:prstGeom>
-          <a:solidFill>
-            <a:schemeClr val="bg1"/>
-          </a:solidFill>
-        </p:spPr>
-        <p:txBody>
-          <a:bodyPr wrap="square" rtlCol="0">
-            <a:spAutoFit/>
-          </a:bodyPr>
-          <a:lstStyle/>
-          <a:p>
-            <a:r>
-              <a:rPr lang="en-SG" dirty="0" smtClean="0"/>
-              <a:t>Sustenance</a:t>
-            </a:r>
-            <a:endParaRPr lang="en-SG" dirty="0" smtClean="0"/>
-          </a:p>
-        </p:txBody>
-      </p:sp>
-      <p:sp>
-        <p:nvSpPr>
-          <p:cNvPr id="10" name="Rectangle 9"/>
-          <p:cNvSpPr/>
-          <p:nvPr/>
-        </p:nvSpPr>
-        <p:spPr>
-          <a:xfrm>
-            <a:off x="9516932" y="1255062"/>
-            <a:ext cx="817581" cy="408791"/>
-          </a:xfrm>
-          <a:prstGeom prst="rect">
-            <a:avLst/>
-          </a:prstGeom>
-          <a:noFill/>
-          <a:ln>
-            <a:solidFill>
-              <a:schemeClr val="tx1"/>
-            </a:solidFill>
-          </a:ln>
-        </p:spPr>
-        <p:style>
-          <a:lnRef idx="2">
-            <a:schemeClr val="accent1">
-              <a:shade val="50000"/>
-            </a:schemeClr>
-          </a:lnRef>
-          <a:fillRef idx="1">
-            <a:schemeClr val="accent1"/>
-          </a:fillRef>
-          <a:effectRef idx="0">
-            <a:schemeClr val="accent1"/>
-          </a:effectRef>
-          <a:fontRef idx="minor">
-            <a:schemeClr val="lt1"/>
-          </a:fontRef>
-        </p:style>
-        <p:txBody>
-          <a:bodyPr rtlCol="0" anchor="ctr"/>
-          <a:lstStyle/>
-          <a:p>
-            <a:pPr algn="r"/>
-            <a:r>
-              <a:rPr lang="en-SG" dirty="0" smtClean="0">
-                <a:solidFill>
-                  <a:schemeClr val="tx1"/>
-                </a:solidFill>
-              </a:rPr>
-              <a:t>40</a:t>
-            </a:r>
-            <a:endParaRPr lang="en-SG" dirty="0">
-              <a:solidFill>
-                <a:schemeClr val="tx1"/>
-              </a:solidFill>
-            </a:endParaRPr>
-          </a:p>
-        </p:txBody>
-      </p:sp>
-      <p:sp>
-        <p:nvSpPr>
-          <p:cNvPr id="11" name="TextBox 10"/>
-          <p:cNvSpPr txBox="1"/>
-          <p:nvPr/>
-        </p:nvSpPr>
-        <p:spPr>
-          <a:xfrm>
-            <a:off x="8269044" y="1265821"/>
-            <a:ext cx="1371599" cy="369332"/>
-          </a:xfrm>
-          <a:prstGeom prst="rect">
-            <a:avLst/>
-          </a:prstGeom>
-          <a:solidFill>
-            <a:schemeClr val="bg1"/>
-          </a:solidFill>
-        </p:spPr>
-        <p:txBody>
-          <a:bodyPr wrap="square" rtlCol="0">
-            <a:spAutoFit/>
-          </a:bodyPr>
-          <a:lstStyle/>
-          <a:p>
-            <a:pPr algn="r"/>
-            <a:r>
-              <a:rPr lang="en-SG" dirty="0" smtClean="0"/>
-              <a:t>Happiness</a:t>
-            </a:r>
-            <a:endParaRPr lang="en-SG" dirty="0" smtClean="0"/>
+              <a:rPr lang="en-SG" dirty="0" smtClean="0"/>
+              <a:t>Happiness:</a:t>
+            </a:r>
           </a:p>
         </p:txBody>
       </p:sp>
@@ -4532,12 +4059,12 @@
   </p:clrMapOvr>
   <mc:AlternateContent xmlns:mc="http://schemas.openxmlformats.org/markup-compatibility/2006">
     <mc:Choice xmlns:p14="http://schemas.microsoft.com/office/powerpoint/2010/main" Requires="p14">
-      <p:transition p14:dur="250" advClick="0">
-        <p:fade/>
+      <p:transition spd="slow" p14:dur="1300" advClick="0">
+        <p14:pan dir="u"/>
       </p:transition>
     </mc:Choice>
     <mc:Fallback>
-      <p:transition advClick="0">
+      <p:transition spd="slow" advClick="0">
         <p:fade/>
       </p:transition>
     </mc:Fallback>
@@ -4549,2170 +4076,6 @@
       </p:par>
     </p:tnLst>
   </p:timing>
-</p:sld>
-</file>
-
-<file path=ppt/slides/slide14.xml><?xml version="1.0" encoding="utf-8"?>
-<p:sld xmlns:a="http://schemas.openxmlformats.org/drawingml/2006/main" xmlns:r="http://schemas.openxmlformats.org/officeDocument/2006/relationships" xmlns:p="http://schemas.openxmlformats.org/presentationml/2006/main">
-  <p:cSld>
-    <p:spTree>
-      <p:nvGrpSpPr>
-        <p:cNvPr id="1" name=""/>
-        <p:cNvGrpSpPr/>
-        <p:nvPr/>
-      </p:nvGrpSpPr>
-      <p:grpSpPr>
-        <a:xfrm>
-          <a:off x="0" y="0"/>
-          <a:ext cx="0" cy="0"/>
-          <a:chOff x="0" y="0"/>
-          <a:chExt cx="0" cy="0"/>
-        </a:xfrm>
-      </p:grpSpPr>
-      <p:sp>
-        <p:nvSpPr>
-          <p:cNvPr id="4" name="TextBox 3"/>
-          <p:cNvSpPr txBox="1"/>
-          <p:nvPr/>
-        </p:nvSpPr>
-        <p:spPr>
-          <a:xfrm>
-            <a:off x="6806639" y="2337039"/>
-            <a:ext cx="3700630" cy="2169825"/>
-          </a:xfrm>
-          <a:prstGeom prst="rect">
-            <a:avLst/>
-          </a:prstGeom>
-          <a:noFill/>
-        </p:spPr>
-        <p:txBody>
-          <a:bodyPr wrap="square" rtlCol="0">
-            <a:spAutoFit/>
-          </a:bodyPr>
-          <a:lstStyle/>
-          <a:p>
-            <a:pPr algn="ctr">
-              <a:lnSpc>
-                <a:spcPct val="150000"/>
-              </a:lnSpc>
-            </a:pPr>
-            <a:r>
-              <a:rPr lang="en-SG" dirty="0" smtClean="0"/>
-              <a:t>It’s my 18</a:t>
-            </a:r>
-            <a:r>
-              <a:rPr lang="en-SG" baseline="30000" dirty="0" smtClean="0"/>
-              <a:t>th</a:t>
-            </a:r>
-            <a:r>
-              <a:rPr lang="en-SG" dirty="0" smtClean="0"/>
-              <a:t> birthday.</a:t>
-            </a:r>
-          </a:p>
-          <a:p>
-            <a:pPr algn="ctr">
-              <a:lnSpc>
-                <a:spcPct val="150000"/>
-              </a:lnSpc>
-            </a:pPr>
-            <a:r>
-              <a:rPr lang="en-SG" dirty="0" smtClean="0"/>
-              <a:t>Happy birthday, kid</a:t>
-            </a:r>
-          </a:p>
-          <a:p>
-            <a:pPr algn="ctr">
-              <a:lnSpc>
-                <a:spcPct val="150000"/>
-              </a:lnSpc>
-            </a:pPr>
-            <a:r>
-              <a:rPr lang="en-SG" dirty="0" smtClean="0"/>
-              <a:t>You fall in love</a:t>
-            </a:r>
-          </a:p>
-          <a:p>
-            <a:pPr algn="ctr">
-              <a:lnSpc>
-                <a:spcPct val="150000"/>
-              </a:lnSpc>
-            </a:pPr>
-            <a:r>
-              <a:rPr lang="en-SG" dirty="0" smtClean="0"/>
-              <a:t>You get </a:t>
-            </a:r>
-            <a:r>
-              <a:rPr lang="en-SG" dirty="0" smtClean="0"/>
-              <a:t>married</a:t>
-            </a:r>
-          </a:p>
-          <a:p>
-            <a:pPr algn="ctr">
-              <a:lnSpc>
-                <a:spcPct val="150000"/>
-              </a:lnSpc>
-            </a:pPr>
-            <a:r>
-              <a:rPr lang="en-SG" dirty="0" smtClean="0"/>
-              <a:t>You see a sleeping baby</a:t>
-            </a:r>
-            <a:endParaRPr lang="en-SG" dirty="0"/>
-          </a:p>
-        </p:txBody>
-      </p:sp>
-      <p:sp>
-        <p:nvSpPr>
-          <p:cNvPr id="6" name="TextBox 5"/>
-          <p:cNvSpPr txBox="1"/>
-          <p:nvPr/>
-        </p:nvSpPr>
-        <p:spPr>
-          <a:xfrm>
-            <a:off x="7085330" y="4492819"/>
-            <a:ext cx="3143249" cy="369332"/>
-          </a:xfrm>
-          <a:prstGeom prst="rect">
-            <a:avLst/>
-          </a:prstGeom>
-          <a:noFill/>
-          <a:ln>
-            <a:solidFill>
-              <a:schemeClr val="tx1"/>
-            </a:solidFill>
-          </a:ln>
-        </p:spPr>
-        <p:txBody>
-          <a:bodyPr wrap="square" rtlCol="0">
-            <a:spAutoFit/>
-          </a:bodyPr>
-          <a:lstStyle/>
-          <a:p>
-            <a:pPr algn="ctr"/>
-            <a:r>
-              <a:rPr lang="en-SG" dirty="0" smtClean="0"/>
-              <a:t>Pat baby</a:t>
-            </a:r>
-            <a:endParaRPr lang="en-SG" dirty="0"/>
-          </a:p>
-        </p:txBody>
-      </p:sp>
-      <p:sp>
-        <p:nvSpPr>
-          <p:cNvPr id="13" name="TextBox 12"/>
-          <p:cNvSpPr txBox="1"/>
-          <p:nvPr/>
-        </p:nvSpPr>
-        <p:spPr>
-          <a:xfrm>
-            <a:off x="2684558" y="4502979"/>
-            <a:ext cx="3143249" cy="369332"/>
-          </a:xfrm>
-          <a:prstGeom prst="rect">
-            <a:avLst/>
-          </a:prstGeom>
-          <a:noFill/>
-          <a:ln>
-            <a:solidFill>
-              <a:schemeClr val="tx1"/>
-            </a:solidFill>
-          </a:ln>
-        </p:spPr>
-        <p:txBody>
-          <a:bodyPr wrap="square" rtlCol="0">
-            <a:spAutoFit/>
-          </a:bodyPr>
-          <a:lstStyle/>
-          <a:p>
-            <a:pPr algn="ctr"/>
-            <a:r>
-              <a:rPr lang="en-SG" dirty="0" smtClean="0"/>
-              <a:t>Open my eyes</a:t>
-            </a:r>
-            <a:endParaRPr lang="en-SG" dirty="0"/>
-          </a:p>
-        </p:txBody>
-      </p:sp>
-      <p:sp>
-        <p:nvSpPr>
-          <p:cNvPr id="26" name="Rectangle 25"/>
-          <p:cNvSpPr/>
-          <p:nvPr/>
-        </p:nvSpPr>
-        <p:spPr>
-          <a:xfrm>
-            <a:off x="0" y="664831"/>
-            <a:ext cx="12192000" cy="3344415"/>
-          </a:xfrm>
-          <a:prstGeom prst="rect">
-            <a:avLst/>
-          </a:prstGeom>
-          <a:gradFill>
-            <a:gsLst>
-              <a:gs pos="77000">
-                <a:schemeClr val="bg1">
-                  <a:alpha val="0"/>
-                </a:schemeClr>
-              </a:gs>
-              <a:gs pos="47000">
-                <a:schemeClr val="bg1"/>
-              </a:gs>
-            </a:gsLst>
-            <a:lin ang="5400000" scaled="1"/>
-          </a:gradFill>
-          <a:ln>
-            <a:noFill/>
-          </a:ln>
-        </p:spPr>
-        <p:style>
-          <a:lnRef idx="2">
-            <a:schemeClr val="accent1">
-              <a:shade val="50000"/>
-            </a:schemeClr>
-          </a:lnRef>
-          <a:fillRef idx="1">
-            <a:schemeClr val="accent1"/>
-          </a:fillRef>
-          <a:effectRef idx="0">
-            <a:schemeClr val="accent1"/>
-          </a:effectRef>
-          <a:fontRef idx="minor">
-            <a:schemeClr val="lt1"/>
-          </a:fontRef>
-        </p:style>
-        <p:txBody>
-          <a:bodyPr rtlCol="0" anchor="ctr"/>
-          <a:lstStyle/>
-          <a:p>
-            <a:pPr algn="ctr"/>
-            <a:endParaRPr lang="en-SG"/>
-          </a:p>
-        </p:txBody>
-      </p:sp>
-      <p:sp>
-        <p:nvSpPr>
-          <p:cNvPr id="18" name="Rectangle 17"/>
-          <p:cNvSpPr/>
-          <p:nvPr/>
-        </p:nvSpPr>
-        <p:spPr>
-          <a:xfrm>
-            <a:off x="10998499" y="1322531"/>
-            <a:ext cx="817581" cy="408791"/>
-          </a:xfrm>
-          <a:prstGeom prst="rect">
-            <a:avLst/>
-          </a:prstGeom>
-          <a:noFill/>
-          <a:ln>
-            <a:solidFill>
-              <a:schemeClr val="tx1"/>
-            </a:solidFill>
-          </a:ln>
-        </p:spPr>
-        <p:style>
-          <a:lnRef idx="2">
-            <a:schemeClr val="accent1">
-              <a:shade val="50000"/>
-            </a:schemeClr>
-          </a:lnRef>
-          <a:fillRef idx="1">
-            <a:schemeClr val="accent1"/>
-          </a:fillRef>
-          <a:effectRef idx="0">
-            <a:schemeClr val="accent1"/>
-          </a:effectRef>
-          <a:fontRef idx="minor">
-            <a:schemeClr val="lt1"/>
-          </a:fontRef>
-        </p:style>
-        <p:txBody>
-          <a:bodyPr rtlCol="0" anchor="ctr"/>
-          <a:lstStyle/>
-          <a:p>
-            <a:pPr algn="r"/>
-            <a:r>
-              <a:rPr lang="en-SG" dirty="0" smtClean="0">
-                <a:solidFill>
-                  <a:schemeClr val="tx1"/>
-                </a:solidFill>
-              </a:rPr>
-              <a:t>40/40</a:t>
-            </a:r>
-            <a:endParaRPr lang="en-SG" dirty="0">
-              <a:solidFill>
-                <a:schemeClr val="tx1"/>
-              </a:solidFill>
-            </a:endParaRPr>
-          </a:p>
-        </p:txBody>
-      </p:sp>
-      <p:sp>
-        <p:nvSpPr>
-          <p:cNvPr id="19" name="TextBox 18"/>
-          <p:cNvSpPr txBox="1"/>
-          <p:nvPr/>
-        </p:nvSpPr>
-        <p:spPr>
-          <a:xfrm>
-            <a:off x="9739854" y="1353610"/>
-            <a:ext cx="1371599" cy="369332"/>
-          </a:xfrm>
-          <a:prstGeom prst="rect">
-            <a:avLst/>
-          </a:prstGeom>
-          <a:solidFill>
-            <a:schemeClr val="bg1"/>
-          </a:solidFill>
-        </p:spPr>
-        <p:txBody>
-          <a:bodyPr wrap="square" rtlCol="0">
-            <a:spAutoFit/>
-          </a:bodyPr>
-          <a:lstStyle/>
-          <a:p>
-            <a:r>
-              <a:rPr lang="en-SG" dirty="0" smtClean="0"/>
-              <a:t>Sustenance</a:t>
-            </a:r>
-            <a:endParaRPr lang="en-SG" dirty="0" smtClean="0"/>
-          </a:p>
-        </p:txBody>
-      </p:sp>
-      <p:sp>
-        <p:nvSpPr>
-          <p:cNvPr id="20" name="Rectangle 19"/>
-          <p:cNvSpPr/>
-          <p:nvPr/>
-        </p:nvSpPr>
-        <p:spPr>
-          <a:xfrm>
-            <a:off x="11000292" y="1776149"/>
-            <a:ext cx="817581" cy="408791"/>
-          </a:xfrm>
-          <a:prstGeom prst="rect">
-            <a:avLst/>
-          </a:prstGeom>
-          <a:noFill/>
-          <a:ln>
-            <a:solidFill>
-              <a:schemeClr val="tx1"/>
-            </a:solidFill>
-          </a:ln>
-        </p:spPr>
-        <p:style>
-          <a:lnRef idx="2">
-            <a:schemeClr val="accent1">
-              <a:shade val="50000"/>
-            </a:schemeClr>
-          </a:lnRef>
-          <a:fillRef idx="1">
-            <a:schemeClr val="accent1"/>
-          </a:fillRef>
-          <a:effectRef idx="0">
-            <a:schemeClr val="accent1"/>
-          </a:effectRef>
-          <a:fontRef idx="minor">
-            <a:schemeClr val="lt1"/>
-          </a:fontRef>
-        </p:style>
-        <p:txBody>
-          <a:bodyPr rtlCol="0" anchor="ctr"/>
-          <a:lstStyle/>
-          <a:p>
-            <a:pPr algn="r"/>
-            <a:r>
-              <a:rPr lang="en-SG" dirty="0" smtClean="0">
-                <a:solidFill>
-                  <a:schemeClr val="tx1"/>
-                </a:solidFill>
-              </a:rPr>
-              <a:t>40/40</a:t>
-            </a:r>
-            <a:endParaRPr lang="en-SG" dirty="0">
-              <a:solidFill>
-                <a:schemeClr val="tx1"/>
-              </a:solidFill>
-            </a:endParaRPr>
-          </a:p>
-        </p:txBody>
-      </p:sp>
-      <p:sp>
-        <p:nvSpPr>
-          <p:cNvPr id="21" name="TextBox 20"/>
-          <p:cNvSpPr txBox="1"/>
-          <p:nvPr/>
-        </p:nvSpPr>
-        <p:spPr>
-          <a:xfrm>
-            <a:off x="9630484" y="1786908"/>
-            <a:ext cx="1480969" cy="369332"/>
-          </a:xfrm>
-          <a:prstGeom prst="rect">
-            <a:avLst/>
-          </a:prstGeom>
-          <a:solidFill>
-            <a:schemeClr val="bg1"/>
-          </a:solidFill>
-        </p:spPr>
-        <p:txBody>
-          <a:bodyPr wrap="square" rtlCol="0">
-            <a:spAutoFit/>
-          </a:bodyPr>
-          <a:lstStyle/>
-          <a:p>
-            <a:pPr algn="r"/>
-            <a:r>
-              <a:rPr lang="en-SG" dirty="0" smtClean="0"/>
-              <a:t>Happiness  </a:t>
-            </a:r>
-            <a:r>
-              <a:rPr lang="en-SG" dirty="0" smtClean="0">
-                <a:solidFill>
-                  <a:schemeClr val="bg1"/>
-                </a:solidFill>
-              </a:rPr>
-              <a:t>.</a:t>
-            </a:r>
-            <a:r>
-              <a:rPr lang="en-SG" dirty="0" smtClean="0"/>
-              <a:t>   </a:t>
-            </a:r>
-            <a:endParaRPr lang="en-SG" dirty="0" smtClean="0"/>
-          </a:p>
-        </p:txBody>
-      </p:sp>
-      <p:sp>
-        <p:nvSpPr>
-          <p:cNvPr id="22" name="Rectangle 21"/>
-          <p:cNvSpPr/>
-          <p:nvPr/>
-        </p:nvSpPr>
-        <p:spPr>
-          <a:xfrm>
-            <a:off x="471247" y="1346231"/>
-            <a:ext cx="817581" cy="408791"/>
-          </a:xfrm>
-          <a:prstGeom prst="rect">
-            <a:avLst/>
-          </a:prstGeom>
-          <a:noFill/>
-          <a:ln>
-            <a:solidFill>
-              <a:schemeClr val="tx1"/>
-            </a:solidFill>
-          </a:ln>
-        </p:spPr>
-        <p:style>
-          <a:lnRef idx="2">
-            <a:schemeClr val="accent1">
-              <a:shade val="50000"/>
-            </a:schemeClr>
-          </a:lnRef>
-          <a:fillRef idx="1">
-            <a:schemeClr val="accent1"/>
-          </a:fillRef>
-          <a:effectRef idx="0">
-            <a:schemeClr val="accent1"/>
-          </a:effectRef>
-          <a:fontRef idx="minor">
-            <a:schemeClr val="lt1"/>
-          </a:fontRef>
-        </p:style>
-        <p:txBody>
-          <a:bodyPr rtlCol="0" anchor="ctr"/>
-          <a:lstStyle/>
-          <a:p>
-            <a:r>
-              <a:rPr lang="en-SG" dirty="0">
-                <a:solidFill>
-                  <a:schemeClr val="tx1"/>
-                </a:solidFill>
-              </a:rPr>
-              <a:t>2</a:t>
-            </a:r>
-            <a:r>
-              <a:rPr lang="en-SG" dirty="0" smtClean="0">
-                <a:solidFill>
-                  <a:schemeClr val="tx1"/>
-                </a:solidFill>
-              </a:rPr>
-              <a:t>0</a:t>
-            </a:r>
-            <a:endParaRPr lang="en-SG" dirty="0">
-              <a:solidFill>
-                <a:schemeClr val="tx1"/>
-              </a:solidFill>
-            </a:endParaRPr>
-          </a:p>
-        </p:txBody>
-      </p:sp>
-      <p:sp>
-        <p:nvSpPr>
-          <p:cNvPr id="23" name="TextBox 22"/>
-          <p:cNvSpPr txBox="1"/>
-          <p:nvPr/>
-        </p:nvSpPr>
-        <p:spPr>
-          <a:xfrm>
-            <a:off x="1084433" y="1365960"/>
-            <a:ext cx="1371599" cy="369332"/>
-          </a:xfrm>
-          <a:prstGeom prst="rect">
-            <a:avLst/>
-          </a:prstGeom>
-          <a:solidFill>
-            <a:schemeClr val="bg1"/>
-          </a:solidFill>
-        </p:spPr>
-        <p:txBody>
-          <a:bodyPr wrap="square" rtlCol="0">
-            <a:spAutoFit/>
-          </a:bodyPr>
-          <a:lstStyle/>
-          <a:p>
-            <a:r>
-              <a:rPr lang="en-SG" dirty="0" smtClean="0"/>
-              <a:t>Sustenance</a:t>
-            </a:r>
-            <a:endParaRPr lang="en-SG" dirty="0" smtClean="0"/>
-          </a:p>
-        </p:txBody>
-      </p:sp>
-      <p:sp>
-        <p:nvSpPr>
-          <p:cNvPr id="24" name="Rectangle 23"/>
-          <p:cNvSpPr/>
-          <p:nvPr/>
-        </p:nvSpPr>
-        <p:spPr>
-          <a:xfrm>
-            <a:off x="473040" y="1799849"/>
-            <a:ext cx="817581" cy="408791"/>
-          </a:xfrm>
-          <a:prstGeom prst="rect">
-            <a:avLst/>
-          </a:prstGeom>
-          <a:noFill/>
-          <a:ln>
-            <a:solidFill>
-              <a:schemeClr val="tx1"/>
-            </a:solidFill>
-          </a:ln>
-        </p:spPr>
-        <p:style>
-          <a:lnRef idx="2">
-            <a:schemeClr val="accent1">
-              <a:shade val="50000"/>
-            </a:schemeClr>
-          </a:lnRef>
-          <a:fillRef idx="1">
-            <a:schemeClr val="accent1"/>
-          </a:fillRef>
-          <a:effectRef idx="0">
-            <a:schemeClr val="accent1"/>
-          </a:effectRef>
-          <a:fontRef idx="minor">
-            <a:schemeClr val="lt1"/>
-          </a:fontRef>
-        </p:style>
-        <p:txBody>
-          <a:bodyPr rtlCol="0" anchor="ctr"/>
-          <a:lstStyle/>
-          <a:p>
-            <a:r>
-              <a:rPr lang="en-SG" dirty="0">
-                <a:solidFill>
-                  <a:schemeClr val="tx1"/>
-                </a:solidFill>
-              </a:rPr>
-              <a:t>2</a:t>
-            </a:r>
-            <a:r>
-              <a:rPr lang="en-SG" dirty="0" smtClean="0">
-                <a:solidFill>
-                  <a:schemeClr val="tx1"/>
-                </a:solidFill>
-              </a:rPr>
-              <a:t>0</a:t>
-            </a:r>
-            <a:endParaRPr lang="en-SG" dirty="0">
-              <a:solidFill>
-                <a:schemeClr val="tx1"/>
-              </a:solidFill>
-            </a:endParaRPr>
-          </a:p>
-        </p:txBody>
-      </p:sp>
-      <p:sp>
-        <p:nvSpPr>
-          <p:cNvPr id="25" name="TextBox 24"/>
-          <p:cNvSpPr txBox="1"/>
-          <p:nvPr/>
-        </p:nvSpPr>
-        <p:spPr>
-          <a:xfrm>
-            <a:off x="1084434" y="1819579"/>
-            <a:ext cx="1371599" cy="369332"/>
-          </a:xfrm>
-          <a:prstGeom prst="rect">
-            <a:avLst/>
-          </a:prstGeom>
-          <a:solidFill>
-            <a:schemeClr val="bg1"/>
-          </a:solidFill>
-        </p:spPr>
-        <p:txBody>
-          <a:bodyPr wrap="square" rtlCol="0">
-            <a:spAutoFit/>
-          </a:bodyPr>
-          <a:lstStyle/>
-          <a:p>
-            <a:r>
-              <a:rPr lang="en-SG" dirty="0" smtClean="0"/>
-              <a:t>Happiness</a:t>
-            </a:r>
-            <a:endParaRPr lang="en-SG" dirty="0" smtClean="0"/>
-          </a:p>
-        </p:txBody>
-      </p:sp>
-    </p:spTree>
-    <p:extLst>
-      <p:ext uri="{BB962C8B-B14F-4D97-AF65-F5344CB8AC3E}">
-        <p14:creationId xmlns:p14="http://schemas.microsoft.com/office/powerpoint/2010/main" val="3927321923"/>
-      </p:ext>
-    </p:extLst>
-  </p:cSld>
-  <p:clrMapOvr>
-    <a:masterClrMapping/>
-  </p:clrMapOvr>
-  <mc:AlternateContent xmlns:mc="http://schemas.openxmlformats.org/markup-compatibility/2006">
-    <mc:Choice xmlns:p14="http://schemas.microsoft.com/office/powerpoint/2010/main" Requires="p14">
-      <p:transition p14:dur="250" advClick="0">
-        <p:fade/>
-      </p:transition>
-    </mc:Choice>
-    <mc:Fallback>
-      <p:transition advClick="0">
-        <p:fade/>
-      </p:transition>
-    </mc:Fallback>
-  </mc:AlternateContent>
-  <p:timing>
-    <p:tnLst>
-      <p:par>
-        <p:cTn id="1" dur="indefinite" restart="never" nodeType="tmRoot"/>
-      </p:par>
-    </p:tnLst>
-  </p:timing>
-</p:sld>
-</file>
-
-<file path=ppt/slides/slide15.xml><?xml version="1.0" encoding="utf-8"?>
-<p:sld xmlns:a="http://schemas.openxmlformats.org/drawingml/2006/main" xmlns:r="http://schemas.openxmlformats.org/officeDocument/2006/relationships" xmlns:p="http://schemas.openxmlformats.org/presentationml/2006/main">
-  <p:cSld>
-    <p:spTree>
-      <p:nvGrpSpPr>
-        <p:cNvPr id="1" name=""/>
-        <p:cNvGrpSpPr/>
-        <p:nvPr/>
-      </p:nvGrpSpPr>
-      <p:grpSpPr>
-        <a:xfrm>
-          <a:off x="0" y="0"/>
-          <a:ext cx="0" cy="0"/>
-          <a:chOff x="0" y="0"/>
-          <a:chExt cx="0" cy="0"/>
-        </a:xfrm>
-      </p:grpSpPr>
-      <p:sp>
-        <p:nvSpPr>
-          <p:cNvPr id="4" name="TextBox 3"/>
-          <p:cNvSpPr txBox="1"/>
-          <p:nvPr/>
-        </p:nvSpPr>
-        <p:spPr>
-          <a:xfrm>
-            <a:off x="6806639" y="1960616"/>
-            <a:ext cx="3700630" cy="2542363"/>
-          </a:xfrm>
-          <a:prstGeom prst="rect">
-            <a:avLst/>
-          </a:prstGeom>
-          <a:noFill/>
-        </p:spPr>
-        <p:txBody>
-          <a:bodyPr wrap="square" rtlCol="0">
-            <a:spAutoFit/>
-          </a:bodyPr>
-          <a:lstStyle/>
-          <a:p>
-            <a:pPr algn="ctr">
-              <a:lnSpc>
-                <a:spcPct val="150000"/>
-              </a:lnSpc>
-            </a:pPr>
-            <a:r>
-              <a:rPr lang="en-SG" dirty="0"/>
-              <a:t>It’s my 18</a:t>
-            </a:r>
-            <a:r>
-              <a:rPr lang="en-SG" baseline="30000" dirty="0"/>
-              <a:t>th</a:t>
-            </a:r>
-            <a:r>
-              <a:rPr lang="en-SG" dirty="0"/>
-              <a:t> birthday.</a:t>
-            </a:r>
-          </a:p>
-          <a:p>
-            <a:pPr algn="ctr">
-              <a:lnSpc>
-                <a:spcPct val="150000"/>
-              </a:lnSpc>
-            </a:pPr>
-            <a:r>
-              <a:rPr lang="en-SG" dirty="0"/>
-              <a:t>Happy birthday, kid</a:t>
-            </a:r>
-          </a:p>
-          <a:p>
-            <a:pPr algn="ctr">
-              <a:lnSpc>
-                <a:spcPct val="150000"/>
-              </a:lnSpc>
-            </a:pPr>
-            <a:r>
-              <a:rPr lang="en-SG" dirty="0"/>
-              <a:t>You fall in love</a:t>
-            </a:r>
-          </a:p>
-          <a:p>
-            <a:pPr algn="ctr">
-              <a:lnSpc>
-                <a:spcPct val="150000"/>
-              </a:lnSpc>
-            </a:pPr>
-            <a:r>
-              <a:rPr lang="en-SG" dirty="0"/>
-              <a:t>You get married</a:t>
-            </a:r>
-          </a:p>
-          <a:p>
-            <a:pPr algn="ctr">
-              <a:lnSpc>
-                <a:spcPct val="150000"/>
-              </a:lnSpc>
-            </a:pPr>
-            <a:r>
-              <a:rPr lang="en-SG" dirty="0"/>
-              <a:t>You see a sleeping baby</a:t>
-            </a:r>
-          </a:p>
-          <a:p>
-            <a:pPr algn="ctr">
-              <a:lnSpc>
-                <a:spcPct val="150000"/>
-              </a:lnSpc>
-            </a:pPr>
-            <a:r>
-              <a:rPr lang="en-SG" dirty="0"/>
-              <a:t>You pat the baby</a:t>
-            </a:r>
-            <a:endParaRPr lang="en-SG" dirty="0"/>
-          </a:p>
-        </p:txBody>
-      </p:sp>
-      <p:sp>
-        <p:nvSpPr>
-          <p:cNvPr id="6" name="TextBox 5"/>
-          <p:cNvSpPr txBox="1"/>
-          <p:nvPr/>
-        </p:nvSpPr>
-        <p:spPr>
-          <a:xfrm>
-            <a:off x="7085330" y="4492819"/>
-            <a:ext cx="3143249" cy="369332"/>
-          </a:xfrm>
-          <a:prstGeom prst="rect">
-            <a:avLst/>
-          </a:prstGeom>
-          <a:noFill/>
-          <a:ln>
-            <a:solidFill>
-              <a:schemeClr val="tx1"/>
-            </a:solidFill>
-          </a:ln>
-        </p:spPr>
-        <p:txBody>
-          <a:bodyPr wrap="square" rtlCol="0">
-            <a:spAutoFit/>
-          </a:bodyPr>
-          <a:lstStyle/>
-          <a:p>
-            <a:pPr algn="ctr"/>
-            <a:endParaRPr lang="en-SG" dirty="0"/>
-          </a:p>
-        </p:txBody>
-      </p:sp>
-      <p:sp>
-        <p:nvSpPr>
-          <p:cNvPr id="13" name="TextBox 12"/>
-          <p:cNvSpPr txBox="1"/>
-          <p:nvPr/>
-        </p:nvSpPr>
-        <p:spPr>
-          <a:xfrm>
-            <a:off x="2684558" y="4502979"/>
-            <a:ext cx="3143249" cy="369332"/>
-          </a:xfrm>
-          <a:prstGeom prst="rect">
-            <a:avLst/>
-          </a:prstGeom>
-          <a:noFill/>
-          <a:ln>
-            <a:solidFill>
-              <a:schemeClr val="tx1"/>
-            </a:solidFill>
-          </a:ln>
-        </p:spPr>
-        <p:txBody>
-          <a:bodyPr wrap="square" rtlCol="0">
-            <a:spAutoFit/>
-          </a:bodyPr>
-          <a:lstStyle/>
-          <a:p>
-            <a:pPr algn="ctr"/>
-            <a:r>
-              <a:rPr lang="en-SG" dirty="0" smtClean="0"/>
-              <a:t>Start Crying</a:t>
-            </a:r>
-            <a:endParaRPr lang="en-SG" dirty="0"/>
-          </a:p>
-        </p:txBody>
-      </p:sp>
-      <p:sp>
-        <p:nvSpPr>
-          <p:cNvPr id="24" name="Rectangle 23"/>
-          <p:cNvSpPr/>
-          <p:nvPr/>
-        </p:nvSpPr>
-        <p:spPr>
-          <a:xfrm>
-            <a:off x="0" y="664831"/>
-            <a:ext cx="12192000" cy="3344415"/>
-          </a:xfrm>
-          <a:prstGeom prst="rect">
-            <a:avLst/>
-          </a:prstGeom>
-          <a:gradFill>
-            <a:gsLst>
-              <a:gs pos="77000">
-                <a:schemeClr val="bg1">
-                  <a:alpha val="0"/>
-                </a:schemeClr>
-              </a:gs>
-              <a:gs pos="37000">
-                <a:schemeClr val="bg1"/>
-              </a:gs>
-            </a:gsLst>
-            <a:lin ang="5400000" scaled="1"/>
-          </a:gradFill>
-          <a:ln>
-            <a:noFill/>
-          </a:ln>
-        </p:spPr>
-        <p:style>
-          <a:lnRef idx="2">
-            <a:schemeClr val="accent1">
-              <a:shade val="50000"/>
-            </a:schemeClr>
-          </a:lnRef>
-          <a:fillRef idx="1">
-            <a:schemeClr val="accent1"/>
-          </a:fillRef>
-          <a:effectRef idx="0">
-            <a:schemeClr val="accent1"/>
-          </a:effectRef>
-          <a:fontRef idx="minor">
-            <a:schemeClr val="lt1"/>
-          </a:fontRef>
-        </p:style>
-        <p:txBody>
-          <a:bodyPr rtlCol="0" anchor="ctr"/>
-          <a:lstStyle/>
-          <a:p>
-            <a:pPr algn="ctr"/>
-            <a:endParaRPr lang="en-SG"/>
-          </a:p>
-        </p:txBody>
-      </p:sp>
-      <p:sp>
-        <p:nvSpPr>
-          <p:cNvPr id="14" name="Rectangle 13"/>
-          <p:cNvSpPr/>
-          <p:nvPr/>
-        </p:nvSpPr>
-        <p:spPr>
-          <a:xfrm>
-            <a:off x="471247" y="1346231"/>
-            <a:ext cx="817581" cy="408791"/>
-          </a:xfrm>
-          <a:prstGeom prst="rect">
-            <a:avLst/>
-          </a:prstGeom>
-          <a:noFill/>
-          <a:ln>
-            <a:solidFill>
-              <a:schemeClr val="tx1"/>
-            </a:solidFill>
-          </a:ln>
-        </p:spPr>
-        <p:style>
-          <a:lnRef idx="2">
-            <a:schemeClr val="accent1">
-              <a:shade val="50000"/>
-            </a:schemeClr>
-          </a:lnRef>
-          <a:fillRef idx="1">
-            <a:schemeClr val="accent1"/>
-          </a:fillRef>
-          <a:effectRef idx="0">
-            <a:schemeClr val="accent1"/>
-          </a:effectRef>
-          <a:fontRef idx="minor">
-            <a:schemeClr val="lt1"/>
-          </a:fontRef>
-        </p:style>
-        <p:txBody>
-          <a:bodyPr rtlCol="0" anchor="ctr"/>
-          <a:lstStyle/>
-          <a:p>
-            <a:r>
-              <a:rPr lang="en-SG" dirty="0">
-                <a:solidFill>
-                  <a:schemeClr val="tx1"/>
-                </a:solidFill>
-              </a:rPr>
-              <a:t>2</a:t>
-            </a:r>
-            <a:r>
-              <a:rPr lang="en-SG" dirty="0" smtClean="0">
-                <a:solidFill>
-                  <a:schemeClr val="tx1"/>
-                </a:solidFill>
-              </a:rPr>
-              <a:t>0</a:t>
-            </a:r>
-            <a:endParaRPr lang="en-SG" dirty="0">
-              <a:solidFill>
-                <a:schemeClr val="tx1"/>
-              </a:solidFill>
-            </a:endParaRPr>
-          </a:p>
-        </p:txBody>
-      </p:sp>
-      <p:sp>
-        <p:nvSpPr>
-          <p:cNvPr id="15" name="TextBox 14"/>
-          <p:cNvSpPr txBox="1"/>
-          <p:nvPr/>
-        </p:nvSpPr>
-        <p:spPr>
-          <a:xfrm>
-            <a:off x="1084433" y="1365960"/>
-            <a:ext cx="1371599" cy="369332"/>
-          </a:xfrm>
-          <a:prstGeom prst="rect">
-            <a:avLst/>
-          </a:prstGeom>
-          <a:solidFill>
-            <a:schemeClr val="bg1"/>
-          </a:solidFill>
-        </p:spPr>
-        <p:txBody>
-          <a:bodyPr wrap="square" rtlCol="0">
-            <a:spAutoFit/>
-          </a:bodyPr>
-          <a:lstStyle/>
-          <a:p>
-            <a:r>
-              <a:rPr lang="en-SG" dirty="0" smtClean="0"/>
-              <a:t>Sustenance</a:t>
-            </a:r>
-            <a:endParaRPr lang="en-SG" dirty="0" smtClean="0"/>
-          </a:p>
-        </p:txBody>
-      </p:sp>
-      <p:sp>
-        <p:nvSpPr>
-          <p:cNvPr id="16" name="Rectangle 15"/>
-          <p:cNvSpPr/>
-          <p:nvPr/>
-        </p:nvSpPr>
-        <p:spPr>
-          <a:xfrm>
-            <a:off x="473040" y="1799849"/>
-            <a:ext cx="817581" cy="408791"/>
-          </a:xfrm>
-          <a:prstGeom prst="rect">
-            <a:avLst/>
-          </a:prstGeom>
-          <a:noFill/>
-          <a:ln>
-            <a:solidFill>
-              <a:schemeClr val="tx1"/>
-            </a:solidFill>
-          </a:ln>
-        </p:spPr>
-        <p:style>
-          <a:lnRef idx="2">
-            <a:schemeClr val="accent1">
-              <a:shade val="50000"/>
-            </a:schemeClr>
-          </a:lnRef>
-          <a:fillRef idx="1">
-            <a:schemeClr val="accent1"/>
-          </a:fillRef>
-          <a:effectRef idx="0">
-            <a:schemeClr val="accent1"/>
-          </a:effectRef>
-          <a:fontRef idx="minor">
-            <a:schemeClr val="lt1"/>
-          </a:fontRef>
-        </p:style>
-        <p:txBody>
-          <a:bodyPr rtlCol="0" anchor="ctr"/>
-          <a:lstStyle/>
-          <a:p>
-            <a:r>
-              <a:rPr lang="en-SG" dirty="0">
-                <a:solidFill>
-                  <a:schemeClr val="tx1"/>
-                </a:solidFill>
-              </a:rPr>
-              <a:t>2</a:t>
-            </a:r>
-            <a:r>
-              <a:rPr lang="en-SG" dirty="0" smtClean="0">
-                <a:solidFill>
-                  <a:schemeClr val="tx1"/>
-                </a:solidFill>
-              </a:rPr>
-              <a:t>0</a:t>
-            </a:r>
-            <a:endParaRPr lang="en-SG" dirty="0">
-              <a:solidFill>
-                <a:schemeClr val="tx1"/>
-              </a:solidFill>
-            </a:endParaRPr>
-          </a:p>
-        </p:txBody>
-      </p:sp>
-      <p:sp>
-        <p:nvSpPr>
-          <p:cNvPr id="17" name="TextBox 16"/>
-          <p:cNvSpPr txBox="1"/>
-          <p:nvPr/>
-        </p:nvSpPr>
-        <p:spPr>
-          <a:xfrm>
-            <a:off x="1084434" y="1819579"/>
-            <a:ext cx="1371599" cy="369332"/>
-          </a:xfrm>
-          <a:prstGeom prst="rect">
-            <a:avLst/>
-          </a:prstGeom>
-          <a:solidFill>
-            <a:schemeClr val="bg1"/>
-          </a:solidFill>
-        </p:spPr>
-        <p:txBody>
-          <a:bodyPr wrap="square" rtlCol="0">
-            <a:spAutoFit/>
-          </a:bodyPr>
-          <a:lstStyle/>
-          <a:p>
-            <a:r>
-              <a:rPr lang="en-SG" dirty="0" smtClean="0"/>
-              <a:t>Happiness</a:t>
-            </a:r>
-            <a:endParaRPr lang="en-SG" dirty="0" smtClean="0"/>
-          </a:p>
-        </p:txBody>
-      </p:sp>
-      <p:sp>
-        <p:nvSpPr>
-          <p:cNvPr id="18" name="TextBox 17"/>
-          <p:cNvSpPr txBox="1"/>
-          <p:nvPr/>
-        </p:nvSpPr>
-        <p:spPr>
-          <a:xfrm>
-            <a:off x="2405867" y="3614991"/>
-            <a:ext cx="3700630" cy="880369"/>
-          </a:xfrm>
-          <a:prstGeom prst="rect">
-            <a:avLst/>
-          </a:prstGeom>
-          <a:noFill/>
-        </p:spPr>
-        <p:txBody>
-          <a:bodyPr wrap="square" rtlCol="0">
-            <a:spAutoFit/>
-          </a:bodyPr>
-          <a:lstStyle/>
-          <a:p>
-            <a:pPr algn="ctr">
-              <a:lnSpc>
-                <a:spcPct val="150000"/>
-              </a:lnSpc>
-            </a:pPr>
-            <a:r>
-              <a:rPr lang="en-SG" dirty="0"/>
-              <a:t>Open my eyes</a:t>
-            </a:r>
-          </a:p>
-          <a:p>
-            <a:pPr algn="ctr">
-              <a:lnSpc>
-                <a:spcPct val="150000"/>
-              </a:lnSpc>
-            </a:pPr>
-            <a:r>
-              <a:rPr lang="en-SG" dirty="0"/>
-              <a:t>I feel a hit on the </a:t>
-            </a:r>
-            <a:r>
-              <a:rPr lang="en-SG" dirty="0"/>
-              <a:t>head</a:t>
-            </a:r>
-            <a:endParaRPr lang="en-SG" dirty="0"/>
-          </a:p>
-        </p:txBody>
-      </p:sp>
-      <p:sp>
-        <p:nvSpPr>
-          <p:cNvPr id="19" name="Rectangle 18"/>
-          <p:cNvSpPr/>
-          <p:nvPr/>
-        </p:nvSpPr>
-        <p:spPr>
-          <a:xfrm>
-            <a:off x="10998499" y="1322531"/>
-            <a:ext cx="817581" cy="408791"/>
-          </a:xfrm>
-          <a:prstGeom prst="rect">
-            <a:avLst/>
-          </a:prstGeom>
-          <a:noFill/>
-          <a:ln>
-            <a:solidFill>
-              <a:schemeClr val="tx1"/>
-            </a:solidFill>
-          </a:ln>
-        </p:spPr>
-        <p:style>
-          <a:lnRef idx="2">
-            <a:schemeClr val="accent1">
-              <a:shade val="50000"/>
-            </a:schemeClr>
-          </a:lnRef>
-          <a:fillRef idx="1">
-            <a:schemeClr val="accent1"/>
-          </a:fillRef>
-          <a:effectRef idx="0">
-            <a:schemeClr val="accent1"/>
-          </a:effectRef>
-          <a:fontRef idx="minor">
-            <a:schemeClr val="lt1"/>
-          </a:fontRef>
-        </p:style>
-        <p:txBody>
-          <a:bodyPr rtlCol="0" anchor="ctr"/>
-          <a:lstStyle/>
-          <a:p>
-            <a:pPr algn="r"/>
-            <a:r>
-              <a:rPr lang="en-SG" dirty="0" smtClean="0">
-                <a:solidFill>
-                  <a:schemeClr val="tx1"/>
-                </a:solidFill>
-              </a:rPr>
-              <a:t>40/40</a:t>
-            </a:r>
-            <a:endParaRPr lang="en-SG" dirty="0">
-              <a:solidFill>
-                <a:schemeClr val="tx1"/>
-              </a:solidFill>
-            </a:endParaRPr>
-          </a:p>
-        </p:txBody>
-      </p:sp>
-      <p:sp>
-        <p:nvSpPr>
-          <p:cNvPr id="20" name="TextBox 19"/>
-          <p:cNvSpPr txBox="1"/>
-          <p:nvPr/>
-        </p:nvSpPr>
-        <p:spPr>
-          <a:xfrm>
-            <a:off x="9739854" y="1353610"/>
-            <a:ext cx="1371599" cy="369332"/>
-          </a:xfrm>
-          <a:prstGeom prst="rect">
-            <a:avLst/>
-          </a:prstGeom>
-          <a:solidFill>
-            <a:schemeClr val="bg1"/>
-          </a:solidFill>
-        </p:spPr>
-        <p:txBody>
-          <a:bodyPr wrap="square" rtlCol="0">
-            <a:spAutoFit/>
-          </a:bodyPr>
-          <a:lstStyle/>
-          <a:p>
-            <a:r>
-              <a:rPr lang="en-SG" dirty="0" smtClean="0"/>
-              <a:t>Sustenance</a:t>
-            </a:r>
-            <a:endParaRPr lang="en-SG" dirty="0" smtClean="0"/>
-          </a:p>
-        </p:txBody>
-      </p:sp>
-      <p:sp>
-        <p:nvSpPr>
-          <p:cNvPr id="21" name="Rectangle 20"/>
-          <p:cNvSpPr/>
-          <p:nvPr/>
-        </p:nvSpPr>
-        <p:spPr>
-          <a:xfrm>
-            <a:off x="11000292" y="1776149"/>
-            <a:ext cx="817581" cy="408791"/>
-          </a:xfrm>
-          <a:prstGeom prst="rect">
-            <a:avLst/>
-          </a:prstGeom>
-          <a:noFill/>
-          <a:ln>
-            <a:solidFill>
-              <a:schemeClr val="tx1"/>
-            </a:solidFill>
-          </a:ln>
-        </p:spPr>
-        <p:style>
-          <a:lnRef idx="2">
-            <a:schemeClr val="accent1">
-              <a:shade val="50000"/>
-            </a:schemeClr>
-          </a:lnRef>
-          <a:fillRef idx="1">
-            <a:schemeClr val="accent1"/>
-          </a:fillRef>
-          <a:effectRef idx="0">
-            <a:schemeClr val="accent1"/>
-          </a:effectRef>
-          <a:fontRef idx="minor">
-            <a:schemeClr val="lt1"/>
-          </a:fontRef>
-        </p:style>
-        <p:txBody>
-          <a:bodyPr rtlCol="0" anchor="ctr"/>
-          <a:lstStyle/>
-          <a:p>
-            <a:pPr algn="r"/>
-            <a:r>
-              <a:rPr lang="en-SG" dirty="0" smtClean="0">
-                <a:solidFill>
-                  <a:schemeClr val="tx1"/>
-                </a:solidFill>
-              </a:rPr>
-              <a:t>40/40</a:t>
-            </a:r>
-            <a:endParaRPr lang="en-SG" dirty="0">
-              <a:solidFill>
-                <a:schemeClr val="tx1"/>
-              </a:solidFill>
-            </a:endParaRPr>
-          </a:p>
-        </p:txBody>
-      </p:sp>
-      <p:sp>
-        <p:nvSpPr>
-          <p:cNvPr id="22" name="TextBox 21"/>
-          <p:cNvSpPr txBox="1"/>
-          <p:nvPr/>
-        </p:nvSpPr>
-        <p:spPr>
-          <a:xfrm>
-            <a:off x="9630484" y="1786908"/>
-            <a:ext cx="1480969" cy="369332"/>
-          </a:xfrm>
-          <a:prstGeom prst="rect">
-            <a:avLst/>
-          </a:prstGeom>
-          <a:solidFill>
-            <a:schemeClr val="bg1"/>
-          </a:solidFill>
-        </p:spPr>
-        <p:txBody>
-          <a:bodyPr wrap="square" rtlCol="0">
-            <a:spAutoFit/>
-          </a:bodyPr>
-          <a:lstStyle/>
-          <a:p>
-            <a:pPr algn="r"/>
-            <a:r>
-              <a:rPr lang="en-SG" dirty="0" smtClean="0"/>
-              <a:t>Happiness  </a:t>
-            </a:r>
-            <a:r>
-              <a:rPr lang="en-SG" dirty="0" smtClean="0">
-                <a:solidFill>
-                  <a:schemeClr val="bg1"/>
-                </a:solidFill>
-              </a:rPr>
-              <a:t>.</a:t>
-            </a:r>
-            <a:r>
-              <a:rPr lang="en-SG" dirty="0" smtClean="0"/>
-              <a:t>   </a:t>
-            </a:r>
-            <a:endParaRPr lang="en-SG" dirty="0" smtClean="0"/>
-          </a:p>
-        </p:txBody>
-      </p:sp>
-    </p:spTree>
-    <p:extLst>
-      <p:ext uri="{BB962C8B-B14F-4D97-AF65-F5344CB8AC3E}">
-        <p14:creationId xmlns:p14="http://schemas.microsoft.com/office/powerpoint/2010/main" val="1483348881"/>
-      </p:ext>
-    </p:extLst>
-  </p:cSld>
-  <p:clrMapOvr>
-    <a:masterClrMapping/>
-  </p:clrMapOvr>
-  <mc:AlternateContent xmlns:mc="http://schemas.openxmlformats.org/markup-compatibility/2006">
-    <mc:Choice xmlns:p14="http://schemas.microsoft.com/office/powerpoint/2010/main" Requires="p14">
-      <p:transition p14:dur="250" advClick="0">
-        <p:fade/>
-      </p:transition>
-    </mc:Choice>
-    <mc:Fallback>
-      <p:transition advClick="0">
-        <p:fade/>
-      </p:transition>
-    </mc:Fallback>
-  </mc:AlternateContent>
-  <p:timing>
-    <p:tnLst>
-      <p:par>
-        <p:cTn id="1" dur="indefinite" restart="never" nodeType="tmRoot"/>
-      </p:par>
-    </p:tnLst>
-  </p:timing>
-</p:sld>
-</file>
-
-<file path=ppt/slides/slide16.xml><?xml version="1.0" encoding="utf-8"?>
-<p:sld xmlns:a="http://schemas.openxmlformats.org/drawingml/2006/main" xmlns:r="http://schemas.openxmlformats.org/officeDocument/2006/relationships" xmlns:p="http://schemas.openxmlformats.org/presentationml/2006/main">
-  <p:cSld>
-    <p:spTree>
-      <p:nvGrpSpPr>
-        <p:cNvPr id="1" name=""/>
-        <p:cNvGrpSpPr/>
-        <p:nvPr/>
-      </p:nvGrpSpPr>
-      <p:grpSpPr>
-        <a:xfrm>
-          <a:off x="0" y="0"/>
-          <a:ext cx="0" cy="0"/>
-          <a:chOff x="0" y="0"/>
-          <a:chExt cx="0" cy="0"/>
-        </a:xfrm>
-      </p:grpSpPr>
-      <p:sp>
-        <p:nvSpPr>
-          <p:cNvPr id="18" name="TextBox 17"/>
-          <p:cNvSpPr txBox="1"/>
-          <p:nvPr/>
-        </p:nvSpPr>
-        <p:spPr>
-          <a:xfrm>
-            <a:off x="2405867" y="3204750"/>
-            <a:ext cx="3700630" cy="1295868"/>
-          </a:xfrm>
-          <a:prstGeom prst="rect">
-            <a:avLst/>
-          </a:prstGeom>
-          <a:noFill/>
-        </p:spPr>
-        <p:txBody>
-          <a:bodyPr wrap="square" rtlCol="0">
-            <a:spAutoFit/>
-          </a:bodyPr>
-          <a:lstStyle/>
-          <a:p>
-            <a:pPr algn="ctr">
-              <a:lnSpc>
-                <a:spcPct val="150000"/>
-              </a:lnSpc>
-            </a:pPr>
-            <a:r>
-              <a:rPr lang="en-SG" dirty="0"/>
-              <a:t>Open my eyes</a:t>
-            </a:r>
-          </a:p>
-          <a:p>
-            <a:pPr algn="ctr">
-              <a:lnSpc>
-                <a:spcPct val="150000"/>
-              </a:lnSpc>
-            </a:pPr>
-            <a:r>
-              <a:rPr lang="en-SG" dirty="0"/>
-              <a:t>I feel a hit on the head</a:t>
-            </a:r>
-          </a:p>
-          <a:p>
-            <a:pPr algn="ctr">
-              <a:lnSpc>
-                <a:spcPct val="150000"/>
-              </a:lnSpc>
-            </a:pPr>
-            <a:r>
-              <a:rPr lang="en-SG" dirty="0"/>
-              <a:t>I start crying in pain</a:t>
-            </a:r>
-          </a:p>
-        </p:txBody>
-      </p:sp>
-      <p:sp>
-        <p:nvSpPr>
-          <p:cNvPr id="4" name="TextBox 3"/>
-          <p:cNvSpPr txBox="1"/>
-          <p:nvPr/>
-        </p:nvSpPr>
-        <p:spPr>
-          <a:xfrm>
-            <a:off x="6806639" y="1517956"/>
-            <a:ext cx="3700630" cy="3000821"/>
-          </a:xfrm>
-          <a:prstGeom prst="rect">
-            <a:avLst/>
-          </a:prstGeom>
-          <a:noFill/>
-        </p:spPr>
-        <p:txBody>
-          <a:bodyPr wrap="square" rtlCol="0">
-            <a:spAutoFit/>
-          </a:bodyPr>
-          <a:lstStyle/>
-          <a:p>
-            <a:pPr algn="ctr">
-              <a:lnSpc>
-                <a:spcPct val="150000"/>
-              </a:lnSpc>
-            </a:pPr>
-            <a:r>
-              <a:rPr lang="en-SG" dirty="0"/>
-              <a:t>It’s my 18</a:t>
-            </a:r>
-            <a:r>
-              <a:rPr lang="en-SG" baseline="30000" dirty="0"/>
-              <a:t>th</a:t>
-            </a:r>
-            <a:r>
-              <a:rPr lang="en-SG" dirty="0"/>
-              <a:t> birthday.</a:t>
-            </a:r>
-          </a:p>
-          <a:p>
-            <a:pPr algn="ctr">
-              <a:lnSpc>
-                <a:spcPct val="150000"/>
-              </a:lnSpc>
-            </a:pPr>
-            <a:r>
-              <a:rPr lang="en-SG" dirty="0"/>
-              <a:t>Happy birthday, kid</a:t>
-            </a:r>
-          </a:p>
-          <a:p>
-            <a:pPr algn="ctr">
-              <a:lnSpc>
-                <a:spcPct val="150000"/>
-              </a:lnSpc>
-            </a:pPr>
-            <a:r>
-              <a:rPr lang="en-SG" dirty="0"/>
-              <a:t>You fall in love</a:t>
-            </a:r>
-          </a:p>
-          <a:p>
-            <a:pPr algn="ctr">
-              <a:lnSpc>
-                <a:spcPct val="150000"/>
-              </a:lnSpc>
-            </a:pPr>
-            <a:r>
-              <a:rPr lang="en-SG" dirty="0"/>
-              <a:t>You get married</a:t>
-            </a:r>
-          </a:p>
-          <a:p>
-            <a:pPr algn="ctr">
-              <a:lnSpc>
-                <a:spcPct val="150000"/>
-              </a:lnSpc>
-            </a:pPr>
-            <a:r>
-              <a:rPr lang="en-SG" dirty="0"/>
-              <a:t>You see a sleeping baby</a:t>
-            </a:r>
-          </a:p>
-          <a:p>
-            <a:pPr algn="ctr">
-              <a:lnSpc>
-                <a:spcPct val="150000"/>
-              </a:lnSpc>
-            </a:pPr>
-            <a:r>
-              <a:rPr lang="en-SG" dirty="0"/>
-              <a:t>You pat the </a:t>
-            </a:r>
-            <a:r>
-              <a:rPr lang="en-SG" dirty="0" smtClean="0"/>
-              <a:t>baby</a:t>
-            </a:r>
-          </a:p>
-          <a:p>
-            <a:pPr algn="ctr">
-              <a:lnSpc>
-                <a:spcPct val="150000"/>
-              </a:lnSpc>
-            </a:pPr>
-            <a:r>
-              <a:rPr lang="en-SG" dirty="0" smtClean="0"/>
-              <a:t>You look at the baby</a:t>
-            </a:r>
-            <a:endParaRPr lang="en-SG" dirty="0"/>
-          </a:p>
-        </p:txBody>
-      </p:sp>
-      <p:sp>
-        <p:nvSpPr>
-          <p:cNvPr id="6" name="TextBox 5"/>
-          <p:cNvSpPr txBox="1"/>
-          <p:nvPr/>
-        </p:nvSpPr>
-        <p:spPr>
-          <a:xfrm>
-            <a:off x="7085330" y="4492819"/>
-            <a:ext cx="3143249" cy="369332"/>
-          </a:xfrm>
-          <a:prstGeom prst="rect">
-            <a:avLst/>
-          </a:prstGeom>
-          <a:noFill/>
-          <a:ln>
-            <a:solidFill>
-              <a:schemeClr val="tx1"/>
-            </a:solidFill>
-          </a:ln>
-        </p:spPr>
-        <p:txBody>
-          <a:bodyPr wrap="square" rtlCol="0">
-            <a:spAutoFit/>
-          </a:bodyPr>
-          <a:lstStyle/>
-          <a:p>
-            <a:pPr algn="ctr"/>
-            <a:endParaRPr lang="en-SG" dirty="0"/>
-          </a:p>
-        </p:txBody>
-      </p:sp>
-      <p:sp>
-        <p:nvSpPr>
-          <p:cNvPr id="13" name="TextBox 12"/>
-          <p:cNvSpPr txBox="1"/>
-          <p:nvPr/>
-        </p:nvSpPr>
-        <p:spPr>
-          <a:xfrm>
-            <a:off x="2684558" y="4502979"/>
-            <a:ext cx="3143249" cy="369332"/>
-          </a:xfrm>
-          <a:prstGeom prst="rect">
-            <a:avLst/>
-          </a:prstGeom>
-          <a:noFill/>
-          <a:ln>
-            <a:solidFill>
-              <a:schemeClr val="tx1"/>
-            </a:solidFill>
-          </a:ln>
-        </p:spPr>
-        <p:txBody>
-          <a:bodyPr wrap="square" rtlCol="0">
-            <a:spAutoFit/>
-          </a:bodyPr>
-          <a:lstStyle/>
-          <a:p>
-            <a:pPr algn="ctr"/>
-            <a:r>
-              <a:rPr lang="en-SG" dirty="0"/>
-              <a:t>Continue crying</a:t>
-            </a:r>
-            <a:endParaRPr lang="en-SG" dirty="0"/>
-          </a:p>
-        </p:txBody>
-      </p:sp>
-      <p:sp>
-        <p:nvSpPr>
-          <p:cNvPr id="23" name="Rectangle 22"/>
-          <p:cNvSpPr/>
-          <p:nvPr/>
-        </p:nvSpPr>
-        <p:spPr>
-          <a:xfrm>
-            <a:off x="0" y="664831"/>
-            <a:ext cx="12192000" cy="3344415"/>
-          </a:xfrm>
-          <a:prstGeom prst="rect">
-            <a:avLst/>
-          </a:prstGeom>
-          <a:gradFill>
-            <a:gsLst>
-              <a:gs pos="77000">
-                <a:schemeClr val="bg1">
-                  <a:alpha val="0"/>
-                </a:schemeClr>
-              </a:gs>
-              <a:gs pos="37000">
-                <a:schemeClr val="bg1"/>
-              </a:gs>
-            </a:gsLst>
-            <a:lin ang="5400000" scaled="1"/>
-          </a:gradFill>
-          <a:ln>
-            <a:noFill/>
-          </a:ln>
-        </p:spPr>
-        <p:style>
-          <a:lnRef idx="2">
-            <a:schemeClr val="accent1">
-              <a:shade val="50000"/>
-            </a:schemeClr>
-          </a:lnRef>
-          <a:fillRef idx="1">
-            <a:schemeClr val="accent1"/>
-          </a:fillRef>
-          <a:effectRef idx="0">
-            <a:schemeClr val="accent1"/>
-          </a:effectRef>
-          <a:fontRef idx="minor">
-            <a:schemeClr val="lt1"/>
-          </a:fontRef>
-        </p:style>
-        <p:txBody>
-          <a:bodyPr rtlCol="0" anchor="ctr"/>
-          <a:lstStyle/>
-          <a:p>
-            <a:pPr algn="ctr"/>
-            <a:endParaRPr lang="en-SG"/>
-          </a:p>
-        </p:txBody>
-      </p:sp>
-      <p:sp>
-        <p:nvSpPr>
-          <p:cNvPr id="14" name="Rectangle 13"/>
-          <p:cNvSpPr/>
-          <p:nvPr/>
-        </p:nvSpPr>
-        <p:spPr>
-          <a:xfrm>
-            <a:off x="471247" y="1346231"/>
-            <a:ext cx="817581" cy="408791"/>
-          </a:xfrm>
-          <a:prstGeom prst="rect">
-            <a:avLst/>
-          </a:prstGeom>
-          <a:noFill/>
-          <a:ln>
-            <a:solidFill>
-              <a:schemeClr val="tx1"/>
-            </a:solidFill>
-          </a:ln>
-        </p:spPr>
-        <p:style>
-          <a:lnRef idx="2">
-            <a:schemeClr val="accent1">
-              <a:shade val="50000"/>
-            </a:schemeClr>
-          </a:lnRef>
-          <a:fillRef idx="1">
-            <a:schemeClr val="accent1"/>
-          </a:fillRef>
-          <a:effectRef idx="0">
-            <a:schemeClr val="accent1"/>
-          </a:effectRef>
-          <a:fontRef idx="minor">
-            <a:schemeClr val="lt1"/>
-          </a:fontRef>
-        </p:style>
-        <p:txBody>
-          <a:bodyPr rtlCol="0" anchor="ctr"/>
-          <a:lstStyle/>
-          <a:p>
-            <a:r>
-              <a:rPr lang="en-SG" dirty="0">
-                <a:solidFill>
-                  <a:schemeClr val="tx1"/>
-                </a:solidFill>
-              </a:rPr>
-              <a:t>2</a:t>
-            </a:r>
-            <a:r>
-              <a:rPr lang="en-SG" dirty="0" smtClean="0">
-                <a:solidFill>
-                  <a:schemeClr val="tx1"/>
-                </a:solidFill>
-              </a:rPr>
-              <a:t>0</a:t>
-            </a:r>
-            <a:endParaRPr lang="en-SG" dirty="0">
-              <a:solidFill>
-                <a:schemeClr val="tx1"/>
-              </a:solidFill>
-            </a:endParaRPr>
-          </a:p>
-        </p:txBody>
-      </p:sp>
-      <p:sp>
-        <p:nvSpPr>
-          <p:cNvPr id="15" name="TextBox 14"/>
-          <p:cNvSpPr txBox="1"/>
-          <p:nvPr/>
-        </p:nvSpPr>
-        <p:spPr>
-          <a:xfrm>
-            <a:off x="1084433" y="1365960"/>
-            <a:ext cx="1371599" cy="369332"/>
-          </a:xfrm>
-          <a:prstGeom prst="rect">
-            <a:avLst/>
-          </a:prstGeom>
-          <a:solidFill>
-            <a:schemeClr val="bg1"/>
-          </a:solidFill>
-        </p:spPr>
-        <p:txBody>
-          <a:bodyPr wrap="square" rtlCol="0">
-            <a:spAutoFit/>
-          </a:bodyPr>
-          <a:lstStyle/>
-          <a:p>
-            <a:r>
-              <a:rPr lang="en-SG" dirty="0" smtClean="0"/>
-              <a:t>Sustenance</a:t>
-            </a:r>
-            <a:endParaRPr lang="en-SG" dirty="0" smtClean="0"/>
-          </a:p>
-        </p:txBody>
-      </p:sp>
-      <p:sp>
-        <p:nvSpPr>
-          <p:cNvPr id="16" name="Rectangle 15"/>
-          <p:cNvSpPr/>
-          <p:nvPr/>
-        </p:nvSpPr>
-        <p:spPr>
-          <a:xfrm>
-            <a:off x="473040" y="1799849"/>
-            <a:ext cx="817581" cy="408791"/>
-          </a:xfrm>
-          <a:prstGeom prst="rect">
-            <a:avLst/>
-          </a:prstGeom>
-          <a:noFill/>
-          <a:ln>
-            <a:solidFill>
-              <a:schemeClr val="tx1"/>
-            </a:solidFill>
-          </a:ln>
-        </p:spPr>
-        <p:style>
-          <a:lnRef idx="2">
-            <a:schemeClr val="accent1">
-              <a:shade val="50000"/>
-            </a:schemeClr>
-          </a:lnRef>
-          <a:fillRef idx="1">
-            <a:schemeClr val="accent1"/>
-          </a:fillRef>
-          <a:effectRef idx="0">
-            <a:schemeClr val="accent1"/>
-          </a:effectRef>
-          <a:fontRef idx="minor">
-            <a:schemeClr val="lt1"/>
-          </a:fontRef>
-        </p:style>
-        <p:txBody>
-          <a:bodyPr rtlCol="0" anchor="ctr"/>
-          <a:lstStyle/>
-          <a:p>
-            <a:r>
-              <a:rPr lang="en-SG" dirty="0" smtClean="0">
-                <a:solidFill>
-                  <a:schemeClr val="tx1"/>
-                </a:solidFill>
-              </a:rPr>
-              <a:t>1</a:t>
-            </a:r>
-            <a:r>
-              <a:rPr lang="en-SG" dirty="0" smtClean="0">
-                <a:solidFill>
-                  <a:schemeClr val="tx1"/>
-                </a:solidFill>
-              </a:rPr>
-              <a:t>0</a:t>
-            </a:r>
-            <a:endParaRPr lang="en-SG" dirty="0">
-              <a:solidFill>
-                <a:schemeClr val="tx1"/>
-              </a:solidFill>
-            </a:endParaRPr>
-          </a:p>
-        </p:txBody>
-      </p:sp>
-      <p:sp>
-        <p:nvSpPr>
-          <p:cNvPr id="17" name="TextBox 16"/>
-          <p:cNvSpPr txBox="1"/>
-          <p:nvPr/>
-        </p:nvSpPr>
-        <p:spPr>
-          <a:xfrm>
-            <a:off x="1084434" y="1819579"/>
-            <a:ext cx="1371599" cy="369332"/>
-          </a:xfrm>
-          <a:prstGeom prst="rect">
-            <a:avLst/>
-          </a:prstGeom>
-          <a:solidFill>
-            <a:schemeClr val="bg1"/>
-          </a:solidFill>
-        </p:spPr>
-        <p:txBody>
-          <a:bodyPr wrap="square" rtlCol="0">
-            <a:spAutoFit/>
-          </a:bodyPr>
-          <a:lstStyle/>
-          <a:p>
-            <a:r>
-              <a:rPr lang="en-SG" dirty="0" smtClean="0"/>
-              <a:t>Happiness</a:t>
-            </a:r>
-            <a:endParaRPr lang="en-SG" dirty="0" smtClean="0"/>
-          </a:p>
-        </p:txBody>
-      </p:sp>
-      <p:sp>
-        <p:nvSpPr>
-          <p:cNvPr id="19" name="Rectangle 18"/>
-          <p:cNvSpPr/>
-          <p:nvPr/>
-        </p:nvSpPr>
-        <p:spPr>
-          <a:xfrm>
-            <a:off x="10998499" y="1322531"/>
-            <a:ext cx="817581" cy="408791"/>
-          </a:xfrm>
-          <a:prstGeom prst="rect">
-            <a:avLst/>
-          </a:prstGeom>
-          <a:noFill/>
-          <a:ln>
-            <a:solidFill>
-              <a:schemeClr val="tx1"/>
-            </a:solidFill>
-          </a:ln>
-        </p:spPr>
-        <p:style>
-          <a:lnRef idx="2">
-            <a:schemeClr val="accent1">
-              <a:shade val="50000"/>
-            </a:schemeClr>
-          </a:lnRef>
-          <a:fillRef idx="1">
-            <a:schemeClr val="accent1"/>
-          </a:fillRef>
-          <a:effectRef idx="0">
-            <a:schemeClr val="accent1"/>
-          </a:effectRef>
-          <a:fontRef idx="minor">
-            <a:schemeClr val="lt1"/>
-          </a:fontRef>
-        </p:style>
-        <p:txBody>
-          <a:bodyPr rtlCol="0" anchor="ctr"/>
-          <a:lstStyle/>
-          <a:p>
-            <a:pPr algn="r"/>
-            <a:r>
-              <a:rPr lang="en-SG" dirty="0" smtClean="0">
-                <a:solidFill>
-                  <a:schemeClr val="tx1"/>
-                </a:solidFill>
-              </a:rPr>
-              <a:t>40/40</a:t>
-            </a:r>
-            <a:endParaRPr lang="en-SG" dirty="0">
-              <a:solidFill>
-                <a:schemeClr val="tx1"/>
-              </a:solidFill>
-            </a:endParaRPr>
-          </a:p>
-        </p:txBody>
-      </p:sp>
-      <p:sp>
-        <p:nvSpPr>
-          <p:cNvPr id="20" name="TextBox 19"/>
-          <p:cNvSpPr txBox="1"/>
-          <p:nvPr/>
-        </p:nvSpPr>
-        <p:spPr>
-          <a:xfrm>
-            <a:off x="9739854" y="1353610"/>
-            <a:ext cx="1371599" cy="369332"/>
-          </a:xfrm>
-          <a:prstGeom prst="rect">
-            <a:avLst/>
-          </a:prstGeom>
-          <a:solidFill>
-            <a:schemeClr val="bg1"/>
-          </a:solidFill>
-        </p:spPr>
-        <p:txBody>
-          <a:bodyPr wrap="square" rtlCol="0">
-            <a:spAutoFit/>
-          </a:bodyPr>
-          <a:lstStyle/>
-          <a:p>
-            <a:r>
-              <a:rPr lang="en-SG" dirty="0" smtClean="0"/>
-              <a:t>Sustenance</a:t>
-            </a:r>
-            <a:endParaRPr lang="en-SG" dirty="0" smtClean="0"/>
-          </a:p>
-        </p:txBody>
-      </p:sp>
-      <p:sp>
-        <p:nvSpPr>
-          <p:cNvPr id="21" name="Rectangle 20"/>
-          <p:cNvSpPr/>
-          <p:nvPr/>
-        </p:nvSpPr>
-        <p:spPr>
-          <a:xfrm>
-            <a:off x="11000292" y="1776149"/>
-            <a:ext cx="817581" cy="408791"/>
-          </a:xfrm>
-          <a:prstGeom prst="rect">
-            <a:avLst/>
-          </a:prstGeom>
-          <a:noFill/>
-          <a:ln>
-            <a:solidFill>
-              <a:schemeClr val="tx1"/>
-            </a:solidFill>
-          </a:ln>
-        </p:spPr>
-        <p:style>
-          <a:lnRef idx="2">
-            <a:schemeClr val="accent1">
-              <a:shade val="50000"/>
-            </a:schemeClr>
-          </a:lnRef>
-          <a:fillRef idx="1">
-            <a:schemeClr val="accent1"/>
-          </a:fillRef>
-          <a:effectRef idx="0">
-            <a:schemeClr val="accent1"/>
-          </a:effectRef>
-          <a:fontRef idx="minor">
-            <a:schemeClr val="lt1"/>
-          </a:fontRef>
-        </p:style>
-        <p:txBody>
-          <a:bodyPr rtlCol="0" anchor="ctr"/>
-          <a:lstStyle/>
-          <a:p>
-            <a:pPr algn="r"/>
-            <a:r>
-              <a:rPr lang="en-SG" dirty="0" smtClean="0">
-                <a:solidFill>
-                  <a:schemeClr val="tx1"/>
-                </a:solidFill>
-              </a:rPr>
-              <a:t>40/40</a:t>
-            </a:r>
-            <a:endParaRPr lang="en-SG" dirty="0">
-              <a:solidFill>
-                <a:schemeClr val="tx1"/>
-              </a:solidFill>
-            </a:endParaRPr>
-          </a:p>
-        </p:txBody>
-      </p:sp>
-      <p:sp>
-        <p:nvSpPr>
-          <p:cNvPr id="22" name="TextBox 21"/>
-          <p:cNvSpPr txBox="1"/>
-          <p:nvPr/>
-        </p:nvSpPr>
-        <p:spPr>
-          <a:xfrm>
-            <a:off x="9630484" y="1786908"/>
-            <a:ext cx="1480969" cy="369332"/>
-          </a:xfrm>
-          <a:prstGeom prst="rect">
-            <a:avLst/>
-          </a:prstGeom>
-          <a:solidFill>
-            <a:schemeClr val="bg1"/>
-          </a:solidFill>
-        </p:spPr>
-        <p:txBody>
-          <a:bodyPr wrap="square" rtlCol="0">
-            <a:spAutoFit/>
-          </a:bodyPr>
-          <a:lstStyle/>
-          <a:p>
-            <a:pPr algn="r"/>
-            <a:r>
-              <a:rPr lang="en-SG" dirty="0" smtClean="0"/>
-              <a:t>Happiness  </a:t>
-            </a:r>
-            <a:r>
-              <a:rPr lang="en-SG" dirty="0" smtClean="0">
-                <a:solidFill>
-                  <a:schemeClr val="bg1"/>
-                </a:solidFill>
-              </a:rPr>
-              <a:t>.</a:t>
-            </a:r>
-            <a:r>
-              <a:rPr lang="en-SG" dirty="0" smtClean="0"/>
-              <a:t>   </a:t>
-            </a:r>
-            <a:endParaRPr lang="en-SG" dirty="0" smtClean="0"/>
-          </a:p>
-        </p:txBody>
-      </p:sp>
-    </p:spTree>
-    <p:extLst>
-      <p:ext uri="{BB962C8B-B14F-4D97-AF65-F5344CB8AC3E}">
-        <p14:creationId xmlns:p14="http://schemas.microsoft.com/office/powerpoint/2010/main" val="2783739789"/>
-      </p:ext>
-    </p:extLst>
-  </p:cSld>
-  <p:clrMapOvr>
-    <a:masterClrMapping/>
-  </p:clrMapOvr>
-  <mc:AlternateContent xmlns:mc="http://schemas.openxmlformats.org/markup-compatibility/2006">
-    <mc:Choice xmlns:p14="http://schemas.microsoft.com/office/powerpoint/2010/main" Requires="p14">
-      <p:transition p14:dur="250" advClick="0">
-        <p:fade/>
-      </p:transition>
-    </mc:Choice>
-    <mc:Fallback>
-      <p:transition advClick="0">
-        <p:fade/>
-      </p:transition>
-    </mc:Fallback>
-  </mc:AlternateContent>
-  <p:timing>
-    <p:tnLst>
-      <p:par>
-        <p:cTn id="1" dur="indefinite" restart="never" nodeType="tmRoot"/>
-      </p:par>
-    </p:tnLst>
-  </p:timing>
-</p:sld>
-</file>
-
-<file path=ppt/slides/slide17.xml><?xml version="1.0" encoding="utf-8"?>
-<p:sld xmlns:a="http://schemas.openxmlformats.org/drawingml/2006/main" xmlns:r="http://schemas.openxmlformats.org/officeDocument/2006/relationships" xmlns:p="http://schemas.openxmlformats.org/presentationml/2006/main">
-  <p:cSld>
-    <p:spTree>
-      <p:nvGrpSpPr>
-        <p:cNvPr id="1" name=""/>
-        <p:cNvGrpSpPr/>
-        <p:nvPr/>
-      </p:nvGrpSpPr>
-      <p:grpSpPr>
-        <a:xfrm>
-          <a:off x="0" y="0"/>
-          <a:ext cx="0" cy="0"/>
-          <a:chOff x="0" y="0"/>
-          <a:chExt cx="0" cy="0"/>
-        </a:xfrm>
-      </p:grpSpPr>
-      <p:sp>
-        <p:nvSpPr>
-          <p:cNvPr id="2" name="Title 1"/>
-          <p:cNvSpPr>
-            <a:spLocks noGrp="1"/>
-          </p:cNvSpPr>
-          <p:nvPr>
-            <p:ph type="ctrTitle"/>
-          </p:nvPr>
-        </p:nvSpPr>
-        <p:spPr/>
-        <p:txBody>
-          <a:bodyPr/>
-          <a:lstStyle/>
-          <a:p>
-            <a:r>
-              <a:rPr lang="en-SG" smtClean="0"/>
-              <a:t>End</a:t>
-            </a:r>
-            <a:endParaRPr lang="en-SG" dirty="0"/>
-          </a:p>
-        </p:txBody>
-      </p:sp>
-      <p:sp>
-        <p:nvSpPr>
-          <p:cNvPr id="3" name="Subtitle 2"/>
-          <p:cNvSpPr>
-            <a:spLocks noGrp="1"/>
-          </p:cNvSpPr>
-          <p:nvPr>
-            <p:ph type="subTitle" idx="1"/>
-          </p:nvPr>
-        </p:nvSpPr>
-        <p:spPr/>
-        <p:txBody>
-          <a:bodyPr/>
-          <a:lstStyle/>
-          <a:p>
-            <a:endParaRPr lang="en-SG"/>
-          </a:p>
-        </p:txBody>
-      </p:sp>
-    </p:spTree>
-    <p:extLst>
-      <p:ext uri="{BB962C8B-B14F-4D97-AF65-F5344CB8AC3E}">
-        <p14:creationId xmlns:p14="http://schemas.microsoft.com/office/powerpoint/2010/main" val="2122075092"/>
-      </p:ext>
-    </p:extLst>
-  </p:cSld>
-  <p:clrMapOvr>
-    <a:masterClrMapping/>
-  </p:clrMapOvr>
 </p:sld>
 </file>
 
@@ -6741,8 +4104,8 @@
         </p:nvSpPr>
         <p:spPr>
           <a:xfrm>
-            <a:off x="4356848" y="2727064"/>
-            <a:ext cx="3700630" cy="369332"/>
+            <a:off x="4356848" y="2280621"/>
+            <a:ext cx="3700630" cy="880369"/>
           </a:xfrm>
           <a:prstGeom prst="rect">
             <a:avLst/>
@@ -6755,10 +4118,25 @@
           </a:bodyPr>
           <a:lstStyle/>
           <a:p>
-            <a:pPr algn="ctr"/>
+            <a:pPr algn="ctr">
+              <a:lnSpc>
+                <a:spcPct val="150000"/>
+              </a:lnSpc>
+            </a:pPr>
             <a:r>
               <a:rPr lang="en-SG" dirty="0" smtClean="0"/>
               <a:t>I’m hungry</a:t>
+            </a:r>
+          </a:p>
+          <a:p>
+            <a:pPr algn="ctr">
+              <a:lnSpc>
+                <a:spcPct val="150000"/>
+              </a:lnSpc>
+            </a:pPr>
+            <a:r>
+              <a:rPr lang="en-SG" dirty="0" smtClean="0"/>
+              <a:t>Dad says there’s no food left.</a:t>
             </a:r>
             <a:endParaRPr lang="en-SG" dirty="0"/>
           </a:p>
@@ -6792,10 +4170,6 @@
           <a:lstStyle/>
           <a:p>
             <a:pPr algn="ctr"/>
-            <a:r>
-              <a:rPr lang="en-SG" dirty="0" smtClean="0"/>
-              <a:t>Ask my dad for food</a:t>
-            </a:r>
             <a:endParaRPr lang="en-SG" dirty="0"/>
           </a:p>
         </p:txBody>
@@ -6803,7 +4177,7 @@
     </p:spTree>
     <p:extLst>
       <p:ext uri="{BB962C8B-B14F-4D97-AF65-F5344CB8AC3E}">
-        <p14:creationId xmlns:p14="http://schemas.microsoft.com/office/powerpoint/2010/main" val="1117831536"/>
+        <p14:creationId xmlns:p14="http://schemas.microsoft.com/office/powerpoint/2010/main" val="1030151453"/>
       </p:ext>
     </p:extLst>
   </p:cSld>
@@ -6812,12 +4186,12 @@
   </p:clrMapOvr>
   <mc:AlternateContent xmlns:mc="http://schemas.openxmlformats.org/markup-compatibility/2006">
     <mc:Choice xmlns:p14="http://schemas.microsoft.com/office/powerpoint/2010/main" Requires="p14">
-      <p:transition p14:dur="250">
-        <p:fade/>
+      <p:transition spd="slow" p14:dur="1300">
+        <p14:pan dir="u"/>
       </p:transition>
     </mc:Choice>
     <mc:Fallback>
-      <p:transition>
+      <p:transition spd="slow">
         <p:fade/>
       </p:transition>
     </mc:Fallback>
@@ -6857,8 +4231,8 @@
         </p:nvSpPr>
         <p:spPr>
           <a:xfrm>
-            <a:off x="4356848" y="2280621"/>
-            <a:ext cx="3700630" cy="880369"/>
+            <a:off x="4356848" y="1877209"/>
+            <a:ext cx="3700630" cy="1338828"/>
           </a:xfrm>
           <a:prstGeom prst="rect">
             <a:avLst/>
@@ -6890,6 +4264,17 @@
             <a:r>
               <a:rPr lang="en-SG" dirty="0" smtClean="0"/>
               <a:t>Dad says there’s no food left.</a:t>
+            </a:r>
+          </a:p>
+          <a:p>
+            <a:pPr algn="ctr">
+              <a:lnSpc>
+                <a:spcPct val="150000"/>
+              </a:lnSpc>
+            </a:pPr>
+            <a:r>
+              <a:rPr lang="en-SG" dirty="0" smtClean="0"/>
+              <a:t>I’m thirsty</a:t>
             </a:r>
             <a:endParaRPr lang="en-SG" dirty="0"/>
           </a:p>
@@ -6923,39 +4308,33 @@
           <a:lstStyle/>
           <a:p>
             <a:pPr algn="ctr"/>
+            <a:r>
+              <a:rPr lang="en-SG" dirty="0" smtClean="0"/>
+              <a:t>Ask dad for water</a:t>
+            </a:r>
             <a:endParaRPr lang="en-SG" dirty="0"/>
           </a:p>
         </p:txBody>
       </p:sp>
       <p:sp>
         <p:nvSpPr>
-          <p:cNvPr id="2" name="Rectangle 1"/>
+          <p:cNvPr id="5" name="Rectangle 4"/>
           <p:cNvSpPr/>
           <p:nvPr/>
         </p:nvSpPr>
         <p:spPr>
           <a:xfrm>
-            <a:off x="0" y="0"/>
-            <a:ext cx="12192000" cy="3160990"/>
+            <a:off x="9515139" y="801444"/>
+            <a:ext cx="817581" cy="408791"/>
           </a:xfrm>
           <a:prstGeom prst="rect">
             <a:avLst/>
           </a:prstGeom>
-          <a:gradFill>
-            <a:gsLst>
-              <a:gs pos="99000">
-                <a:schemeClr val="bg1">
-                  <a:alpha val="0"/>
-                </a:schemeClr>
-              </a:gs>
-              <a:gs pos="15000">
-                <a:schemeClr val="bg1"/>
-              </a:gs>
-            </a:gsLst>
-            <a:lin ang="5400000" scaled="1"/>
-          </a:gradFill>
+          <a:noFill/>
           <a:ln>
-            <a:noFill/>
+            <a:solidFill>
+              <a:schemeClr val="tx1"/>
+            </a:solidFill>
           </a:ln>
         </p:spPr>
         <p:style>
@@ -6978,15 +4357,58 @@
           <a:bodyPr rtlCol="0" anchor="ctr"/>
           <a:lstStyle/>
           <a:p>
-            <a:pPr algn="ctr"/>
-            <a:endParaRPr lang="en-SG"/>
+            <a:pPr algn="r"/>
+            <a:r>
+              <a:rPr lang="en-SG" dirty="0" smtClean="0">
+                <a:solidFill>
+                  <a:schemeClr val="tx1"/>
+                </a:solidFill>
+              </a:rPr>
+              <a:t>60</a:t>
+            </a:r>
+            <a:endParaRPr lang="en-SG" dirty="0">
+              <a:solidFill>
+                <a:schemeClr val="tx1"/>
+              </a:solidFill>
+            </a:endParaRPr>
+          </a:p>
+        </p:txBody>
+      </p:sp>
+      <p:sp>
+        <p:nvSpPr>
+          <p:cNvPr id="7" name="TextBox 6"/>
+          <p:cNvSpPr txBox="1"/>
+          <p:nvPr/>
+        </p:nvSpPr>
+        <p:spPr>
+          <a:xfrm>
+            <a:off x="8347934" y="812203"/>
+            <a:ext cx="1371599" cy="369332"/>
+          </a:xfrm>
+          <a:prstGeom prst="rect">
+            <a:avLst/>
+          </a:prstGeom>
+          <a:solidFill>
+            <a:schemeClr val="bg1"/>
+          </a:solidFill>
+        </p:spPr>
+        <p:txBody>
+          <a:bodyPr wrap="square" rtlCol="0">
+            <a:spAutoFit/>
+          </a:bodyPr>
+          <a:lstStyle/>
+          <a:p>
+            <a:r>
+              <a:rPr lang="en-SG" dirty="0" smtClean="0"/>
+              <a:t>Sustenance:</a:t>
+            </a:r>
           </a:p>
         </p:txBody>
       </p:sp>
     </p:spTree>
     <p:extLst>
       <p:ext uri="{BB962C8B-B14F-4D97-AF65-F5344CB8AC3E}">
-        <p14:creationId xmlns:p14="http://schemas.microsoft.com/office/powerpoint/2010/main" val="1030151453"/>
+        <p14:creationId xmlns:p14="http://schemas.microsoft.com/office/powerpoint/2010/main" val="2613195204"/>
       </p:ext>
     </p:extLst>
   </p:cSld>
@@ -6995,12 +4417,12 @@
   </p:clrMapOvr>
   <mc:AlternateContent xmlns:mc="http://schemas.openxmlformats.org/markup-compatibility/2006">
     <mc:Choice xmlns:p14="http://schemas.microsoft.com/office/powerpoint/2010/main" Requires="p14">
-      <p:transition p14:dur="250">
-        <p:fade/>
+      <p:transition spd="slow" p14:dur="1300">
+        <p14:pan dir="u"/>
       </p:transition>
     </mc:Choice>
     <mc:Fallback>
-      <p:transition>
+      <p:transition spd="slow">
         <p:fade/>
       </p:transition>
     </mc:Fallback>
@@ -7040,8 +4462,8 @@
         </p:nvSpPr>
         <p:spPr>
           <a:xfrm>
-            <a:off x="4356848" y="1877209"/>
-            <a:ext cx="3700630" cy="1338828"/>
+            <a:off x="4356848" y="1452283"/>
+            <a:ext cx="3700630" cy="1754326"/>
           </a:xfrm>
           <a:prstGeom prst="rect">
             <a:avLst/>
@@ -7084,6 +4506,17 @@
             <a:r>
               <a:rPr lang="en-SG" dirty="0" smtClean="0"/>
               <a:t>I’m thirsty</a:t>
+            </a:r>
+          </a:p>
+          <a:p>
+            <a:pPr algn="ctr">
+              <a:lnSpc>
+                <a:spcPct val="150000"/>
+              </a:lnSpc>
+            </a:pPr>
+            <a:r>
+              <a:rPr lang="en-SG" dirty="0" smtClean="0"/>
+              <a:t>Dad says get it yourself</a:t>
             </a:r>
             <a:endParaRPr lang="en-SG" dirty="0"/>
           </a:p>
@@ -7117,43 +4550,29 @@
           <a:lstStyle/>
           <a:p>
             <a:pPr algn="ctr"/>
-            <a:r>
-              <a:rPr lang="en-SG" dirty="0" smtClean="0"/>
-              <a:t>Ask dad for water</a:t>
-            </a:r>
             <a:endParaRPr lang="en-SG" dirty="0"/>
           </a:p>
         </p:txBody>
       </p:sp>
       <p:sp>
         <p:nvSpPr>
-          <p:cNvPr id="9" name="Rectangle 8"/>
+          <p:cNvPr id="5" name="Rectangle 4"/>
           <p:cNvSpPr/>
           <p:nvPr/>
         </p:nvSpPr>
         <p:spPr>
           <a:xfrm>
-            <a:off x="0" y="0"/>
-            <a:ext cx="12192000" cy="3160990"/>
+            <a:off x="9515139" y="801444"/>
+            <a:ext cx="817581" cy="408791"/>
           </a:xfrm>
           <a:prstGeom prst="rect">
             <a:avLst/>
           </a:prstGeom>
-          <a:gradFill>
-            <a:gsLst>
-              <a:gs pos="99000">
-                <a:schemeClr val="bg1">
-                  <a:alpha val="0"/>
-                </a:schemeClr>
-              </a:gs>
-              <a:gs pos="15000">
-                <a:schemeClr val="bg1"/>
-              </a:gs>
-            </a:gsLst>
-            <a:lin ang="5400000" scaled="1"/>
-          </a:gradFill>
+          <a:noFill/>
           <a:ln>
-            <a:noFill/>
+            <a:solidFill>
+              <a:schemeClr val="tx1"/>
+            </a:solidFill>
           </a:ln>
         </p:spPr>
         <p:style>
@@ -7176,52 +4595,6 @@
           <a:bodyPr rtlCol="0" anchor="ctr"/>
           <a:lstStyle/>
           <a:p>
-            <a:pPr algn="ctr"/>
-            <a:endParaRPr lang="en-SG"/>
-          </a:p>
-        </p:txBody>
-      </p:sp>
-      <p:sp>
-        <p:nvSpPr>
-          <p:cNvPr id="5" name="Rectangle 4"/>
-          <p:cNvSpPr/>
-          <p:nvPr/>
-        </p:nvSpPr>
-        <p:spPr>
-          <a:xfrm>
-            <a:off x="9515139" y="801444"/>
-            <a:ext cx="817581" cy="408791"/>
-          </a:xfrm>
-          <a:prstGeom prst="rect">
-            <a:avLst/>
-          </a:prstGeom>
-          <a:noFill/>
-          <a:ln>
-            <a:solidFill>
-              <a:schemeClr val="tx1"/>
-            </a:solidFill>
-          </a:ln>
-        </p:spPr>
-        <p:style>
-          <a:lnRef idx="2">
-            <a:schemeClr val="accent1">
-              <a:shade val="50000"/>
-            </a:schemeClr>
-          </a:lnRef>
-          <a:fillRef idx="1">
-            <a:schemeClr val="accent1"/>
-          </a:fillRef>
-          <a:effectRef idx="0">
-            <a:schemeClr val="accent1"/>
-          </a:effectRef>
-          <a:fontRef idx="minor">
-            <a:schemeClr val="lt1"/>
-          </a:fontRef>
-        </p:style>
-        <p:txBody>
-          <a:bodyPr rtlCol="0" anchor="ctr"/>
-          <a:lstStyle/>
-          <a:p>
             <a:pPr algn="r"/>
             <a:r>
               <a:rPr lang="en-SG" dirty="0" smtClean="0">
@@ -7229,7 +4602,7 @@
                   <a:schemeClr val="tx1"/>
                 </a:solidFill>
               </a:rPr>
-              <a:t>60</a:t>
+              <a:t>55</a:t>
             </a:r>
             <a:endParaRPr lang="en-SG" dirty="0">
               <a:solidFill>
@@ -7265,16 +4638,15 @@
           <a:p>
             <a:r>
               <a:rPr lang="en-SG" dirty="0" smtClean="0"/>
-              <a:t>Sustenance</a:t>
-            </a:r>
-            <a:endParaRPr lang="en-SG" dirty="0" smtClean="0"/>
+              <a:t>Sustenance:</a:t>
+            </a:r>
           </a:p>
         </p:txBody>
       </p:sp>
     </p:spTree>
     <p:extLst>
       <p:ext uri="{BB962C8B-B14F-4D97-AF65-F5344CB8AC3E}">
-        <p14:creationId xmlns:p14="http://schemas.microsoft.com/office/powerpoint/2010/main" val="2613195204"/>
+        <p14:creationId xmlns:p14="http://schemas.microsoft.com/office/powerpoint/2010/main" val="4015532790"/>
       </p:ext>
     </p:extLst>
   </p:cSld>
@@ -7283,12 +4655,12 @@
   </p:clrMapOvr>
   <mc:AlternateContent xmlns:mc="http://schemas.openxmlformats.org/markup-compatibility/2006">
     <mc:Choice xmlns:p14="http://schemas.microsoft.com/office/powerpoint/2010/main" Requires="p14">
-      <p:transition p14:dur="250">
-        <p:fade/>
+      <p:transition spd="slow" p14:dur="1300">
+        <p14:pan dir="u"/>
       </p:transition>
     </mc:Choice>
     <mc:Fallback>
-      <p:transition>
+      <p:transition spd="slow">
         <p:fade/>
       </p:transition>
     </mc:Fallback>
@@ -7328,8 +4700,8 @@
         </p:nvSpPr>
         <p:spPr>
           <a:xfrm>
-            <a:off x="4356848" y="1452283"/>
-            <a:ext cx="3700630" cy="1754326"/>
+            <a:off x="4356848" y="1070387"/>
+            <a:ext cx="3700630" cy="2169825"/>
           </a:xfrm>
           <a:prstGeom prst="rect">
             <a:avLst/>
@@ -7384,19 +4756,32 @@
               <a:rPr lang="en-SG" dirty="0" smtClean="0"/>
               <a:t>Dad says get it yourself</a:t>
             </a:r>
+          </a:p>
+          <a:p>
+            <a:pPr algn="ctr">
+              <a:lnSpc>
+                <a:spcPct val="150000"/>
+              </a:lnSpc>
+            </a:pPr>
+            <a:r>
+              <a:rPr lang="en-SG" dirty="0" smtClean="0"/>
+              <a:t>I’m cold</a:t>
+            </a:r>
             <a:endParaRPr lang="en-SG" dirty="0"/>
           </a:p>
         </p:txBody>
       </p:sp>
       <p:sp>
         <p:nvSpPr>
-          <p:cNvPr id="6" name="TextBox 5"/>
+          <p:cNvPr id="6" name="TextBox 5">
+            <a:hlinkClick r:id="rId2" action="ppaction://hlinksldjump"/>
+          </p:cNvPr>
           <p:cNvSpPr txBox="1"/>
           <p:nvPr/>
         </p:nvSpPr>
         <p:spPr>
           <a:xfrm>
-            <a:off x="4824805" y="3241623"/>
+            <a:off x="4824805" y="3240212"/>
             <a:ext cx="2764716" cy="369332"/>
           </a:xfrm>
           <a:prstGeom prst="rect">
@@ -7416,39 +4801,71 @@
           <a:lstStyle/>
           <a:p>
             <a:pPr algn="ctr"/>
+            <a:r>
+              <a:rPr lang="en-SG" dirty="0" smtClean="0"/>
+              <a:t>Ask dad for a hug</a:t>
+            </a:r>
             <a:endParaRPr lang="en-SG" dirty="0"/>
           </a:p>
         </p:txBody>
       </p:sp>
       <p:sp>
         <p:nvSpPr>
-          <p:cNvPr id="8" name="Rectangle 7"/>
-          <p:cNvSpPr/>
+          <p:cNvPr id="5" name="TextBox 4">
+            <a:hlinkClick r:id="rId3" action="ppaction://hlinksldjump"/>
+          </p:cNvPr>
+          <p:cNvSpPr txBox="1"/>
           <p:nvPr/>
         </p:nvSpPr>
         <p:spPr>
           <a:xfrm>
-            <a:off x="0" y="0"/>
-            <a:ext cx="12192000" cy="3160990"/>
+            <a:off x="4826594" y="3785265"/>
+            <a:ext cx="2764716" cy="369332"/>
           </a:xfrm>
           <a:prstGeom prst="rect">
             <a:avLst/>
           </a:prstGeom>
-          <a:gradFill>
-            <a:gsLst>
-              <a:gs pos="99000">
-                <a:schemeClr val="bg1">
-                  <a:alpha val="0"/>
-                </a:schemeClr>
-              </a:gs>
-              <a:gs pos="15000">
-                <a:schemeClr val="bg1"/>
-              </a:gs>
-            </a:gsLst>
-            <a:lin ang="5400000" scaled="1"/>
-          </a:gradFill>
+          <a:noFill/>
           <a:ln>
-            <a:noFill/>
+            <a:solidFill>
+              <a:schemeClr val="tx1"/>
+            </a:solidFill>
+          </a:ln>
+        </p:spPr>
+        <p:txBody>
+          <a:bodyPr wrap="square" rtlCol="0">
+            <a:spAutoFit/>
+          </a:bodyPr>
+          <a:lstStyle/>
+          <a:p>
+            <a:pPr algn="ctr"/>
+            <a:r>
+              <a:rPr lang="en-SG" dirty="0" smtClean="0"/>
+              <a:t>Keep quiet</a:t>
+            </a:r>
+            <a:endParaRPr lang="en-SG" dirty="0"/>
+          </a:p>
+        </p:txBody>
+      </p:sp>
+      <p:sp>
+        <p:nvSpPr>
+          <p:cNvPr id="7" name="Rectangle 6"/>
+          <p:cNvSpPr/>
+          <p:nvPr/>
+        </p:nvSpPr>
+        <p:spPr>
+          <a:xfrm>
+            <a:off x="9515139" y="801444"/>
+            <a:ext cx="817581" cy="408791"/>
+          </a:xfrm>
+          <a:prstGeom prst="rect">
+            <a:avLst/>
+          </a:prstGeom>
+          <a:noFill/>
+          <a:ln>
+            <a:solidFill>
+              <a:schemeClr val="tx1"/>
+            </a:solidFill>
           </a:ln>
         </p:spPr>
         <p:style>
@@ -7471,20 +4888,63 @@
           <a:bodyPr rtlCol="0" anchor="ctr"/>
           <a:lstStyle/>
           <a:p>
-            <a:pPr algn="ctr"/>
-            <a:endParaRPr lang="en-SG"/>
-          </a:p>
-        </p:txBody>
-      </p:sp>
-      <p:sp>
-        <p:nvSpPr>
-          <p:cNvPr id="5" name="Rectangle 4"/>
+            <a:pPr algn="r"/>
+            <a:r>
+              <a:rPr lang="en-SG" dirty="0" smtClean="0">
+                <a:solidFill>
+                  <a:schemeClr val="tx1"/>
+                </a:solidFill>
+              </a:rPr>
+              <a:t>55</a:t>
+            </a:r>
+            <a:endParaRPr lang="en-SG" dirty="0">
+              <a:solidFill>
+                <a:schemeClr val="tx1"/>
+              </a:solidFill>
+            </a:endParaRPr>
+          </a:p>
+        </p:txBody>
+      </p:sp>
+      <p:sp>
+        <p:nvSpPr>
+          <p:cNvPr id="8" name="TextBox 7"/>
+          <p:cNvSpPr txBox="1"/>
+          <p:nvPr/>
+        </p:nvSpPr>
+        <p:spPr>
+          <a:xfrm>
+            <a:off x="8347934" y="812203"/>
+            <a:ext cx="1371599" cy="369332"/>
+          </a:xfrm>
+          <a:prstGeom prst="rect">
+            <a:avLst/>
+          </a:prstGeom>
+          <a:solidFill>
+            <a:schemeClr val="bg1"/>
+          </a:solidFill>
+        </p:spPr>
+        <p:txBody>
+          <a:bodyPr wrap="square" rtlCol="0">
+            <a:spAutoFit/>
+          </a:bodyPr>
+          <a:lstStyle/>
+          <a:p>
+            <a:r>
+              <a:rPr lang="en-SG" dirty="0" smtClean="0"/>
+              <a:t>Sustenance:</a:t>
+            </a:r>
+          </a:p>
+        </p:txBody>
+      </p:sp>
+      <p:sp>
+        <p:nvSpPr>
+          <p:cNvPr id="9" name="Rectangle 8"/>
           <p:cNvSpPr/>
           <p:nvPr/>
         </p:nvSpPr>
         <p:spPr>
           <a:xfrm>
-            <a:off x="9515139" y="801444"/>
+            <a:off x="9516932" y="1255062"/>
             <a:ext cx="817581" cy="408791"/>
           </a:xfrm>
           <a:prstGeom prst="rect">
@@ -7536,13 +4996,13 @@
       </p:sp>
       <p:sp>
         <p:nvSpPr>
-          <p:cNvPr id="7" name="TextBox 6"/>
+          <p:cNvPr id="10" name="TextBox 9"/>
           <p:cNvSpPr txBox="1"/>
           <p:nvPr/>
         </p:nvSpPr>
         <p:spPr>
           <a:xfrm>
-            <a:off x="8347934" y="812203"/>
+            <a:off x="8269044" y="1265821"/>
             <a:ext cx="1371599" cy="369332"/>
           </a:xfrm>
           <a:prstGeom prst="rect">
@@ -7558,18 +5018,18 @@
           </a:bodyPr>
           <a:lstStyle/>
           <a:p>
-            <a:r>
-              <a:rPr lang="en-SG" dirty="0" smtClean="0"/>
-              <a:t>Sustenance</a:t>
-            </a:r>
-            <a:endParaRPr lang="en-SG" dirty="0" smtClean="0"/>
+            <a:pPr algn="r"/>
+            <a:r>
+              <a:rPr lang="en-SG" dirty="0" smtClean="0"/>
+              <a:t>Happiness:</a:t>
+            </a:r>
           </a:p>
         </p:txBody>
       </p:sp>
     </p:spTree>
     <p:extLst>
       <p:ext uri="{BB962C8B-B14F-4D97-AF65-F5344CB8AC3E}">
-        <p14:creationId xmlns:p14="http://schemas.microsoft.com/office/powerpoint/2010/main" val="4015532790"/>
+        <p14:creationId xmlns:p14="http://schemas.microsoft.com/office/powerpoint/2010/main" val="2342867531"/>
       </p:ext>
     </p:extLst>
   </p:cSld>
@@ -7578,12 +5038,12 @@
   </p:clrMapOvr>
   <mc:AlternateContent xmlns:mc="http://schemas.openxmlformats.org/markup-compatibility/2006">
     <mc:Choice xmlns:p14="http://schemas.microsoft.com/office/powerpoint/2010/main" Requires="p14">
-      <p:transition p14:dur="250">
-        <p:fade/>
+      <p:transition spd="slow" p14:dur="1300" advClick="0">
+        <p14:pan dir="u"/>
       </p:transition>
     </mc:Choice>
     <mc:Fallback>
-      <p:transition>
+      <p:transition spd="slow" advClick="0">
         <p:fade/>
       </p:transition>
     </mc:Fallback>
@@ -7623,8 +5083,8 @@
         </p:nvSpPr>
         <p:spPr>
           <a:xfrm>
-            <a:off x="4356848" y="1070387"/>
-            <a:ext cx="3700630" cy="2169825"/>
+            <a:off x="4356848" y="688491"/>
+            <a:ext cx="3700630" cy="2585323"/>
           </a:xfrm>
           <a:prstGeom prst="rect">
             <a:avLst/>
@@ -7644,7 +5104,7 @@
             </a:pPr>
             <a:r>
               <a:rPr lang="en-SG" dirty="0" smtClean="0"/>
-              <a:t>I’m hungry</a:t>
+              <a:t>I’m hungry.</a:t>
             </a:r>
           </a:p>
           <a:p>
@@ -7666,7 +5126,7 @@
             </a:pPr>
             <a:r>
               <a:rPr lang="en-SG" dirty="0" smtClean="0"/>
-              <a:t>I’m thirsty</a:t>
+              <a:t>I’m thirsty.</a:t>
             </a:r>
           </a:p>
           <a:p>
@@ -7677,7 +5137,7 @@
             </a:pPr>
             <a:r>
               <a:rPr lang="en-SG" dirty="0" smtClean="0"/>
-              <a:t>Dad says get it yourself</a:t>
+              <a:t>Dad says get it yourself.</a:t>
             </a:r>
           </a:p>
           <a:p>
@@ -7688,7 +5148,18 @@
             </a:pPr>
             <a:r>
               <a:rPr lang="en-SG" dirty="0" smtClean="0"/>
-              <a:t>I’m cold</a:t>
+              <a:t>I’m cold.</a:t>
+            </a:r>
+          </a:p>
+          <a:p>
+            <a:pPr algn="ctr">
+              <a:lnSpc>
+                <a:spcPct val="150000"/>
+              </a:lnSpc>
+            </a:pPr>
+            <a:r>
+              <a:rPr lang="en-SG" dirty="0" smtClean="0"/>
+              <a:t>Dad says to screw off.</a:t>
             </a:r>
             <a:endParaRPr lang="en-SG" dirty="0"/>
           </a:p>
@@ -7696,9 +5167,7 @@
       </p:sp>
       <p:sp>
         <p:nvSpPr>
-          <p:cNvPr id="6" name="TextBox 5">
-            <a:hlinkClick r:id="rId2" action="ppaction://hlinksldjump"/>
-          </p:cNvPr>
+          <p:cNvPr id="6" name="TextBox 5"/>
           <p:cNvSpPr txBox="1"/>
           <p:nvPr/>
         </p:nvSpPr>
@@ -7724,26 +5193,20 @@
           <a:lstStyle/>
           <a:p>
             <a:pPr algn="ctr"/>
-            <a:r>
-              <a:rPr lang="en-SG" dirty="0" smtClean="0"/>
-              <a:t>Ask dad for a hug</a:t>
-            </a:r>
             <a:endParaRPr lang="en-SG" dirty="0"/>
           </a:p>
         </p:txBody>
       </p:sp>
       <p:sp>
         <p:nvSpPr>
-          <p:cNvPr id="5" name="TextBox 4">
-            <a:hlinkClick r:id="rId3" action="ppaction://hlinksldjump"/>
-          </p:cNvPr>
-          <p:cNvSpPr txBox="1"/>
+          <p:cNvPr id="8" name="Rectangle 7"/>
+          <p:cNvSpPr/>
           <p:nvPr/>
         </p:nvSpPr>
         <p:spPr>
           <a:xfrm>
-            <a:off x="4826594" y="3785265"/>
-            <a:ext cx="2764716" cy="369332"/>
+            <a:off x="9515139" y="801444"/>
+            <a:ext cx="817581" cy="408791"/>
           </a:xfrm>
           <a:prstGeom prst="rect">
             <a:avLst/>
@@ -7753,52 +5216,6 @@
             <a:solidFill>
               <a:schemeClr val="tx1"/>
             </a:solidFill>
-          </a:ln>
-        </p:spPr>
-        <p:txBody>
-          <a:bodyPr wrap="square" rtlCol="0">
-            <a:spAutoFit/>
-          </a:bodyPr>
-          <a:lstStyle/>
-          <a:p>
-            <a:pPr algn="ctr"/>
-            <a:r>
-              <a:rPr lang="en-SG" dirty="0" smtClean="0"/>
-              <a:t>Keep quiet</a:t>
-            </a:r>
-            <a:endParaRPr lang="en-SG" dirty="0"/>
-          </a:p>
-        </p:txBody>
-      </p:sp>
-      <p:sp>
-        <p:nvSpPr>
-          <p:cNvPr id="11" name="Rectangle 10"/>
-          <p:cNvSpPr/>
-          <p:nvPr/>
-        </p:nvSpPr>
-        <p:spPr>
-          <a:xfrm>
-            <a:off x="0" y="0"/>
-            <a:ext cx="12192000" cy="3160990"/>
-          </a:xfrm>
-          <a:prstGeom prst="rect">
-            <a:avLst/>
-          </a:prstGeom>
-          <a:gradFill>
-            <a:gsLst>
-              <a:gs pos="99000">
-                <a:schemeClr val="bg1">
-                  <a:alpha val="0"/>
-                </a:schemeClr>
-              </a:gs>
-              <a:gs pos="15000">
-                <a:schemeClr val="bg1"/>
-              </a:gs>
-            </a:gsLst>
-            <a:lin ang="5400000" scaled="1"/>
-          </a:gradFill>
-          <a:ln>
-            <a:noFill/>
           </a:ln>
         </p:spPr>
         <p:style>
@@ -7821,20 +5238,63 @@
           <a:bodyPr rtlCol="0" anchor="ctr"/>
           <a:lstStyle/>
           <a:p>
-            <a:pPr algn="ctr"/>
-            <a:endParaRPr lang="en-SG"/>
-          </a:p>
-        </p:txBody>
-      </p:sp>
-      <p:sp>
-        <p:nvSpPr>
-          <p:cNvPr id="7" name="Rectangle 6"/>
+            <a:pPr algn="r"/>
+            <a:r>
+              <a:rPr lang="en-SG" dirty="0" smtClean="0">
+                <a:solidFill>
+                  <a:schemeClr val="tx1"/>
+                </a:solidFill>
+              </a:rPr>
+              <a:t>55</a:t>
+            </a:r>
+            <a:endParaRPr lang="en-SG" dirty="0">
+              <a:solidFill>
+                <a:schemeClr val="tx1"/>
+              </a:solidFill>
+            </a:endParaRPr>
+          </a:p>
+        </p:txBody>
+      </p:sp>
+      <p:sp>
+        <p:nvSpPr>
+          <p:cNvPr id="9" name="TextBox 8"/>
+          <p:cNvSpPr txBox="1"/>
+          <p:nvPr/>
+        </p:nvSpPr>
+        <p:spPr>
+          <a:xfrm>
+            <a:off x="8347934" y="812203"/>
+            <a:ext cx="1371599" cy="369332"/>
+          </a:xfrm>
+          <a:prstGeom prst="rect">
+            <a:avLst/>
+          </a:prstGeom>
+          <a:solidFill>
+            <a:schemeClr val="bg1"/>
+          </a:solidFill>
+        </p:spPr>
+        <p:txBody>
+          <a:bodyPr wrap="square" rtlCol="0">
+            <a:spAutoFit/>
+          </a:bodyPr>
+          <a:lstStyle/>
+          <a:p>
+            <a:r>
+              <a:rPr lang="en-SG" dirty="0" smtClean="0"/>
+              <a:t>Sustenance:</a:t>
+            </a:r>
+          </a:p>
+        </p:txBody>
+      </p:sp>
+      <p:sp>
+        <p:nvSpPr>
+          <p:cNvPr id="10" name="Rectangle 9"/>
           <p:cNvSpPr/>
           <p:nvPr/>
         </p:nvSpPr>
         <p:spPr>
           <a:xfrm>
-            <a:off x="9515139" y="801444"/>
+            <a:off x="9516932" y="1255062"/>
             <a:ext cx="817581" cy="408791"/>
           </a:xfrm>
           <a:prstGeom prst="rect">
@@ -7874,7 +5334,7 @@
                   <a:schemeClr val="tx1"/>
                 </a:solidFill>
               </a:rPr>
-              <a:t>55</a:t>
+              <a:t>45</a:t>
             </a:r>
             <a:endParaRPr lang="en-SG" dirty="0">
               <a:solidFill>
@@ -7886,13 +5346,13 @@
       </p:sp>
       <p:sp>
         <p:nvSpPr>
-          <p:cNvPr id="8" name="TextBox 7"/>
+          <p:cNvPr id="11" name="TextBox 10"/>
           <p:cNvSpPr txBox="1"/>
           <p:nvPr/>
         </p:nvSpPr>
         <p:spPr>
           <a:xfrm>
-            <a:off x="8347934" y="812203"/>
+            <a:off x="8269044" y="1265821"/>
             <a:ext cx="1371599" cy="369332"/>
           </a:xfrm>
           <a:prstGeom prst="rect">
@@ -7908,109 +5368,18 @@
           </a:bodyPr>
           <a:lstStyle/>
           <a:p>
-            <a:r>
-              <a:rPr lang="en-SG" dirty="0" smtClean="0"/>
-              <a:t>Sustenance</a:t>
-            </a:r>
-            <a:endParaRPr lang="en-SG" dirty="0" smtClean="0"/>
-          </a:p>
-        </p:txBody>
-      </p:sp>
-      <p:sp>
-        <p:nvSpPr>
-          <p:cNvPr id="9" name="Rectangle 8"/>
-          <p:cNvSpPr/>
-          <p:nvPr/>
-        </p:nvSpPr>
-        <p:spPr>
-          <a:xfrm>
-            <a:off x="9516932" y="1255062"/>
-            <a:ext cx="817581" cy="408791"/>
-          </a:xfrm>
-          <a:prstGeom prst="rect">
-            <a:avLst/>
-          </a:prstGeom>
-          <a:noFill/>
-          <a:ln>
-            <a:solidFill>
-              <a:schemeClr val="tx1"/>
-            </a:solidFill>
-          </a:ln>
-        </p:spPr>
-        <p:style>
-          <a:lnRef idx="2">
-            <a:schemeClr val="accent1">
-              <a:shade val="50000"/>
-            </a:schemeClr>
-          </a:lnRef>
-          <a:fillRef idx="1">
-            <a:schemeClr val="accent1"/>
-          </a:fillRef>
-          <a:effectRef idx="0">
-            <a:schemeClr val="accent1"/>
-          </a:effectRef>
-          <a:fontRef idx="minor">
-            <a:schemeClr val="lt1"/>
-          </a:fontRef>
-        </p:style>
-        <p:txBody>
-          <a:bodyPr rtlCol="0" anchor="ctr"/>
-          <a:lstStyle/>
-          <a:p>
             <a:pPr algn="r"/>
             <a:r>
-              <a:rPr lang="en-SG" dirty="0" smtClean="0">
-                <a:solidFill>
-                  <a:schemeClr val="tx1"/>
-                </a:solidFill>
-              </a:rPr>
-              <a:t>55</a:t>
-            </a:r>
-            <a:endParaRPr lang="en-SG" dirty="0">
-              <a:solidFill>
-                <a:schemeClr val="tx1"/>
-              </a:solidFill>
-            </a:endParaRPr>
-          </a:p>
-        </p:txBody>
-      </p:sp>
-      <p:sp>
-        <p:nvSpPr>
-          <p:cNvPr id="10" name="TextBox 9"/>
-          <p:cNvSpPr txBox="1"/>
-          <p:nvPr/>
-        </p:nvSpPr>
-        <p:spPr>
-          <a:xfrm>
-            <a:off x="8269044" y="1265821"/>
-            <a:ext cx="1371599" cy="369332"/>
-          </a:xfrm>
-          <a:prstGeom prst="rect">
-            <a:avLst/>
-          </a:prstGeom>
-          <a:solidFill>
-            <a:schemeClr val="bg1"/>
-          </a:solidFill>
-        </p:spPr>
-        <p:txBody>
-          <a:bodyPr wrap="square" rtlCol="0">
-            <a:spAutoFit/>
-          </a:bodyPr>
-          <a:lstStyle/>
-          <a:p>
-            <a:pPr algn="r"/>
-            <a:r>
-              <a:rPr lang="en-SG" dirty="0" smtClean="0"/>
-              <a:t>Happiness</a:t>
-            </a:r>
-            <a:endParaRPr lang="en-SG" dirty="0" smtClean="0"/>
+              <a:rPr lang="en-SG" dirty="0" smtClean="0"/>
+              <a:t>Happiness:</a:t>
+            </a:r>
           </a:p>
         </p:txBody>
       </p:sp>
     </p:spTree>
     <p:extLst>
       <p:ext uri="{BB962C8B-B14F-4D97-AF65-F5344CB8AC3E}">
-        <p14:creationId xmlns:p14="http://schemas.microsoft.com/office/powerpoint/2010/main" val="2342867531"/>
+        <p14:creationId xmlns:p14="http://schemas.microsoft.com/office/powerpoint/2010/main" val="1889656235"/>
       </p:ext>
     </p:extLst>
   </p:cSld>
@@ -8019,12 +5388,12 @@
   </p:clrMapOvr>
   <mc:AlternateContent xmlns:mc="http://schemas.openxmlformats.org/markup-compatibility/2006">
     <mc:Choice xmlns:p14="http://schemas.microsoft.com/office/powerpoint/2010/main" Requires="p14">
-      <p:transition p14:dur="250" advClick="0">
-        <p:fade/>
+      <p:transition spd="slow" p14:dur="1300" advClick="0">
+        <p14:pan dir="u"/>
       </p:transition>
     </mc:Choice>
     <mc:Fallback>
-      <p:transition advClick="0">
+      <p:transition spd="slow" advClick="0">
         <p:fade/>
       </p:transition>
     </mc:Fallback>
@@ -8140,7 +5509,7 @@
             </a:pPr>
             <a:r>
               <a:rPr lang="en-SG" dirty="0" smtClean="0"/>
-              <a:t>Dad says to screw off.</a:t>
+              <a:t>Dad takes a swig from his bottle</a:t>
             </a:r>
             <a:endParaRPr lang="en-SG" dirty="0"/>
           </a:p>
@@ -8180,33 +5549,23 @@
       </p:sp>
       <p:sp>
         <p:nvSpPr>
-          <p:cNvPr id="13" name="Rectangle 12"/>
+          <p:cNvPr id="5" name="Rectangle 4"/>
           <p:cNvSpPr/>
           <p:nvPr/>
         </p:nvSpPr>
         <p:spPr>
           <a:xfrm>
-            <a:off x="0" y="0"/>
-            <a:ext cx="12192000" cy="3160990"/>
+            <a:off x="9515139" y="801444"/>
+            <a:ext cx="817581" cy="408791"/>
           </a:xfrm>
           <a:prstGeom prst="rect">
             <a:avLst/>
           </a:prstGeom>
-          <a:gradFill>
-            <a:gsLst>
-              <a:gs pos="99000">
-                <a:schemeClr val="bg1">
-                  <a:alpha val="0"/>
-                </a:schemeClr>
-              </a:gs>
-              <a:gs pos="15000">
-                <a:schemeClr val="bg1"/>
-              </a:gs>
-            </a:gsLst>
-            <a:lin ang="5400000" scaled="1"/>
-          </a:gradFill>
+          <a:noFill/>
           <a:ln>
-            <a:noFill/>
+            <a:solidFill>
+              <a:schemeClr val="tx1"/>
+            </a:solidFill>
           </a:ln>
         </p:spPr>
         <p:style>
@@ -8229,8 +5588,51 @@
           <a:bodyPr rtlCol="0" anchor="ctr"/>
           <a:lstStyle/>
           <a:p>
-            <a:pPr algn="ctr"/>
-            <a:endParaRPr lang="en-SG"/>
+            <a:pPr algn="r"/>
+            <a:r>
+              <a:rPr lang="en-SG" dirty="0" smtClean="0">
+                <a:solidFill>
+                  <a:schemeClr val="tx1"/>
+                </a:solidFill>
+              </a:rPr>
+              <a:t>55</a:t>
+            </a:r>
+            <a:endParaRPr lang="en-SG" dirty="0">
+              <a:solidFill>
+                <a:schemeClr val="tx1"/>
+              </a:solidFill>
+            </a:endParaRPr>
+          </a:p>
+        </p:txBody>
+      </p:sp>
+      <p:sp>
+        <p:nvSpPr>
+          <p:cNvPr id="7" name="TextBox 6"/>
+          <p:cNvSpPr txBox="1"/>
+          <p:nvPr/>
+        </p:nvSpPr>
+        <p:spPr>
+          <a:xfrm>
+            <a:off x="8347934" y="812203"/>
+            <a:ext cx="1371599" cy="369332"/>
+          </a:xfrm>
+          <a:prstGeom prst="rect">
+            <a:avLst/>
+          </a:prstGeom>
+          <a:solidFill>
+            <a:schemeClr val="bg1"/>
+          </a:solidFill>
+        </p:spPr>
+        <p:txBody>
+          <a:bodyPr wrap="square" rtlCol="0">
+            <a:spAutoFit/>
+          </a:bodyPr>
+          <a:lstStyle/>
+          <a:p>
+            <a:r>
+              <a:rPr lang="en-SG" dirty="0" smtClean="0"/>
+              <a:t>Sustenance:</a:t>
+            </a:r>
           </a:p>
         </p:txBody>
       </p:sp>
@@ -8242,7 +5644,7 @@
         </p:nvSpPr>
         <p:spPr>
           <a:xfrm>
-            <a:off x="9515139" y="801444"/>
+            <a:off x="9516932" y="1255062"/>
             <a:ext cx="817581" cy="408791"/>
           </a:xfrm>
           <a:prstGeom prst="rect">
@@ -8282,7 +5684,7 @@
                   <a:schemeClr val="tx1"/>
                 </a:solidFill>
               </a:rPr>
-              <a:t>55</a:t>
+              <a:t>50</a:t>
             </a:r>
             <a:endParaRPr lang="en-SG" dirty="0">
               <a:solidFill>
@@ -8300,7 +5702,7 @@
         </p:nvSpPr>
         <p:spPr>
           <a:xfrm>
-            <a:off x="8347934" y="812203"/>
+            <a:off x="8269044" y="1265821"/>
             <a:ext cx="1371599" cy="369332"/>
           </a:xfrm>
           <a:prstGeom prst="rect">
@@ -8316,109 +5718,18 @@
           </a:bodyPr>
           <a:lstStyle/>
           <a:p>
-            <a:r>
-              <a:rPr lang="en-SG" dirty="0" smtClean="0"/>
-              <a:t>Sustenance</a:t>
-            </a:r>
-            <a:endParaRPr lang="en-SG" dirty="0" smtClean="0"/>
-          </a:p>
-        </p:txBody>
-      </p:sp>
-      <p:sp>
-        <p:nvSpPr>
-          <p:cNvPr id="10" name="Rectangle 9"/>
-          <p:cNvSpPr/>
-          <p:nvPr/>
-        </p:nvSpPr>
-        <p:spPr>
-          <a:xfrm>
-            <a:off x="9516932" y="1255062"/>
-            <a:ext cx="817581" cy="408791"/>
-          </a:xfrm>
-          <a:prstGeom prst="rect">
-            <a:avLst/>
-          </a:prstGeom>
-          <a:noFill/>
-          <a:ln>
-            <a:solidFill>
-              <a:schemeClr val="tx1"/>
-            </a:solidFill>
-          </a:ln>
-        </p:spPr>
-        <p:style>
-          <a:lnRef idx="2">
-            <a:schemeClr val="accent1">
-              <a:shade val="50000"/>
-            </a:schemeClr>
-          </a:lnRef>
-          <a:fillRef idx="1">
-            <a:schemeClr val="accent1"/>
-          </a:fillRef>
-          <a:effectRef idx="0">
-            <a:schemeClr val="accent1"/>
-          </a:effectRef>
-          <a:fontRef idx="minor">
-            <a:schemeClr val="lt1"/>
-          </a:fontRef>
-        </p:style>
-        <p:txBody>
-          <a:bodyPr rtlCol="0" anchor="ctr"/>
-          <a:lstStyle/>
-          <a:p>
             <a:pPr algn="r"/>
             <a:r>
-              <a:rPr lang="en-SG" dirty="0" smtClean="0">
-                <a:solidFill>
-                  <a:schemeClr val="tx1"/>
-                </a:solidFill>
-              </a:rPr>
-              <a:t>45</a:t>
-            </a:r>
-            <a:endParaRPr lang="en-SG" dirty="0">
-              <a:solidFill>
-                <a:schemeClr val="tx1"/>
-              </a:solidFill>
-            </a:endParaRPr>
-          </a:p>
-        </p:txBody>
-      </p:sp>
-      <p:sp>
-        <p:nvSpPr>
-          <p:cNvPr id="11" name="TextBox 10"/>
-          <p:cNvSpPr txBox="1"/>
-          <p:nvPr/>
-        </p:nvSpPr>
-        <p:spPr>
-          <a:xfrm>
-            <a:off x="8269044" y="1265821"/>
-            <a:ext cx="1371599" cy="369332"/>
-          </a:xfrm>
-          <a:prstGeom prst="rect">
-            <a:avLst/>
-          </a:prstGeom>
-          <a:solidFill>
-            <a:schemeClr val="bg1"/>
-          </a:solidFill>
-        </p:spPr>
-        <p:txBody>
-          <a:bodyPr wrap="square" rtlCol="0">
-            <a:spAutoFit/>
-          </a:bodyPr>
-          <a:lstStyle/>
-          <a:p>
-            <a:pPr algn="r"/>
-            <a:r>
-              <a:rPr lang="en-SG" dirty="0" smtClean="0"/>
-              <a:t>Happiness</a:t>
-            </a:r>
-            <a:endParaRPr lang="en-SG" dirty="0" smtClean="0"/>
+              <a:rPr lang="en-SG" dirty="0" smtClean="0"/>
+              <a:t>Happiness:</a:t>
+            </a:r>
           </a:p>
         </p:txBody>
       </p:sp>
     </p:spTree>
     <p:extLst>
       <p:ext uri="{BB962C8B-B14F-4D97-AF65-F5344CB8AC3E}">
-        <p14:creationId xmlns:p14="http://schemas.microsoft.com/office/powerpoint/2010/main" val="1889656235"/>
+        <p14:creationId xmlns:p14="http://schemas.microsoft.com/office/powerpoint/2010/main" val="2949835420"/>
       </p:ext>
     </p:extLst>
   </p:cSld>
@@ -8427,12 +5738,12 @@
   </p:clrMapOvr>
   <mc:AlternateContent xmlns:mc="http://schemas.openxmlformats.org/markup-compatibility/2006">
     <mc:Choice xmlns:p14="http://schemas.microsoft.com/office/powerpoint/2010/main" Requires="p14">
-      <p:transition p14:dur="250" advClick="0">
-        <p:fade/>
+      <p:transition spd="slow" p14:dur="1300">
+        <p14:pan dir="u"/>
       </p:transition>
     </mc:Choice>
     <mc:Fallback>
-      <p:transition advClick="0">
+      <p:transition spd="slow">
         <p:fade/>
       </p:transition>
     </mc:Fallback>
@@ -8472,8 +5783,8 @@
         </p:nvSpPr>
         <p:spPr>
           <a:xfrm>
-            <a:off x="4356848" y="688491"/>
-            <a:ext cx="3700630" cy="2585323"/>
+            <a:off x="4356848" y="2775341"/>
+            <a:ext cx="3700630" cy="507831"/>
           </a:xfrm>
           <a:prstGeom prst="rect">
             <a:avLst/>
@@ -8493,62 +5804,15 @@
             </a:pPr>
             <a:r>
               <a:rPr lang="en-SG" dirty="0" smtClean="0"/>
-              <a:t>I’m hungry.</a:t>
-            </a:r>
-          </a:p>
-          <a:p>
-            <a:pPr algn="ctr">
-              <a:lnSpc>
-                <a:spcPct val="150000"/>
-              </a:lnSpc>
-            </a:pPr>
-            <a:r>
-              <a:rPr lang="en-SG" dirty="0" smtClean="0"/>
-              <a:t>Dad says there’s no food left.</a:t>
-            </a:r>
-          </a:p>
-          <a:p>
-            <a:pPr algn="ctr">
-              <a:lnSpc>
-                <a:spcPct val="150000"/>
-              </a:lnSpc>
-            </a:pPr>
-            <a:r>
-              <a:rPr lang="en-SG" dirty="0" smtClean="0"/>
-              <a:t>I’m thirsty.</a:t>
-            </a:r>
-          </a:p>
-          <a:p>
-            <a:pPr algn="ctr">
-              <a:lnSpc>
-                <a:spcPct val="150000"/>
-              </a:lnSpc>
-            </a:pPr>
-            <a:r>
-              <a:rPr lang="en-SG" dirty="0" smtClean="0"/>
-              <a:t>Dad says get it yourself.</a:t>
-            </a:r>
-          </a:p>
-          <a:p>
-            <a:pPr algn="ctr">
-              <a:lnSpc>
-                <a:spcPct val="150000"/>
-              </a:lnSpc>
-            </a:pPr>
-            <a:r>
-              <a:rPr lang="en-SG" dirty="0" smtClean="0"/>
-              <a:t>I’m cold.</a:t>
-            </a:r>
-          </a:p>
-          <a:p>
-            <a:pPr algn="ctr">
-              <a:lnSpc>
-                <a:spcPct val="150000"/>
-              </a:lnSpc>
-            </a:pPr>
-            <a:r>
-              <a:rPr lang="en-SG" dirty="0" smtClean="0"/>
-              <a:t>Dad takes a swig from his bottle</a:t>
+              <a:t>It’s my 18</a:t>
+            </a:r>
+            <a:r>
+              <a:rPr lang="en-SG" baseline="30000" dirty="0" smtClean="0"/>
+              <a:t>th</a:t>
+            </a:r>
+            <a:r>
+              <a:rPr lang="en-SG" dirty="0" smtClean="0"/>
+              <a:t> birthday.</a:t>
             </a:r>
             <a:endParaRPr lang="en-SG" dirty="0"/>
           </a:p>
@@ -8562,8 +5826,8 @@
         </p:nvSpPr>
         <p:spPr>
           <a:xfrm>
-            <a:off x="4824805" y="3240212"/>
-            <a:ext cx="2764716" cy="369332"/>
+            <a:off x="4667250" y="3240212"/>
+            <a:ext cx="3143249" cy="369332"/>
           </a:xfrm>
           <a:prstGeom prst="rect">
             <a:avLst/>
@@ -8582,39 +5846,33 @@
           <a:lstStyle/>
           <a:p>
             <a:pPr algn="ctr"/>
+            <a:r>
+              <a:rPr lang="en-SG" dirty="0" smtClean="0"/>
+              <a:t>Blow out an imaginary candle</a:t>
+            </a:r>
             <a:endParaRPr lang="en-SG" dirty="0"/>
           </a:p>
         </p:txBody>
       </p:sp>
       <p:sp>
         <p:nvSpPr>
-          <p:cNvPr id="10" name="Rectangle 9"/>
+          <p:cNvPr id="8" name="Rectangle 7"/>
           <p:cNvSpPr/>
           <p:nvPr/>
         </p:nvSpPr>
         <p:spPr>
           <a:xfrm>
-            <a:off x="0" y="0"/>
-            <a:ext cx="12192000" cy="3160990"/>
+            <a:off x="9515139" y="801444"/>
+            <a:ext cx="817581" cy="408791"/>
           </a:xfrm>
           <a:prstGeom prst="rect">
             <a:avLst/>
           </a:prstGeom>
-          <a:gradFill>
-            <a:gsLst>
-              <a:gs pos="99000">
-                <a:schemeClr val="bg1">
-                  <a:alpha val="0"/>
-                </a:schemeClr>
-              </a:gs>
-              <a:gs pos="15000">
-                <a:schemeClr val="bg1"/>
-              </a:gs>
-            </a:gsLst>
-            <a:lin ang="5400000" scaled="1"/>
-          </a:gradFill>
+          <a:noFill/>
           <a:ln>
-            <a:noFill/>
+            <a:solidFill>
+              <a:schemeClr val="tx1"/>
+            </a:solidFill>
           </a:ln>
         </p:spPr>
         <p:style>
@@ -8637,20 +5895,63 @@
           <a:bodyPr rtlCol="0" anchor="ctr"/>
           <a:lstStyle/>
           <a:p>
-            <a:pPr algn="ctr"/>
-            <a:endParaRPr lang="en-SG"/>
-          </a:p>
-        </p:txBody>
-      </p:sp>
-      <p:sp>
-        <p:nvSpPr>
-          <p:cNvPr id="5" name="Rectangle 4"/>
+            <a:pPr algn="r"/>
+            <a:r>
+              <a:rPr lang="en-SG" dirty="0" smtClean="0">
+                <a:solidFill>
+                  <a:schemeClr val="tx1"/>
+                </a:solidFill>
+              </a:rPr>
+              <a:t>40</a:t>
+            </a:r>
+            <a:endParaRPr lang="en-SG" dirty="0">
+              <a:solidFill>
+                <a:schemeClr val="tx1"/>
+              </a:solidFill>
+            </a:endParaRPr>
+          </a:p>
+        </p:txBody>
+      </p:sp>
+      <p:sp>
+        <p:nvSpPr>
+          <p:cNvPr id="9" name="TextBox 8"/>
+          <p:cNvSpPr txBox="1"/>
+          <p:nvPr/>
+        </p:nvSpPr>
+        <p:spPr>
+          <a:xfrm>
+            <a:off x="8347934" y="812203"/>
+            <a:ext cx="1371599" cy="369332"/>
+          </a:xfrm>
+          <a:prstGeom prst="rect">
+            <a:avLst/>
+          </a:prstGeom>
+          <a:solidFill>
+            <a:schemeClr val="bg1"/>
+          </a:solidFill>
+        </p:spPr>
+        <p:txBody>
+          <a:bodyPr wrap="square" rtlCol="0">
+            <a:spAutoFit/>
+          </a:bodyPr>
+          <a:lstStyle/>
+          <a:p>
+            <a:r>
+              <a:rPr lang="en-SG" dirty="0" smtClean="0"/>
+              <a:t>Sustenance:</a:t>
+            </a:r>
+          </a:p>
+        </p:txBody>
+      </p:sp>
+      <p:sp>
+        <p:nvSpPr>
+          <p:cNvPr id="10" name="Rectangle 9"/>
           <p:cNvSpPr/>
           <p:nvPr/>
         </p:nvSpPr>
         <p:spPr>
           <a:xfrm>
-            <a:off x="9515139" y="801444"/>
+            <a:off x="9516932" y="1255062"/>
             <a:ext cx="817581" cy="408791"/>
           </a:xfrm>
           <a:prstGeom prst="rect">
@@ -8690,7 +5991,7 @@
                   <a:schemeClr val="tx1"/>
                 </a:solidFill>
               </a:rPr>
-              <a:t>55</a:t>
+              <a:t>35</a:t>
             </a:r>
             <a:endParaRPr lang="en-SG" dirty="0">
               <a:solidFill>
@@ -8702,13 +6003,13 @@
       </p:sp>
       <p:sp>
         <p:nvSpPr>
-          <p:cNvPr id="7" name="TextBox 6"/>
+          <p:cNvPr id="11" name="TextBox 10"/>
           <p:cNvSpPr txBox="1"/>
           <p:nvPr/>
         </p:nvSpPr>
         <p:spPr>
           <a:xfrm>
-            <a:off x="8347934" y="812203"/>
+            <a:off x="8269044" y="1265821"/>
             <a:ext cx="1371599" cy="369332"/>
           </a:xfrm>
           <a:prstGeom prst="rect">
@@ -8724,109 +6025,18 @@
           </a:bodyPr>
           <a:lstStyle/>
           <a:p>
-            <a:r>
-              <a:rPr lang="en-SG" dirty="0" smtClean="0"/>
-              <a:t>Sustenance</a:t>
-            </a:r>
-            <a:endParaRPr lang="en-SG" dirty="0" smtClean="0"/>
-          </a:p>
-        </p:txBody>
-      </p:sp>
-      <p:sp>
-        <p:nvSpPr>
-          <p:cNvPr id="8" name="Rectangle 7"/>
-          <p:cNvSpPr/>
-          <p:nvPr/>
-        </p:nvSpPr>
-        <p:spPr>
-          <a:xfrm>
-            <a:off x="9516932" y="1255062"/>
-            <a:ext cx="817581" cy="408791"/>
-          </a:xfrm>
-          <a:prstGeom prst="rect">
-            <a:avLst/>
-          </a:prstGeom>
-          <a:noFill/>
-          <a:ln>
-            <a:solidFill>
-              <a:schemeClr val="tx1"/>
-            </a:solidFill>
-          </a:ln>
-        </p:spPr>
-        <p:style>
-          <a:lnRef idx="2">
-            <a:schemeClr val="accent1">
-              <a:shade val="50000"/>
-            </a:schemeClr>
-          </a:lnRef>
-          <a:fillRef idx="1">
-            <a:schemeClr val="accent1"/>
-          </a:fillRef>
-          <a:effectRef idx="0">
-            <a:schemeClr val="accent1"/>
-          </a:effectRef>
-          <a:fontRef idx="minor">
-            <a:schemeClr val="lt1"/>
-          </a:fontRef>
-        </p:style>
-        <p:txBody>
-          <a:bodyPr rtlCol="0" anchor="ctr"/>
-          <a:lstStyle/>
-          <a:p>
             <a:pPr algn="r"/>
             <a:r>
-              <a:rPr lang="en-SG" dirty="0" smtClean="0">
-                <a:solidFill>
-                  <a:schemeClr val="tx1"/>
-                </a:solidFill>
-              </a:rPr>
-              <a:t>50</a:t>
-            </a:r>
-            <a:endParaRPr lang="en-SG" dirty="0">
-              <a:solidFill>
-                <a:schemeClr val="tx1"/>
-              </a:solidFill>
-            </a:endParaRPr>
-          </a:p>
-        </p:txBody>
-      </p:sp>
-      <p:sp>
-        <p:nvSpPr>
-          <p:cNvPr id="9" name="TextBox 8"/>
-          <p:cNvSpPr txBox="1"/>
-          <p:nvPr/>
-        </p:nvSpPr>
-        <p:spPr>
-          <a:xfrm>
-            <a:off x="8269044" y="1265821"/>
-            <a:ext cx="1371599" cy="369332"/>
-          </a:xfrm>
-          <a:prstGeom prst="rect">
-            <a:avLst/>
-          </a:prstGeom>
-          <a:solidFill>
-            <a:schemeClr val="bg1"/>
-          </a:solidFill>
-        </p:spPr>
-        <p:txBody>
-          <a:bodyPr wrap="square" rtlCol="0">
-            <a:spAutoFit/>
-          </a:bodyPr>
-          <a:lstStyle/>
-          <a:p>
-            <a:pPr algn="r"/>
-            <a:r>
-              <a:rPr lang="en-SG" dirty="0" smtClean="0"/>
-              <a:t>Happiness</a:t>
-            </a:r>
-            <a:endParaRPr lang="en-SG" dirty="0" smtClean="0"/>
+              <a:rPr lang="en-SG" dirty="0" smtClean="0"/>
+              <a:t>Happiness:</a:t>
+            </a:r>
           </a:p>
         </p:txBody>
       </p:sp>
     </p:spTree>
     <p:extLst>
       <p:ext uri="{BB962C8B-B14F-4D97-AF65-F5344CB8AC3E}">
-        <p14:creationId xmlns:p14="http://schemas.microsoft.com/office/powerpoint/2010/main" val="2949835420"/>
+        <p14:creationId xmlns:p14="http://schemas.microsoft.com/office/powerpoint/2010/main" val="1140545314"/>
       </p:ext>
     </p:extLst>
   </p:cSld>
@@ -8835,12 +6045,12 @@
   </p:clrMapOvr>
   <mc:AlternateContent xmlns:mc="http://schemas.openxmlformats.org/markup-compatibility/2006">
     <mc:Choice xmlns:p14="http://schemas.microsoft.com/office/powerpoint/2010/main" Requires="p14">
-      <p:transition p14:dur="250">
-        <p:fade/>
+      <p:transition spd="slow" p14:dur="1300" advClick="0">
+        <p14:pan dir="u"/>
       </p:transition>
     </mc:Choice>
     <mc:Fallback>
-      <p:transition>
+      <p:transition spd="slow" advClick="0">
         <p:fade/>
       </p:transition>
     </mc:Fallback>
@@ -8880,8 +6090,8 @@
         </p:nvSpPr>
         <p:spPr>
           <a:xfrm>
-            <a:off x="4356848" y="2775341"/>
-            <a:ext cx="3700630" cy="507831"/>
+            <a:off x="4356848" y="2337181"/>
+            <a:ext cx="3700630" cy="923330"/>
           </a:xfrm>
           <a:prstGeom prst="rect">
             <a:avLst/>
@@ -8910,6 +6120,17 @@
             <a:r>
               <a:rPr lang="en-SG" dirty="0" smtClean="0"/>
               <a:t> birthday.</a:t>
+            </a:r>
+          </a:p>
+          <a:p>
+            <a:pPr algn="ctr">
+              <a:lnSpc>
+                <a:spcPct val="150000"/>
+              </a:lnSpc>
+            </a:pPr>
+            <a:r>
+              <a:rPr lang="en-SG" dirty="0" smtClean="0"/>
+              <a:t>You wish yourself a happy birthday</a:t>
             </a:r>
             <a:endParaRPr lang="en-SG" dirty="0"/>
           </a:p>
@@ -8943,43 +6164,29 @@
           <a:lstStyle/>
           <a:p>
             <a:pPr algn="ctr"/>
-            <a:r>
-              <a:rPr lang="en-SG" dirty="0" smtClean="0"/>
-              <a:t>Blow out an imaginary candle</a:t>
-            </a:r>
             <a:endParaRPr lang="en-SG" dirty="0"/>
           </a:p>
         </p:txBody>
       </p:sp>
       <p:sp>
         <p:nvSpPr>
-          <p:cNvPr id="12" name="Rectangle 11"/>
+          <p:cNvPr id="8" name="Rectangle 7"/>
           <p:cNvSpPr/>
           <p:nvPr/>
         </p:nvSpPr>
         <p:spPr>
           <a:xfrm>
-            <a:off x="0" y="0"/>
-            <a:ext cx="12192000" cy="3160990"/>
+            <a:off x="9515139" y="801444"/>
+            <a:ext cx="817581" cy="408791"/>
           </a:xfrm>
           <a:prstGeom prst="rect">
             <a:avLst/>
           </a:prstGeom>
-          <a:gradFill>
-            <a:gsLst>
-              <a:gs pos="99000">
-                <a:schemeClr val="bg1">
-                  <a:alpha val="0"/>
-                </a:schemeClr>
-              </a:gs>
-              <a:gs pos="15000">
-                <a:schemeClr val="bg1"/>
-              </a:gs>
-            </a:gsLst>
-            <a:lin ang="5400000" scaled="1"/>
-          </a:gradFill>
+          <a:noFill/>
           <a:ln>
-            <a:noFill/>
+            <a:solidFill>
+              <a:schemeClr val="tx1"/>
+            </a:solidFill>
           </a:ln>
         </p:spPr>
         <p:style>
@@ -9002,20 +6209,63 @@
           <a:bodyPr rtlCol="0" anchor="ctr"/>
           <a:lstStyle/>
           <a:p>
-            <a:pPr algn="ctr"/>
-            <a:endParaRPr lang="en-SG"/>
-          </a:p>
-        </p:txBody>
-      </p:sp>
-      <p:sp>
-        <p:nvSpPr>
-          <p:cNvPr id="8" name="Rectangle 7"/>
+            <a:pPr algn="r"/>
+            <a:r>
+              <a:rPr lang="en-SG" dirty="0" smtClean="0">
+                <a:solidFill>
+                  <a:schemeClr val="tx1"/>
+                </a:solidFill>
+              </a:rPr>
+              <a:t>40</a:t>
+            </a:r>
+            <a:endParaRPr lang="en-SG" dirty="0">
+              <a:solidFill>
+                <a:schemeClr val="tx1"/>
+              </a:solidFill>
+            </a:endParaRPr>
+          </a:p>
+        </p:txBody>
+      </p:sp>
+      <p:sp>
+        <p:nvSpPr>
+          <p:cNvPr id="9" name="TextBox 8"/>
+          <p:cNvSpPr txBox="1"/>
+          <p:nvPr/>
+        </p:nvSpPr>
+        <p:spPr>
+          <a:xfrm>
+            <a:off x="8347934" y="812203"/>
+            <a:ext cx="1371599" cy="369332"/>
+          </a:xfrm>
+          <a:prstGeom prst="rect">
+            <a:avLst/>
+          </a:prstGeom>
+          <a:solidFill>
+            <a:schemeClr val="bg1"/>
+          </a:solidFill>
+        </p:spPr>
+        <p:txBody>
+          <a:bodyPr wrap="square" rtlCol="0">
+            <a:spAutoFit/>
+          </a:bodyPr>
+          <a:lstStyle/>
+          <a:p>
+            <a:r>
+              <a:rPr lang="en-SG" dirty="0" smtClean="0"/>
+              <a:t>Sustenance:</a:t>
+            </a:r>
+          </a:p>
+        </p:txBody>
+      </p:sp>
+      <p:sp>
+        <p:nvSpPr>
+          <p:cNvPr id="10" name="Rectangle 9"/>
           <p:cNvSpPr/>
           <p:nvPr/>
         </p:nvSpPr>
         <p:spPr>
           <a:xfrm>
-            <a:off x="9515139" y="801444"/>
+            <a:off x="9516932" y="1255062"/>
             <a:ext cx="817581" cy="408791"/>
           </a:xfrm>
           <a:prstGeom prst="rect">
@@ -9067,13 +6317,13 @@
       </p:sp>
       <p:sp>
         <p:nvSpPr>
-          <p:cNvPr id="9" name="TextBox 8"/>
+          <p:cNvPr id="11" name="TextBox 10"/>
           <p:cNvSpPr txBox="1"/>
           <p:nvPr/>
         </p:nvSpPr>
         <p:spPr>
           <a:xfrm>
-            <a:off x="8347934" y="812203"/>
+            <a:off x="8269044" y="1265821"/>
             <a:ext cx="1371599" cy="369332"/>
           </a:xfrm>
           <a:prstGeom prst="rect">
@@ -9089,109 +6339,18 @@
           </a:bodyPr>
           <a:lstStyle/>
           <a:p>
-            <a:r>
-              <a:rPr lang="en-SG" dirty="0" smtClean="0"/>
-              <a:t>Sustenance</a:t>
-            </a:r>
-            <a:endParaRPr lang="en-SG" dirty="0" smtClean="0"/>
-          </a:p>
-        </p:txBody>
-      </p:sp>
-      <p:sp>
-        <p:nvSpPr>
-          <p:cNvPr id="10" name="Rectangle 9"/>
-          <p:cNvSpPr/>
-          <p:nvPr/>
-        </p:nvSpPr>
-        <p:spPr>
-          <a:xfrm>
-            <a:off x="9516932" y="1255062"/>
-            <a:ext cx="817581" cy="408791"/>
-          </a:xfrm>
-          <a:prstGeom prst="rect">
-            <a:avLst/>
-          </a:prstGeom>
-          <a:noFill/>
-          <a:ln>
-            <a:solidFill>
-              <a:schemeClr val="tx1"/>
-            </a:solidFill>
-          </a:ln>
-        </p:spPr>
-        <p:style>
-          <a:lnRef idx="2">
-            <a:schemeClr val="accent1">
-              <a:shade val="50000"/>
-            </a:schemeClr>
-          </a:lnRef>
-          <a:fillRef idx="1">
-            <a:schemeClr val="accent1"/>
-          </a:fillRef>
-          <a:effectRef idx="0">
-            <a:schemeClr val="accent1"/>
-          </a:effectRef>
-          <a:fontRef idx="minor">
-            <a:schemeClr val="lt1"/>
-          </a:fontRef>
-        </p:style>
-        <p:txBody>
-          <a:bodyPr rtlCol="0" anchor="ctr"/>
-          <a:lstStyle/>
-          <a:p>
             <a:pPr algn="r"/>
             <a:r>
-              <a:rPr lang="en-SG" dirty="0" smtClean="0">
-                <a:solidFill>
-                  <a:schemeClr val="tx1"/>
-                </a:solidFill>
-              </a:rPr>
-              <a:t>35</a:t>
-            </a:r>
-            <a:endParaRPr lang="en-SG" dirty="0">
-              <a:solidFill>
-                <a:schemeClr val="tx1"/>
-              </a:solidFill>
-            </a:endParaRPr>
-          </a:p>
-        </p:txBody>
-      </p:sp>
-      <p:sp>
-        <p:nvSpPr>
-          <p:cNvPr id="11" name="TextBox 10"/>
-          <p:cNvSpPr txBox="1"/>
-          <p:nvPr/>
-        </p:nvSpPr>
-        <p:spPr>
-          <a:xfrm>
-            <a:off x="8269044" y="1265821"/>
-            <a:ext cx="1371599" cy="369332"/>
-          </a:xfrm>
-          <a:prstGeom prst="rect">
-            <a:avLst/>
-          </a:prstGeom>
-          <a:solidFill>
-            <a:schemeClr val="bg1"/>
-          </a:solidFill>
-        </p:spPr>
-        <p:txBody>
-          <a:bodyPr wrap="square" rtlCol="0">
-            <a:spAutoFit/>
-          </a:bodyPr>
-          <a:lstStyle/>
-          <a:p>
-            <a:pPr algn="r"/>
-            <a:r>
-              <a:rPr lang="en-SG" dirty="0" smtClean="0"/>
-              <a:t>Happiness</a:t>
-            </a:r>
-            <a:endParaRPr lang="en-SG" dirty="0" smtClean="0"/>
+              <a:rPr lang="en-SG" dirty="0" smtClean="0"/>
+              <a:t>Happiness:</a:t>
+            </a:r>
           </a:p>
         </p:txBody>
       </p:sp>
     </p:spTree>
     <p:extLst>
       <p:ext uri="{BB962C8B-B14F-4D97-AF65-F5344CB8AC3E}">
-        <p14:creationId xmlns:p14="http://schemas.microsoft.com/office/powerpoint/2010/main" val="1140545314"/>
+        <p14:creationId xmlns:p14="http://schemas.microsoft.com/office/powerpoint/2010/main" val="3728165403"/>
       </p:ext>
     </p:extLst>
   </p:cSld>
@@ -9200,12 +6359,12 @@
   </p:clrMapOvr>
   <mc:AlternateContent xmlns:mc="http://schemas.openxmlformats.org/markup-compatibility/2006">
     <mc:Choice xmlns:p14="http://schemas.microsoft.com/office/powerpoint/2010/main" Requires="p14">
-      <p:transition p14:dur="250" advClick="0">
-        <p:fade/>
+      <p:transition spd="slow" p14:dur="1300" advClick="0">
+        <p14:pan dir="u"/>
       </p:transition>
     </mc:Choice>
     <mc:Fallback>
-      <p:transition advClick="0">
+      <p:transition spd="slow" advClick="0">
         <p:fade/>
       </p:transition>
     </mc:Fallback>
